--- a/docs/W-9 Working Document/W-9.3 Presentation Slides/Phase 2/Submission/vms_presentation_2_v1.0.pptx
+++ b/docs/W-9 Working Document/W-9.3 Presentation Slides/Phase 2/Submission/vms_presentation_2_v1.0.pptx
@@ -5,10 +5,10 @@
     <p:sldMasterId id="2147483652" r:id="rId1"/>
   </p:sldMasterIdLst>
   <p:notesMasterIdLst>
-    <p:notesMasterId r:id="rId29"/>
+    <p:notesMasterId r:id="rId30"/>
   </p:notesMasterIdLst>
   <p:handoutMasterIdLst>
-    <p:handoutMasterId r:id="rId30"/>
+    <p:handoutMasterId r:id="rId31"/>
   </p:handoutMasterIdLst>
   <p:sldIdLst>
     <p:sldId id="256" r:id="rId2"/>
@@ -23,21 +23,22 @@
     <p:sldId id="324" r:id="rId11"/>
     <p:sldId id="305" r:id="rId12"/>
     <p:sldId id="265" r:id="rId13"/>
-    <p:sldId id="325" r:id="rId14"/>
-    <p:sldId id="317" r:id="rId15"/>
-    <p:sldId id="318" r:id="rId16"/>
-    <p:sldId id="319" r:id="rId17"/>
-    <p:sldId id="307" r:id="rId18"/>
-    <p:sldId id="284" r:id="rId19"/>
-    <p:sldId id="283" r:id="rId20"/>
-    <p:sldId id="308" r:id="rId21"/>
-    <p:sldId id="261" r:id="rId22"/>
-    <p:sldId id="309" r:id="rId23"/>
-    <p:sldId id="322" r:id="rId24"/>
-    <p:sldId id="320" r:id="rId25"/>
-    <p:sldId id="262" r:id="rId26"/>
-    <p:sldId id="311" r:id="rId27"/>
-    <p:sldId id="282" r:id="rId28"/>
+    <p:sldId id="326" r:id="rId14"/>
+    <p:sldId id="325" r:id="rId15"/>
+    <p:sldId id="317" r:id="rId16"/>
+    <p:sldId id="318" r:id="rId17"/>
+    <p:sldId id="319" r:id="rId18"/>
+    <p:sldId id="307" r:id="rId19"/>
+    <p:sldId id="284" r:id="rId20"/>
+    <p:sldId id="283" r:id="rId21"/>
+    <p:sldId id="308" r:id="rId22"/>
+    <p:sldId id="261" r:id="rId23"/>
+    <p:sldId id="309" r:id="rId24"/>
+    <p:sldId id="322" r:id="rId25"/>
+    <p:sldId id="320" r:id="rId26"/>
+    <p:sldId id="262" r:id="rId27"/>
+    <p:sldId id="311" r:id="rId28"/>
+    <p:sldId id="282" r:id="rId29"/>
   </p:sldIdLst>
   <p:sldSz cx="9144000" cy="6858000" type="screen4x3"/>
   <p:notesSz cx="7010400" cy="9296400"/>
@@ -4472,21 +4473,21 @@
     </dgm:pt>
   </dgm:ptLst>
   <dgm:cxnLst>
+    <dgm:cxn modelId="{FCD099FA-4F06-4275-9DF4-7552D29FA9CB}" type="presOf" srcId="{3ED2506A-D607-4A12-8A50-AC72420F3F00}" destId="{715D256F-02F7-4191-B84E-3A4C6CD8FFC5}" srcOrd="0" destOrd="0" presId="urn:microsoft.com/office/officeart/2005/8/layout/process2"/>
+    <dgm:cxn modelId="{3674EAE9-5C2E-4F0D-9BE7-5234E85DC312}" type="presOf" srcId="{8CAA25DF-3B38-443D-A48F-CCAB7142450C}" destId="{4DA5EE49-8168-4D22-9537-7BE4A3708548}" srcOrd="0" destOrd="0" presId="urn:microsoft.com/office/officeart/2005/8/layout/process2"/>
+    <dgm:cxn modelId="{1417121F-BF3C-49F7-91CD-28895F1A9C54}" type="presOf" srcId="{50A8F3E4-F51A-4E67-BB1C-EFC8155DD776}" destId="{5EF98626-1B98-4F0E-B74A-248A9D343D4B}" srcOrd="1" destOrd="0" presId="urn:microsoft.com/office/officeart/2005/8/layout/process2"/>
     <dgm:cxn modelId="{3A49BE87-DDE8-4117-90E1-4D1F43716916}" type="presOf" srcId="{B7FC2DBC-2209-4B52-A6BB-A5B96B108E97}" destId="{30F2A522-5361-42FD-BDF3-9AAF9B6E48CD}" srcOrd="0" destOrd="0" presId="urn:microsoft.com/office/officeart/2005/8/layout/process2"/>
+    <dgm:cxn modelId="{AE85E0F8-3E84-4834-ACE2-FEF364977D56}" srcId="{DC9B3652-DE2A-4335-B0FB-3045EDEEA6A8}" destId="{F9D03C1F-FCD3-47EE-8DD0-0D1606D84F14}" srcOrd="3" destOrd="0" parTransId="{9873DB66-AF3B-4D25-B308-EBD2C0797D8B}" sibTransId="{53717F26-050D-4185-9F29-62773EF64F6B}"/>
+    <dgm:cxn modelId="{57875DBF-32A5-4055-B5DD-2D37F8209E9F}" type="presOf" srcId="{F9D03C1F-FCD3-47EE-8DD0-0D1606D84F14}" destId="{AE75F7EB-863A-409D-A3CE-B00CBC7A14AA}" srcOrd="0" destOrd="0" presId="urn:microsoft.com/office/officeart/2005/8/layout/process2"/>
+    <dgm:cxn modelId="{FD02D3B5-4382-4110-B6E3-38F56D702F7F}" type="presOf" srcId="{186EB40E-0379-4173-8900-E632C05B1B0B}" destId="{B95826F5-EC8D-4A7F-8A27-E8AB981A9383}" srcOrd="1" destOrd="0" presId="urn:microsoft.com/office/officeart/2005/8/layout/process2"/>
+    <dgm:cxn modelId="{B5133DE3-4354-4D03-B7CF-D23477E96DD9}" srcId="{DC9B3652-DE2A-4335-B0FB-3045EDEEA6A8}" destId="{8CAA25DF-3B38-443D-A48F-CCAB7142450C}" srcOrd="2" destOrd="0" parTransId="{4BD1F383-75F3-4570-947F-2F89081482BF}" sibTransId="{186EB40E-0379-4173-8900-E632C05B1B0B}"/>
+    <dgm:cxn modelId="{1F632DDF-2108-42D1-8F30-E4933BE2547B}" type="presOf" srcId="{DC9B3652-DE2A-4335-B0FB-3045EDEEA6A8}" destId="{40A287E9-C42B-4334-9643-572CE6DD897B}" srcOrd="0" destOrd="0" presId="urn:microsoft.com/office/officeart/2005/8/layout/process2"/>
     <dgm:cxn modelId="{442EB815-09F3-4564-824E-AF9A49E81176}" srcId="{DC9B3652-DE2A-4335-B0FB-3045EDEEA6A8}" destId="{0E522B13-F764-4BC6-83A0-CA4F5944C6E0}" srcOrd="1" destOrd="0" parTransId="{D0C64C9C-06C7-4696-B64E-72EB6765D37D}" sibTransId="{B7FC2DBC-2209-4B52-A6BB-A5B96B108E97}"/>
-    <dgm:cxn modelId="{6811263B-3ADE-4806-BEED-B5669D3BD03F}" type="presOf" srcId="{50A8F3E4-F51A-4E67-BB1C-EFC8155DD776}" destId="{C5BE00BD-745C-43E7-912B-9157D7920E0A}" srcOrd="0" destOrd="0" presId="urn:microsoft.com/office/officeart/2005/8/layout/process2"/>
-    <dgm:cxn modelId="{3674EAE9-5C2E-4F0D-9BE7-5234E85DC312}" type="presOf" srcId="{8CAA25DF-3B38-443D-A48F-CCAB7142450C}" destId="{4DA5EE49-8168-4D22-9537-7BE4A3708548}" srcOrd="0" destOrd="0" presId="urn:microsoft.com/office/officeart/2005/8/layout/process2"/>
-    <dgm:cxn modelId="{AEECC6F0-8467-4F89-8B15-DD935CF58F61}" type="presOf" srcId="{B7FC2DBC-2209-4B52-A6BB-A5B96B108E97}" destId="{D7B61D4E-81AD-4336-8A85-CB458552E574}" srcOrd="1" destOrd="0" presId="urn:microsoft.com/office/officeart/2005/8/layout/process2"/>
+    <dgm:cxn modelId="{25EFED14-9170-49F6-B528-DAADC8ECC110}" type="presOf" srcId="{186EB40E-0379-4173-8900-E632C05B1B0B}" destId="{7876155E-F8DD-4EF2-AD82-9C7F7224B37D}" srcOrd="0" destOrd="0" presId="urn:microsoft.com/office/officeart/2005/8/layout/process2"/>
     <dgm:cxn modelId="{B120A2B9-9B85-406D-954D-6713BD88FF5C}" srcId="{DC9B3652-DE2A-4335-B0FB-3045EDEEA6A8}" destId="{3ED2506A-D607-4A12-8A50-AC72420F3F00}" srcOrd="0" destOrd="0" parTransId="{E8D3A7A7-32F7-4A63-91CB-C04C53F7C046}" sibTransId="{50A8F3E4-F51A-4E67-BB1C-EFC8155DD776}"/>
     <dgm:cxn modelId="{C028BE47-A9CE-4C17-A602-3B095B3FB67D}" type="presOf" srcId="{0E522B13-F764-4BC6-83A0-CA4F5944C6E0}" destId="{BFBD83CE-AD3D-4B36-AFD4-F505FE96449E}" srcOrd="0" destOrd="0" presId="urn:microsoft.com/office/officeart/2005/8/layout/process2"/>
-    <dgm:cxn modelId="{B5133DE3-4354-4D03-B7CF-D23477E96DD9}" srcId="{DC9B3652-DE2A-4335-B0FB-3045EDEEA6A8}" destId="{8CAA25DF-3B38-443D-A48F-CCAB7142450C}" srcOrd="2" destOrd="0" parTransId="{4BD1F383-75F3-4570-947F-2F89081482BF}" sibTransId="{186EB40E-0379-4173-8900-E632C05B1B0B}"/>
-    <dgm:cxn modelId="{FCD099FA-4F06-4275-9DF4-7552D29FA9CB}" type="presOf" srcId="{3ED2506A-D607-4A12-8A50-AC72420F3F00}" destId="{715D256F-02F7-4191-B84E-3A4C6CD8FFC5}" srcOrd="0" destOrd="0" presId="urn:microsoft.com/office/officeart/2005/8/layout/process2"/>
-    <dgm:cxn modelId="{1F632DDF-2108-42D1-8F30-E4933BE2547B}" type="presOf" srcId="{DC9B3652-DE2A-4335-B0FB-3045EDEEA6A8}" destId="{40A287E9-C42B-4334-9643-572CE6DD897B}" srcOrd="0" destOrd="0" presId="urn:microsoft.com/office/officeart/2005/8/layout/process2"/>
-    <dgm:cxn modelId="{57875DBF-32A5-4055-B5DD-2D37F8209E9F}" type="presOf" srcId="{F9D03C1F-FCD3-47EE-8DD0-0D1606D84F14}" destId="{AE75F7EB-863A-409D-A3CE-B00CBC7A14AA}" srcOrd="0" destOrd="0" presId="urn:microsoft.com/office/officeart/2005/8/layout/process2"/>
-    <dgm:cxn modelId="{25EFED14-9170-49F6-B528-DAADC8ECC110}" type="presOf" srcId="{186EB40E-0379-4173-8900-E632C05B1B0B}" destId="{7876155E-F8DD-4EF2-AD82-9C7F7224B37D}" srcOrd="0" destOrd="0" presId="urn:microsoft.com/office/officeart/2005/8/layout/process2"/>
-    <dgm:cxn modelId="{1417121F-BF3C-49F7-91CD-28895F1A9C54}" type="presOf" srcId="{50A8F3E4-F51A-4E67-BB1C-EFC8155DD776}" destId="{5EF98626-1B98-4F0E-B74A-248A9D343D4B}" srcOrd="1" destOrd="0" presId="urn:microsoft.com/office/officeart/2005/8/layout/process2"/>
-    <dgm:cxn modelId="{AE85E0F8-3E84-4834-ACE2-FEF364977D56}" srcId="{DC9B3652-DE2A-4335-B0FB-3045EDEEA6A8}" destId="{F9D03C1F-FCD3-47EE-8DD0-0D1606D84F14}" srcOrd="3" destOrd="0" parTransId="{9873DB66-AF3B-4D25-B308-EBD2C0797D8B}" sibTransId="{53717F26-050D-4185-9F29-62773EF64F6B}"/>
-    <dgm:cxn modelId="{FD02D3B5-4382-4110-B6E3-38F56D702F7F}" type="presOf" srcId="{186EB40E-0379-4173-8900-E632C05B1B0B}" destId="{B95826F5-EC8D-4A7F-8A27-E8AB981A9383}" srcOrd="1" destOrd="0" presId="urn:microsoft.com/office/officeart/2005/8/layout/process2"/>
+    <dgm:cxn modelId="{6811263B-3ADE-4806-BEED-B5669D3BD03F}" type="presOf" srcId="{50A8F3E4-F51A-4E67-BB1C-EFC8155DD776}" destId="{C5BE00BD-745C-43E7-912B-9157D7920E0A}" srcOrd="0" destOrd="0" presId="urn:microsoft.com/office/officeart/2005/8/layout/process2"/>
+    <dgm:cxn modelId="{AEECC6F0-8467-4F89-8B15-DD935CF58F61}" type="presOf" srcId="{B7FC2DBC-2209-4B52-A6BB-A5B96B108E97}" destId="{D7B61D4E-81AD-4336-8A85-CB458552E574}" srcOrd="1" destOrd="0" presId="urn:microsoft.com/office/officeart/2005/8/layout/process2"/>
     <dgm:cxn modelId="{122CEEBD-C34A-4231-B9CB-A3E1F536048E}" type="presParOf" srcId="{40A287E9-C42B-4334-9643-572CE6DD897B}" destId="{715D256F-02F7-4191-B84E-3A4C6CD8FFC5}" srcOrd="0" destOrd="0" presId="urn:microsoft.com/office/officeart/2005/8/layout/process2"/>
     <dgm:cxn modelId="{F5362749-61C6-45FF-A9EB-47247277E8DC}" type="presParOf" srcId="{40A287E9-C42B-4334-9643-572CE6DD897B}" destId="{C5BE00BD-745C-43E7-912B-9157D7920E0A}" srcOrd="1" destOrd="0" presId="urn:microsoft.com/office/officeart/2005/8/layout/process2"/>
     <dgm:cxn modelId="{3890D6AB-0335-43DB-970C-C41282978FDA}" type="presParOf" srcId="{C5BE00BD-745C-43E7-912B-9157D7920E0A}" destId="{5EF98626-1B98-4F0E-B74A-248A9D343D4B}" srcOrd="0" destOrd="0" presId="urn:microsoft.com/office/officeart/2005/8/layout/process2"/>
@@ -17582,10 +17583,6 @@
               </a:rPr>
               <a:t>Volunteer Management System</a:t>
             </a:r>
-            <a:endParaRPr lang="en-US" sz="4000" dirty="0">
-              <a:latin typeface="Calibri" pitchFamily="34" charset="0"/>
-              <a:cs typeface="Calibri" pitchFamily="34" charset="0"/>
-            </a:endParaRPr>
           </a:p>
         </p:txBody>
       </p:sp>
@@ -17733,7 +17730,6 @@
               <a:rPr lang="en-US" sz="2000" b="1" u="sng" dirty="0"/>
               <a:t>Class diagram</a:t>
             </a:r>
-            <a:endParaRPr lang="en-US" sz="2000" b="1" u="sng" dirty="0"/>
           </a:p>
         </p:txBody>
       </p:sp>
@@ -18107,15 +18103,7 @@
           <a:p>
             <a:r>
               <a:rPr lang="en-US" dirty="0" smtClean="0"/>
-              <a:t>Software </a:t>
-            </a:r>
-            <a:r>
-              <a:rPr lang="en-US" dirty="0" smtClean="0"/>
-              <a:t>Architecture </a:t>
-            </a:r>
-            <a:r>
-              <a:rPr lang="en-US" dirty="0" smtClean="0"/>
-              <a:t>–</a:t>
+              <a:t>Software Architecture </a:t>
             </a:r>
             <a:br>
               <a:rPr lang="en-US" dirty="0" smtClean="0"/>
@@ -18214,47 +18202,9 @@
           <a:chExt cx="0" cy="0"/>
         </a:xfrm>
       </p:grpSpPr>
-      <p:sp>
-        <p:nvSpPr>
-          <p:cNvPr id="16388" name="Rectangle 4"/>
-          <p:cNvSpPr>
-            <a:spLocks noGrp="1" noChangeArrowheads="1"/>
-          </p:cNvSpPr>
-          <p:nvPr>
-            <p:ph type="title"/>
-          </p:nvPr>
-        </p:nvSpPr>
-        <p:spPr/>
-        <p:txBody>
-          <a:bodyPr/>
-          <a:lstStyle/>
-          <a:p>
-            <a:r>
-              <a:rPr lang="en-US" dirty="0" smtClean="0"/>
-              <a:t>Software </a:t>
-            </a:r>
-            <a:r>
-              <a:rPr lang="en-US" dirty="0" smtClean="0"/>
-              <a:t>Architecture </a:t>
-            </a:r>
-            <a:r>
-              <a:rPr lang="en-US" dirty="0" smtClean="0"/>
-              <a:t>–</a:t>
-            </a:r>
-            <a:br>
-              <a:rPr lang="en-US" dirty="0" smtClean="0"/>
-            </a:br>
-            <a:r>
-              <a:rPr lang="en-US" sz="2400" dirty="0" smtClean="0"/>
-              <a:t>Logical Application Architecture</a:t>
-            </a:r>
-            <a:endParaRPr lang="en-US" sz="2400" dirty="0"/>
-          </a:p>
-        </p:txBody>
-      </p:sp>
       <p:pic>
         <p:nvPicPr>
-          <p:cNvPr id="6146" name="Picture 2" descr="ApplicationArchitecture"/>
+          <p:cNvPr id="1026" name="Picture 2"/>
           <p:cNvPicPr>
             <a:picLocks noChangeAspect="1" noChangeArrowheads="1"/>
           </p:cNvPicPr>
@@ -18275,8 +18225,8 @@
         </p:blipFill>
         <p:spPr bwMode="auto">
           <a:xfrm>
-            <a:off x="314203" y="1676400"/>
-            <a:ext cx="7686797" cy="3890962"/>
+            <a:off x="1219200" y="1600200"/>
+            <a:ext cx="6934200" cy="4956602"/>
           </a:xfrm>
           <a:prstGeom prst="rect">
             <a:avLst/>
@@ -18285,23 +18235,344 @@
           <a:ln>
             <a:noFill/>
           </a:ln>
+          <a:effectLst/>
           <a:extLst>
             <a:ext uri="{909E8E84-426E-40DD-AFC4-6F175D3DCCD1}">
               <a14:hiddenFill xmlns:a14="http://schemas.microsoft.com/office/drawing/2010/main">
                 <a:solidFill>
-                  <a:srgbClr val="FFFFFF"/>
+                  <a:schemeClr val="accent1"/>
                 </a:solidFill>
               </a14:hiddenFill>
             </a:ext>
             <a:ext uri="{91240B29-F687-4F45-9708-019B960494DF}">
               <a14:hiddenLine xmlns:a14="http://schemas.microsoft.com/office/drawing/2010/main" w="9525">
                 <a:solidFill>
-                  <a:srgbClr val="000000"/>
+                  <a:schemeClr val="tx1"/>
                 </a:solidFill>
                 <a:miter lim="800000"/>
                 <a:headEnd/>
                 <a:tailEnd/>
               </a14:hiddenLine>
+            </a:ext>
+            <a:ext uri="{AF507438-7753-43E0-B8FC-AC1667EBCBE1}">
+              <a14:hiddenEffects xmlns:a14="http://schemas.microsoft.com/office/drawing/2010/main">
+                <a:effectLst>
+                  <a:outerShdw dist="35921" dir="2700000" algn="ctr" rotWithShape="0">
+                    <a:schemeClr val="bg2"/>
+                  </a:outerShdw>
+                </a:effectLst>
+              </a14:hiddenEffects>
+            </a:ext>
+          </a:extLst>
+        </p:spPr>
+      </p:pic>
+      <p:sp>
+        <p:nvSpPr>
+          <p:cNvPr id="63" name="Rectangle 4"/>
+          <p:cNvSpPr txBox="1">
+            <a:spLocks noChangeArrowheads="1"/>
+          </p:cNvSpPr>
+          <p:nvPr/>
+        </p:nvSpPr>
+        <p:spPr bwMode="auto">
+          <a:xfrm>
+            <a:off x="228600" y="228600"/>
+            <a:ext cx="7696200" cy="1295400"/>
+          </a:xfrm>
+          <a:prstGeom prst="rect">
+            <a:avLst/>
+          </a:prstGeom>
+          <a:noFill/>
+          <a:ln w="9525">
+            <a:noFill/>
+            <a:miter lim="800000"/>
+            <a:headEnd/>
+            <a:tailEnd/>
+          </a:ln>
+          <a:effectLst/>
+        </p:spPr>
+        <p:txBody>
+          <a:bodyPr vert="horz" wrap="square" lIns="91440" tIns="45720" rIns="91440" bIns="45720" numCol="1" anchor="b" anchorCtr="0" compatLnSpc="1">
+            <a:prstTxWarp prst="textNoShape">
+              <a:avLst/>
+            </a:prstTxWarp>
+          </a:bodyPr>
+          <a:lstStyle>
+            <a:lvl1pPr algn="l" rtl="0" eaLnBrk="1" fontAlgn="base" hangingPunct="1">
+              <a:spcBef>
+                <a:spcPct val="0"/>
+              </a:spcBef>
+              <a:spcAft>
+                <a:spcPct val="0"/>
+              </a:spcAft>
+              <a:defRPr sz="3600" b="1">
+                <a:solidFill>
+                  <a:schemeClr val="tx2"/>
+                </a:solidFill>
+                <a:latin typeface="+mj-lt"/>
+                <a:ea typeface="+mj-ea"/>
+                <a:cs typeface="+mj-cs"/>
+              </a:defRPr>
+            </a:lvl1pPr>
+            <a:lvl2pPr algn="l" rtl="0" eaLnBrk="1" fontAlgn="base" hangingPunct="1">
+              <a:spcBef>
+                <a:spcPct val="0"/>
+              </a:spcBef>
+              <a:spcAft>
+                <a:spcPct val="0"/>
+              </a:spcAft>
+              <a:defRPr sz="3600" b="1">
+                <a:solidFill>
+                  <a:schemeClr val="tx2"/>
+                </a:solidFill>
+                <a:latin typeface="Arial" charset="0"/>
+              </a:defRPr>
+            </a:lvl2pPr>
+            <a:lvl3pPr algn="l" rtl="0" eaLnBrk="1" fontAlgn="base" hangingPunct="1">
+              <a:spcBef>
+                <a:spcPct val="0"/>
+              </a:spcBef>
+              <a:spcAft>
+                <a:spcPct val="0"/>
+              </a:spcAft>
+              <a:defRPr sz="3600" b="1">
+                <a:solidFill>
+                  <a:schemeClr val="tx2"/>
+                </a:solidFill>
+                <a:latin typeface="Arial" charset="0"/>
+              </a:defRPr>
+            </a:lvl3pPr>
+            <a:lvl4pPr algn="l" rtl="0" eaLnBrk="1" fontAlgn="base" hangingPunct="1">
+              <a:spcBef>
+                <a:spcPct val="0"/>
+              </a:spcBef>
+              <a:spcAft>
+                <a:spcPct val="0"/>
+              </a:spcAft>
+              <a:defRPr sz="3600" b="1">
+                <a:solidFill>
+                  <a:schemeClr val="tx2"/>
+                </a:solidFill>
+                <a:latin typeface="Arial" charset="0"/>
+              </a:defRPr>
+            </a:lvl4pPr>
+            <a:lvl5pPr algn="l" rtl="0" eaLnBrk="1" fontAlgn="base" hangingPunct="1">
+              <a:spcBef>
+                <a:spcPct val="0"/>
+              </a:spcBef>
+              <a:spcAft>
+                <a:spcPct val="0"/>
+              </a:spcAft>
+              <a:defRPr sz="3600" b="1">
+                <a:solidFill>
+                  <a:schemeClr val="tx2"/>
+                </a:solidFill>
+                <a:latin typeface="Arial" charset="0"/>
+              </a:defRPr>
+            </a:lvl5pPr>
+            <a:lvl6pPr marL="457200" algn="l" rtl="0" eaLnBrk="1" fontAlgn="base" hangingPunct="1">
+              <a:spcBef>
+                <a:spcPct val="0"/>
+              </a:spcBef>
+              <a:spcAft>
+                <a:spcPct val="0"/>
+              </a:spcAft>
+              <a:defRPr sz="3600" b="1">
+                <a:solidFill>
+                  <a:schemeClr val="tx2"/>
+                </a:solidFill>
+                <a:latin typeface="Arial" charset="0"/>
+              </a:defRPr>
+            </a:lvl6pPr>
+            <a:lvl7pPr marL="914400" algn="l" rtl="0" eaLnBrk="1" fontAlgn="base" hangingPunct="1">
+              <a:spcBef>
+                <a:spcPct val="0"/>
+              </a:spcBef>
+              <a:spcAft>
+                <a:spcPct val="0"/>
+              </a:spcAft>
+              <a:defRPr sz="3600" b="1">
+                <a:solidFill>
+                  <a:schemeClr val="tx2"/>
+                </a:solidFill>
+                <a:latin typeface="Arial" charset="0"/>
+              </a:defRPr>
+            </a:lvl7pPr>
+            <a:lvl8pPr marL="1371600" algn="l" rtl="0" eaLnBrk="1" fontAlgn="base" hangingPunct="1">
+              <a:spcBef>
+                <a:spcPct val="0"/>
+              </a:spcBef>
+              <a:spcAft>
+                <a:spcPct val="0"/>
+              </a:spcAft>
+              <a:defRPr sz="3600" b="1">
+                <a:solidFill>
+                  <a:schemeClr val="tx2"/>
+                </a:solidFill>
+                <a:latin typeface="Arial" charset="0"/>
+              </a:defRPr>
+            </a:lvl8pPr>
+            <a:lvl9pPr marL="1828800" algn="l" rtl="0" eaLnBrk="1" fontAlgn="base" hangingPunct="1">
+              <a:spcBef>
+                <a:spcPct val="0"/>
+              </a:spcBef>
+              <a:spcAft>
+                <a:spcPct val="0"/>
+              </a:spcAft>
+              <a:defRPr sz="3600" b="1">
+                <a:solidFill>
+                  <a:schemeClr val="tx2"/>
+                </a:solidFill>
+                <a:latin typeface="Arial" charset="0"/>
+              </a:defRPr>
+            </a:lvl9pPr>
+          </a:lstStyle>
+          <a:p>
+            <a:pPr>
+              <a:buNone/>
+            </a:pPr>
+            <a:r>
+              <a:rPr lang="en-US" dirty="0" smtClean="0"/>
+              <a:t>Software Architecture </a:t>
+            </a:r>
+            <a:br>
+              <a:rPr lang="en-US" dirty="0" smtClean="0"/>
+            </a:br>
+            <a:r>
+              <a:rPr lang="en-US" sz="2400" dirty="0" smtClean="0"/>
+              <a:t>Logical Application Architecture</a:t>
+            </a:r>
+            <a:endParaRPr lang="en-US" sz="2400" dirty="0"/>
+          </a:p>
+        </p:txBody>
+      </p:sp>
+    </p:spTree>
+    <p:extLst>
+      <p:ext uri="{BB962C8B-B14F-4D97-AF65-F5344CB8AC3E}">
+        <p14:creationId xmlns:p14="http://schemas.microsoft.com/office/powerpoint/2010/main" val="3187625084"/>
+      </p:ext>
+    </p:extLst>
+  </p:cSld>
+  <p:clrMapOvr>
+    <a:masterClrMapping/>
+  </p:clrMapOvr>
+  <p:timing>
+    <p:tnLst>
+      <p:par>
+        <p:cTn id="1" dur="indefinite" restart="never" nodeType="tmRoot"/>
+      </p:par>
+    </p:tnLst>
+  </p:timing>
+</p:sld>
+</file>
+
+<file path=ppt/slides/slide14.xml><?xml version="1.0" encoding="utf-8"?>
+<p:sld xmlns:a="http://schemas.openxmlformats.org/drawingml/2006/main" xmlns:r="http://schemas.openxmlformats.org/officeDocument/2006/relationships" xmlns:p="http://schemas.openxmlformats.org/presentationml/2006/main">
+  <p:cSld>
+    <p:spTree>
+      <p:nvGrpSpPr>
+        <p:cNvPr id="1" name=""/>
+        <p:cNvGrpSpPr/>
+        <p:nvPr/>
+      </p:nvGrpSpPr>
+      <p:grpSpPr>
+        <a:xfrm>
+          <a:off x="0" y="0"/>
+          <a:ext cx="0" cy="0"/>
+          <a:chOff x="0" y="0"/>
+          <a:chExt cx="0" cy="0"/>
+        </a:xfrm>
+      </p:grpSpPr>
+      <p:sp>
+        <p:nvSpPr>
+          <p:cNvPr id="16388" name="Rectangle 4"/>
+          <p:cNvSpPr>
+            <a:spLocks noGrp="1" noChangeArrowheads="1"/>
+          </p:cNvSpPr>
+          <p:nvPr>
+            <p:ph type="title"/>
+          </p:nvPr>
+        </p:nvSpPr>
+        <p:spPr/>
+        <p:txBody>
+          <a:bodyPr/>
+          <a:lstStyle/>
+          <a:p>
+            <a:r>
+              <a:rPr lang="en-US" dirty="0" smtClean="0"/>
+              <a:t>Software Architecture </a:t>
+            </a:r>
+            <a:br>
+              <a:rPr lang="en-US" dirty="0" smtClean="0"/>
+            </a:br>
+            <a:r>
+              <a:rPr lang="en-US" sz="2400" dirty="0" smtClean="0"/>
+              <a:t>Logical Application Sample</a:t>
+            </a:r>
+            <a:endParaRPr lang="en-US" sz="2400" dirty="0"/>
+          </a:p>
+        </p:txBody>
+      </p:sp>
+      <p:pic>
+        <p:nvPicPr>
+          <p:cNvPr id="2050" name="Picture 2"/>
+          <p:cNvPicPr>
+            <a:picLocks noChangeAspect="1" noChangeArrowheads="1"/>
+          </p:cNvPicPr>
+          <p:nvPr/>
+        </p:nvPicPr>
+        <p:blipFill>
+          <a:blip r:embed="rId2">
+            <a:extLst>
+              <a:ext uri="{28A0092B-C50C-407E-A947-70E740481C1C}">
+                <a14:useLocalDpi xmlns:a14="http://schemas.microsoft.com/office/drawing/2010/main" val="0"/>
+              </a:ext>
+            </a:extLst>
+          </a:blip>
+          <a:srcRect/>
+          <a:stretch>
+            <a:fillRect/>
+          </a:stretch>
+        </p:blipFill>
+        <p:spPr bwMode="auto">
+          <a:xfrm>
+            <a:off x="1143000" y="1756089"/>
+            <a:ext cx="7010400" cy="4911603"/>
+          </a:xfrm>
+          <a:prstGeom prst="rect">
+            <a:avLst/>
+          </a:prstGeom>
+          <a:noFill/>
+          <a:ln>
+            <a:noFill/>
+          </a:ln>
+          <a:effectLst/>
+          <a:extLst>
+            <a:ext uri="{909E8E84-426E-40DD-AFC4-6F175D3DCCD1}">
+              <a14:hiddenFill xmlns:a14="http://schemas.microsoft.com/office/drawing/2010/main">
+                <a:solidFill>
+                  <a:schemeClr val="accent1"/>
+                </a:solidFill>
+              </a14:hiddenFill>
+            </a:ext>
+            <a:ext uri="{91240B29-F687-4F45-9708-019B960494DF}">
+              <a14:hiddenLine xmlns:a14="http://schemas.microsoft.com/office/drawing/2010/main" w="9525">
+                <a:solidFill>
+                  <a:schemeClr val="tx1"/>
+                </a:solidFill>
+                <a:miter lim="800000"/>
+                <a:headEnd/>
+                <a:tailEnd/>
+              </a14:hiddenLine>
+            </a:ext>
+            <a:ext uri="{AF507438-7753-43E0-B8FC-AC1667EBCBE1}">
+              <a14:hiddenEffects xmlns:a14="http://schemas.microsoft.com/office/drawing/2010/main">
+                <a:effectLst>
+                  <a:outerShdw dist="35921" dir="2700000" algn="ctr" rotWithShape="0">
+                    <a:schemeClr val="bg2"/>
+                  </a:outerShdw>
+                </a:effectLst>
+              </a14:hiddenEffects>
             </a:ext>
           </a:extLst>
         </p:spPr>
@@ -18326,7 +18597,7 @@
 </p:sld>
 </file>
 
-<file path=ppt/slides/slide14.xml><?xml version="1.0" encoding="utf-8"?>
+<file path=ppt/slides/slide15.xml><?xml version="1.0" encoding="utf-8"?>
 <p:sld xmlns:a="http://schemas.openxmlformats.org/drawingml/2006/main" xmlns:r="http://schemas.openxmlformats.org/officeDocument/2006/relationships" xmlns:p="http://schemas.openxmlformats.org/presentationml/2006/main">
   <p:cSld>
     <p:spTree>
@@ -18555,7 +18826,7 @@
 </p:sld>
 </file>
 
-<file path=ppt/slides/slide15.xml><?xml version="1.0" encoding="utf-8"?>
+<file path=ppt/slides/slide16.xml><?xml version="1.0" encoding="utf-8"?>
 <p:sld xmlns:a="http://schemas.openxmlformats.org/drawingml/2006/main" xmlns:r="http://schemas.openxmlformats.org/officeDocument/2006/relationships" xmlns:p="http://schemas.openxmlformats.org/presentationml/2006/main">
   <p:cSld>
     <p:spTree>
@@ -18679,7 +18950,7 @@
 </p:sld>
 </file>
 
-<file path=ppt/slides/slide16.xml><?xml version="1.0" encoding="utf-8"?>
+<file path=ppt/slides/slide17.xml><?xml version="1.0" encoding="utf-8"?>
 <p:sld xmlns:a="http://schemas.openxmlformats.org/drawingml/2006/main" xmlns:r="http://schemas.openxmlformats.org/officeDocument/2006/relationships" xmlns:p="http://schemas.openxmlformats.org/presentationml/2006/main">
   <p:cSld>
     <p:spTree>
@@ -18713,11 +18984,7 @@
           <a:p>
             <a:r>
               <a:rPr lang="en-US" dirty="0" smtClean="0"/>
-              <a:t>Demo </a:t>
-            </a:r>
-            <a:r>
-              <a:rPr lang="en-US" dirty="0" smtClean="0"/>
-              <a:t>of Prototype</a:t>
+              <a:t>Demo of Prototype</a:t>
             </a:r>
             <a:endParaRPr lang="en-US" dirty="0"/>
           </a:p>
@@ -18749,15 +19016,7 @@
             </a:pPr>
             <a:r>
               <a:rPr lang="en-US" sz="2400" b="1" dirty="0" smtClean="0"/>
-              <a:t>Technical </a:t>
-            </a:r>
-            <a:r>
-              <a:rPr lang="en-US" sz="2400" b="1" dirty="0" smtClean="0"/>
-              <a:t>Prototype</a:t>
-            </a:r>
-            <a:r>
-              <a:rPr lang="en-US" sz="2400" b="1" dirty="0" smtClean="0"/>
-              <a:t>:</a:t>
+              <a:t>Technical Prototype:</a:t>
             </a:r>
           </a:p>
           <a:p>
@@ -18769,7 +19028,6 @@
               <a:rPr lang="en-US" sz="2000" b="1" u="sng" dirty="0" smtClean="0"/>
               <a:t>Purpose:</a:t>
             </a:r>
-            <a:endParaRPr lang="en-US" sz="2000" b="1" u="sng" dirty="0" smtClean="0"/>
           </a:p>
           <a:p>
             <a:pPr lvl="2">
@@ -18788,11 +19046,7 @@
             </a:pPr>
             <a:r>
               <a:rPr lang="en-US" sz="2000" dirty="0" smtClean="0"/>
-              <a:t>Confirm feasibility and </a:t>
-            </a:r>
-            <a:r>
-              <a:rPr lang="en-US" sz="2000" dirty="0" smtClean="0"/>
-              <a:t>reusability</a:t>
+              <a:t>Confirm feasibility and reusability</a:t>
             </a:r>
           </a:p>
           <a:p>
@@ -18814,7 +19068,6 @@
               <a:rPr lang="en-US" sz="2000" dirty="0" smtClean="0"/>
               <a:t>Verified and accepted within team</a:t>
             </a:r>
-            <a:endParaRPr lang="en-US" sz="2000" dirty="0" smtClean="0"/>
           </a:p>
           <a:p>
             <a:pPr>
@@ -18823,15 +19076,7 @@
             </a:pPr>
             <a:r>
               <a:rPr lang="en-US" sz="2400" b="1" dirty="0" smtClean="0"/>
-              <a:t>User </a:t>
-            </a:r>
-            <a:r>
-              <a:rPr lang="en-US" sz="2400" b="1" dirty="0" smtClean="0"/>
-              <a:t>Interface </a:t>
-            </a:r>
-            <a:r>
-              <a:rPr lang="en-US" sz="2400" b="1" dirty="0" smtClean="0"/>
-              <a:t>Prototype</a:t>
+              <a:t>User Interface Prototype</a:t>
             </a:r>
           </a:p>
           <a:p>
@@ -18843,7 +19088,6 @@
               <a:rPr lang="en-US" sz="2000" b="1" u="sng" dirty="0" smtClean="0"/>
               <a:t>Purpose:</a:t>
             </a:r>
-            <a:endParaRPr lang="en-US" sz="2000" b="1" u="sng" dirty="0" smtClean="0"/>
           </a:p>
           <a:p>
             <a:pPr lvl="2">
@@ -18862,11 +19106,7 @@
             </a:pPr>
             <a:r>
               <a:rPr lang="en-US" sz="2000" dirty="0" smtClean="0"/>
-              <a:t>Confirm UI design with </a:t>
-            </a:r>
-            <a:r>
-              <a:rPr lang="en-US" sz="2000" dirty="0" smtClean="0"/>
-              <a:t>user</a:t>
+              <a:t>Confirm UI design with user</a:t>
             </a:r>
           </a:p>
           <a:p>
@@ -18888,7 +19128,6 @@
               <a:rPr lang="en-US" sz="2000" dirty="0" smtClean="0"/>
               <a:t>Verified and accepted by user representative</a:t>
             </a:r>
-            <a:endParaRPr lang="en-US" sz="2000" dirty="0" smtClean="0"/>
           </a:p>
         </p:txBody>
       </p:sp>
@@ -18912,7 +19151,7 @@
 </p:sld>
 </file>
 
-<file path=ppt/slides/slide17.xml><?xml version="1.0" encoding="utf-8"?>
+<file path=ppt/slides/slide18.xml><?xml version="1.0" encoding="utf-8"?>
 <p:sld xmlns:a="http://schemas.openxmlformats.org/drawingml/2006/main" xmlns:r="http://schemas.openxmlformats.org/officeDocument/2006/relationships" xmlns:p="http://schemas.openxmlformats.org/presentationml/2006/main">
   <p:cSld>
     <p:spTree>
@@ -19174,7 +19413,7 @@
 </p:sld>
 </file>
 
-<file path=ppt/slides/slide18.xml><?xml version="1.0" encoding="utf-8"?>
+<file path=ppt/slides/slide19.xml><?xml version="1.0" encoding="utf-8"?>
 <p:sld xmlns:a="http://schemas.openxmlformats.org/drawingml/2006/main" xmlns:r="http://schemas.openxmlformats.org/officeDocument/2006/relationships" xmlns:p="http://schemas.openxmlformats.org/presentationml/2006/main">
   <p:cSld>
     <p:spTree>
@@ -19208,7 +19447,11 @@
           <a:p>
             <a:r>
               <a:rPr lang="en-US" dirty="0" smtClean="0"/>
-              <a:t>Transition Strategy – </a:t>
+              <a:t>Transition Strategy </a:t>
+            </a:r>
+            <a:r>
+              <a:rPr lang="en-US" dirty="0" smtClean="0"/>
+              <a:t> </a:t>
             </a:r>
             <a:r>
               <a:rPr lang="en-US" dirty="0" smtClean="0"/>
@@ -19219,11 +19462,7 @@
             </a:br>
             <a:r>
               <a:rPr lang="en-US" sz="2400" dirty="0" smtClean="0"/>
-              <a:t>Analysis </a:t>
-            </a:r>
-            <a:r>
-              <a:rPr lang="en-US" sz="2400" dirty="0" smtClean="0"/>
-              <a:t>to Design</a:t>
+              <a:t>Analysis to Design</a:t>
             </a:r>
             <a:endParaRPr lang="en-US" dirty="0"/>
           </a:p>
@@ -19257,7 +19496,6 @@
               <a:rPr lang="en-US" dirty="0" smtClean="0"/>
               <a:t>RUP workflows &amp; process</a:t>
             </a:r>
-            <a:endParaRPr lang="en-US" dirty="0" smtClean="0"/>
           </a:p>
         </p:txBody>
       </p:sp>
@@ -19312,1036 +19550,6 @@
         <a:graphic>
           <a:graphicData uri="http://schemas.openxmlformats.org/drawingml/2006/diagram">
             <dgm:relIds xmlns:dgm="http://schemas.openxmlformats.org/drawingml/2006/diagram" xmlns:r="http://schemas.openxmlformats.org/officeDocument/2006/relationships" r:dm="rId12" r:lo="rId13" r:qs="rId14" r:cs="rId15"/>
-          </a:graphicData>
-        </a:graphic>
-      </p:graphicFrame>
-    </p:spTree>
-  </p:cSld>
-  <p:clrMapOvr>
-    <a:masterClrMapping/>
-  </p:clrMapOvr>
-  <p:timing>
-    <p:tnLst>
-      <p:par>
-        <p:cTn id="1" dur="indefinite" restart="never" nodeType="tmRoot"/>
-      </p:par>
-    </p:tnLst>
-  </p:timing>
-</p:sld>
-</file>
-
-<file path=ppt/slides/slide19.xml><?xml version="1.0" encoding="utf-8"?>
-<p:sld xmlns:a="http://schemas.openxmlformats.org/drawingml/2006/main" xmlns:r="http://schemas.openxmlformats.org/officeDocument/2006/relationships" xmlns:p="http://schemas.openxmlformats.org/presentationml/2006/main">
-  <p:cSld>
-    <p:spTree>
-      <p:nvGrpSpPr>
-        <p:cNvPr id="1" name=""/>
-        <p:cNvGrpSpPr/>
-        <p:nvPr/>
-      </p:nvGrpSpPr>
-      <p:grpSpPr>
-        <a:xfrm>
-          <a:off x="0" y="0"/>
-          <a:ext cx="0" cy="0"/>
-          <a:chOff x="0" y="0"/>
-          <a:chExt cx="0" cy="0"/>
-        </a:xfrm>
-      </p:grpSpPr>
-      <p:sp>
-        <p:nvSpPr>
-          <p:cNvPr id="14341" name="Rectangle 5"/>
-          <p:cNvSpPr>
-            <a:spLocks noGrp="1" noChangeArrowheads="1"/>
-          </p:cNvSpPr>
-          <p:nvPr>
-            <p:ph type="title"/>
-          </p:nvPr>
-        </p:nvSpPr>
-        <p:spPr/>
-        <p:txBody>
-          <a:bodyPr/>
-          <a:lstStyle/>
-          <a:p>
-            <a:r>
-              <a:rPr lang="en-US" dirty="0"/>
-              <a:t>Transition Strategy – </a:t>
-            </a:r>
-            <a:r>
-              <a:rPr lang="en-US" dirty="0" smtClean="0"/>
-              <a:t/>
-            </a:r>
-            <a:br>
-              <a:rPr lang="en-US" dirty="0" smtClean="0"/>
-            </a:br>
-            <a:r>
-              <a:rPr lang="en-US" sz="2400" dirty="0" smtClean="0"/>
-              <a:t>Analysis </a:t>
-            </a:r>
-            <a:r>
-              <a:rPr lang="en-US" sz="2400" dirty="0"/>
-              <a:t>to Design</a:t>
-            </a:r>
-            <a:endParaRPr lang="en-US" dirty="0"/>
-          </a:p>
-        </p:txBody>
-      </p:sp>
-      <p:graphicFrame>
-        <p:nvGraphicFramePr>
-          <p:cNvPr id="16" name="Table 15"/>
-          <p:cNvGraphicFramePr>
-            <a:graphicFrameLocks noGrp="1"/>
-          </p:cNvGraphicFramePr>
-          <p:nvPr>
-            <p:extLst>
-              <p:ext uri="{D42A27DB-BD31-4B8C-83A1-F6EECF244321}">
-                <p14:modId xmlns:p14="http://schemas.microsoft.com/office/powerpoint/2010/main" val="3362897560"/>
-              </p:ext>
-            </p:extLst>
-          </p:nvPr>
-        </p:nvGraphicFramePr>
-        <p:xfrm>
-          <a:off x="533400" y="1600200"/>
-          <a:ext cx="8196580" cy="4628190"/>
-        </p:xfrm>
-        <a:graphic>
-          <a:graphicData uri="http://schemas.openxmlformats.org/drawingml/2006/table">
-            <a:tbl>
-              <a:tblPr firstRow="1" bandRow="1">
-                <a:tableStyleId>{5C22544A-7EE6-4342-B048-85BDC9FD1C3A}</a:tableStyleId>
-              </a:tblPr>
-              <a:tblGrid>
-                <a:gridCol w="522838"/>
-                <a:gridCol w="2067962"/>
-                <a:gridCol w="3429000"/>
-                <a:gridCol w="2176780"/>
-              </a:tblGrid>
-              <a:tr h="509202">
-                <a:tc>
-                  <a:txBody>
-                    <a:bodyPr/>
-                    <a:lstStyle/>
-                    <a:p>
-                      <a:r>
-                        <a:rPr lang="en-US" dirty="0" smtClean="0"/>
-                        <a:t>No</a:t>
-                      </a:r>
-                      <a:endParaRPr lang="en-US" dirty="0"/>
-                    </a:p>
-                  </a:txBody>
-                  <a:tcPr/>
-                </a:tc>
-                <a:tc>
-                  <a:txBody>
-                    <a:bodyPr/>
-                    <a:lstStyle/>
-                    <a:p>
-                      <a:r>
-                        <a:rPr lang="en-US" dirty="0" smtClean="0"/>
-                        <a:t>Task</a:t>
-                      </a:r>
-                      <a:endParaRPr lang="en-US" dirty="0"/>
-                    </a:p>
-                  </a:txBody>
-                  <a:tcPr/>
-                </a:tc>
-                <a:tc>
-                  <a:txBody>
-                    <a:bodyPr/>
-                    <a:lstStyle/>
-                    <a:p>
-                      <a:r>
-                        <a:rPr lang="en-US" dirty="0" smtClean="0"/>
-                        <a:t>Description</a:t>
-                      </a:r>
-                      <a:endParaRPr lang="en-US" dirty="0"/>
-                    </a:p>
-                  </a:txBody>
-                  <a:tcPr/>
-                </a:tc>
-                <a:tc>
-                  <a:txBody>
-                    <a:bodyPr/>
-                    <a:lstStyle/>
-                    <a:p>
-                      <a:r>
-                        <a:rPr lang="en-US" dirty="0" smtClean="0"/>
-                        <a:t>In-Charge</a:t>
-                      </a:r>
-                      <a:endParaRPr lang="en-US" dirty="0"/>
-                    </a:p>
-                  </a:txBody>
-                  <a:tcPr/>
-                </a:tc>
-              </a:tr>
-              <a:tr h="687894">
-                <a:tc>
-                  <a:txBody>
-                    <a:bodyPr/>
-                    <a:lstStyle/>
-                    <a:p>
-                      <a:pPr marL="0" indent="0">
-                        <a:buFontTx/>
-                        <a:buNone/>
-                      </a:pPr>
-                      <a:r>
-                        <a:rPr lang="en-US" dirty="0" smtClean="0"/>
-                        <a:t>1</a:t>
-                      </a:r>
-                      <a:endParaRPr lang="en-US" dirty="0"/>
-                    </a:p>
-                  </a:txBody>
-                  <a:tcPr/>
-                </a:tc>
-                <a:tc>
-                  <a:txBody>
-                    <a:bodyPr/>
-                    <a:lstStyle/>
-                    <a:p>
-                      <a:r>
-                        <a:rPr lang="en-US" dirty="0" smtClean="0"/>
-                        <a:t>High</a:t>
-                      </a:r>
-                      <a:r>
-                        <a:rPr lang="en-US" baseline="0" dirty="0" smtClean="0"/>
-                        <a:t> level design</a:t>
-                      </a:r>
-                      <a:endParaRPr lang="en-US" dirty="0"/>
-                    </a:p>
-                  </a:txBody>
-                  <a:tcPr/>
-                </a:tc>
-                <a:tc>
-                  <a:txBody>
-                    <a:bodyPr/>
-                    <a:lstStyle/>
-                    <a:p>
-                      <a:pPr marL="0" marR="0" indent="0" algn="l" defTabSz="914400" rtl="0" eaLnBrk="1" fontAlgn="auto" latinLnBrk="0" hangingPunct="1">
-                        <a:lnSpc>
-                          <a:spcPct val="100000"/>
-                        </a:lnSpc>
-                        <a:spcBef>
-                          <a:spcPts val="0"/>
-                        </a:spcBef>
-                        <a:spcAft>
-                          <a:spcPts val="0"/>
-                        </a:spcAft>
-                        <a:buClrTx/>
-                        <a:buSzTx/>
-                        <a:buFont typeface="Arial" pitchFamily="34" charset="0"/>
-                        <a:buChar char="•"/>
-                        <a:tabLst/>
-                        <a:defRPr/>
-                      </a:pPr>
-                      <a:r>
-                        <a:rPr lang="en-US" dirty="0" smtClean="0"/>
-                        <a:t>Software architecture</a:t>
-                      </a:r>
-                    </a:p>
-                    <a:p>
-                      <a:pPr marL="0" marR="0" indent="0" algn="l" defTabSz="914400" rtl="0" eaLnBrk="1" fontAlgn="auto" latinLnBrk="0" hangingPunct="1">
-                        <a:lnSpc>
-                          <a:spcPct val="100000"/>
-                        </a:lnSpc>
-                        <a:spcBef>
-                          <a:spcPts val="0"/>
-                        </a:spcBef>
-                        <a:spcAft>
-                          <a:spcPts val="0"/>
-                        </a:spcAft>
-                        <a:buClrTx/>
-                        <a:buSzTx/>
-                        <a:buFont typeface="Arial" pitchFamily="34" charset="0"/>
-                        <a:buChar char="•"/>
-                        <a:tabLst/>
-                        <a:defRPr/>
-                      </a:pPr>
-                      <a:r>
-                        <a:rPr lang="en-US" dirty="0" smtClean="0"/>
-                        <a:t>Prototype</a:t>
-                      </a:r>
-                      <a:endParaRPr lang="en-US" dirty="0" smtClean="0"/>
-                    </a:p>
-                  </a:txBody>
-                  <a:tcPr/>
-                </a:tc>
-                <a:tc>
-                  <a:txBody>
-                    <a:bodyPr/>
-                    <a:lstStyle/>
-                    <a:p>
-                      <a:pPr>
-                        <a:buFont typeface="Arial" pitchFamily="34" charset="0"/>
-                        <a:buChar char="•"/>
-                      </a:pPr>
-                      <a:r>
-                        <a:rPr lang="en-US" baseline="0" dirty="0" smtClean="0"/>
-                        <a:t>Architect</a:t>
-                      </a:r>
-                    </a:p>
-                    <a:p>
-                      <a:pPr>
-                        <a:buFont typeface="Arial" pitchFamily="34" charset="0"/>
-                        <a:buChar char="•"/>
-                      </a:pPr>
-                      <a:r>
-                        <a:rPr lang="en-US" baseline="0" dirty="0" smtClean="0"/>
-                        <a:t>Design team</a:t>
-                      </a:r>
-                    </a:p>
-                  </a:txBody>
-                  <a:tcPr/>
-                </a:tc>
-              </a:tr>
-              <a:tr h="687894">
-                <a:tc>
-                  <a:txBody>
-                    <a:bodyPr/>
-                    <a:lstStyle/>
-                    <a:p>
-                      <a:pPr marL="0" indent="0">
-                        <a:buFontTx/>
-                        <a:buNone/>
-                      </a:pPr>
-                      <a:r>
-                        <a:rPr lang="en-US" dirty="0" smtClean="0"/>
-                        <a:t>2</a:t>
-                      </a:r>
-                      <a:endParaRPr lang="en-US" dirty="0"/>
-                    </a:p>
-                  </a:txBody>
-                  <a:tcPr/>
-                </a:tc>
-                <a:tc>
-                  <a:txBody>
-                    <a:bodyPr/>
-                    <a:lstStyle/>
-                    <a:p>
-                      <a:r>
-                        <a:rPr lang="en-US" dirty="0" smtClean="0"/>
-                        <a:t>Detailed Design Specs</a:t>
-                      </a:r>
-                      <a:endParaRPr lang="en-US" dirty="0"/>
-                    </a:p>
-                  </a:txBody>
-                  <a:tcPr/>
-                </a:tc>
-                <a:tc>
-                  <a:txBody>
-                    <a:bodyPr/>
-                    <a:lstStyle/>
-                    <a:p>
-                      <a:pPr marL="0" marR="0" indent="0" algn="l" defTabSz="914400" rtl="0" eaLnBrk="1" fontAlgn="auto" latinLnBrk="0" hangingPunct="1">
-                        <a:lnSpc>
-                          <a:spcPct val="100000"/>
-                        </a:lnSpc>
-                        <a:spcBef>
-                          <a:spcPts val="0"/>
-                        </a:spcBef>
-                        <a:spcAft>
-                          <a:spcPts val="0"/>
-                        </a:spcAft>
-                        <a:buClrTx/>
-                        <a:buSzTx/>
-                        <a:buFont typeface="Arial" pitchFamily="34" charset="0"/>
-                        <a:buChar char="•"/>
-                        <a:tabLst/>
-                        <a:defRPr/>
-                      </a:pPr>
-                      <a:r>
-                        <a:rPr lang="en-US" dirty="0" smtClean="0"/>
-                        <a:t>Use</a:t>
-                      </a:r>
-                      <a:r>
-                        <a:rPr lang="en-US" baseline="0" dirty="0" smtClean="0"/>
-                        <a:t> Case </a:t>
-                      </a:r>
-                      <a:r>
-                        <a:rPr lang="en-US" baseline="0" dirty="0" err="1" smtClean="0"/>
-                        <a:t>Realisation</a:t>
-                      </a:r>
-                      <a:r>
-                        <a:rPr lang="en-US" baseline="0" dirty="0" smtClean="0"/>
-                        <a:t> Report (Designed)</a:t>
-                      </a:r>
-                    </a:p>
-                    <a:p>
-                      <a:pPr marL="0" marR="0" indent="0" algn="l" defTabSz="914400" rtl="0" eaLnBrk="1" fontAlgn="auto" latinLnBrk="0" hangingPunct="1">
-                        <a:lnSpc>
-                          <a:spcPct val="100000"/>
-                        </a:lnSpc>
-                        <a:spcBef>
-                          <a:spcPts val="0"/>
-                        </a:spcBef>
-                        <a:spcAft>
-                          <a:spcPts val="0"/>
-                        </a:spcAft>
-                        <a:buClrTx/>
-                        <a:buSzTx/>
-                        <a:buFont typeface="Arial" pitchFamily="34" charset="0"/>
-                        <a:buChar char="•"/>
-                        <a:tabLst/>
-                        <a:defRPr/>
-                      </a:pPr>
-                      <a:r>
-                        <a:rPr lang="en-US" baseline="0" dirty="0" smtClean="0"/>
-                        <a:t>Guidelines &amp; standards</a:t>
-                      </a:r>
-                      <a:endParaRPr lang="en-US" dirty="0" smtClean="0"/>
-                    </a:p>
-                  </a:txBody>
-                  <a:tcPr/>
-                </a:tc>
-                <a:tc>
-                  <a:txBody>
-                    <a:bodyPr/>
-                    <a:lstStyle/>
-                    <a:p>
-                      <a:pPr>
-                        <a:buFont typeface="Arial" pitchFamily="34" charset="0"/>
-                        <a:buChar char="•"/>
-                      </a:pPr>
-                      <a:r>
-                        <a:rPr lang="en-US" dirty="0" smtClean="0"/>
-                        <a:t>Architect</a:t>
-                      </a:r>
-                    </a:p>
-                    <a:p>
-                      <a:pPr>
-                        <a:buFont typeface="Arial" pitchFamily="34" charset="0"/>
-                        <a:buChar char="•"/>
-                      </a:pPr>
-                      <a:r>
-                        <a:rPr lang="en-US" dirty="0" smtClean="0"/>
-                        <a:t>Design team</a:t>
-                      </a:r>
-                      <a:endParaRPr lang="en-US" baseline="0" dirty="0" smtClean="0"/>
-                    </a:p>
-                  </a:txBody>
-                  <a:tcPr/>
-                </a:tc>
-              </a:tr>
-              <a:tr h="687894">
-                <a:tc>
-                  <a:txBody>
-                    <a:bodyPr/>
-                    <a:lstStyle/>
-                    <a:p>
-                      <a:pPr marL="0" indent="0">
-                        <a:buFontTx/>
-                        <a:buNone/>
-                      </a:pPr>
-                      <a:r>
-                        <a:rPr lang="en-US" dirty="0" smtClean="0"/>
-                        <a:t>3</a:t>
-                      </a:r>
-                      <a:endParaRPr lang="en-US" dirty="0"/>
-                    </a:p>
-                  </a:txBody>
-                  <a:tcPr/>
-                </a:tc>
-                <a:tc>
-                  <a:txBody>
-                    <a:bodyPr/>
-                    <a:lstStyle/>
-                    <a:p>
-                      <a:pPr marL="0" marR="0" indent="0" algn="l" defTabSz="914400" rtl="0" eaLnBrk="1" fontAlgn="auto" latinLnBrk="0" hangingPunct="1">
-                        <a:lnSpc>
-                          <a:spcPct val="100000"/>
-                        </a:lnSpc>
-                        <a:spcBef>
-                          <a:spcPts val="0"/>
-                        </a:spcBef>
-                        <a:spcAft>
-                          <a:spcPts val="0"/>
-                        </a:spcAft>
-                        <a:buClrTx/>
-                        <a:buSzTx/>
-                        <a:buFontTx/>
-                        <a:buNone/>
-                        <a:tabLst/>
-                        <a:defRPr/>
-                      </a:pPr>
-                      <a:r>
-                        <a:rPr lang="en-US" sz="1800" kern="1200" dirty="0" smtClean="0">
-                          <a:solidFill>
-                            <a:schemeClr val="dk1"/>
-                          </a:solidFill>
-                          <a:latin typeface="+mn-lt"/>
-                          <a:ea typeface="+mn-ea"/>
-                          <a:cs typeface="+mn-cs"/>
-                        </a:rPr>
-                        <a:t>Implementation</a:t>
-                      </a:r>
-                      <a:endParaRPr lang="en-US" sz="1800" kern="1200" dirty="0" smtClean="0">
-                        <a:solidFill>
-                          <a:schemeClr val="dk1"/>
-                        </a:solidFill>
-                        <a:latin typeface="+mn-lt"/>
-                        <a:ea typeface="+mn-ea"/>
-                        <a:cs typeface="+mn-cs"/>
-                      </a:endParaRPr>
-                    </a:p>
-                  </a:txBody>
-                  <a:tcPr/>
-                </a:tc>
-                <a:tc>
-                  <a:txBody>
-                    <a:bodyPr/>
-                    <a:lstStyle/>
-                    <a:p>
-                      <a:pPr marL="0" marR="0" indent="0" algn="l" defTabSz="914400" rtl="0" eaLnBrk="1" fontAlgn="auto" latinLnBrk="0" hangingPunct="1">
-                        <a:lnSpc>
-                          <a:spcPct val="100000"/>
-                        </a:lnSpc>
-                        <a:spcBef>
-                          <a:spcPts val="0"/>
-                        </a:spcBef>
-                        <a:spcAft>
-                          <a:spcPts val="0"/>
-                        </a:spcAft>
-                        <a:buClrTx/>
-                        <a:buSzTx/>
-                        <a:buFont typeface="Arial" pitchFamily="34" charset="0"/>
-                        <a:buChar char="•"/>
-                        <a:tabLst/>
-                        <a:defRPr/>
-                      </a:pPr>
-                      <a:r>
-                        <a:rPr lang="en-US" sz="1800" kern="1200" dirty="0" smtClean="0">
-                          <a:solidFill>
-                            <a:schemeClr val="dk1"/>
-                          </a:solidFill>
-                          <a:latin typeface="+mn-lt"/>
-                          <a:ea typeface="+mn-ea"/>
-                          <a:cs typeface="+mn-cs"/>
-                        </a:rPr>
-                        <a:t>Code</a:t>
-                      </a:r>
-                    </a:p>
-                    <a:p>
-                      <a:pPr marL="0" marR="0" indent="0" algn="l" defTabSz="914400" rtl="0" eaLnBrk="1" fontAlgn="auto" latinLnBrk="0" hangingPunct="1">
-                        <a:lnSpc>
-                          <a:spcPct val="100000"/>
-                        </a:lnSpc>
-                        <a:spcBef>
-                          <a:spcPts val="0"/>
-                        </a:spcBef>
-                        <a:spcAft>
-                          <a:spcPts val="0"/>
-                        </a:spcAft>
-                        <a:buClrTx/>
-                        <a:buSzTx/>
-                        <a:buFont typeface="Arial" pitchFamily="34" charset="0"/>
-                        <a:buChar char="•"/>
-                        <a:tabLst/>
-                        <a:defRPr/>
-                      </a:pPr>
-                      <a:r>
-                        <a:rPr lang="en-US" sz="1800" kern="1200" dirty="0" smtClean="0">
-                          <a:solidFill>
-                            <a:schemeClr val="dk1"/>
-                          </a:solidFill>
-                          <a:latin typeface="+mn-lt"/>
-                          <a:ea typeface="+mn-ea"/>
-                          <a:cs typeface="+mn-cs"/>
-                        </a:rPr>
-                        <a:t>Unit-test</a:t>
-                      </a:r>
-                      <a:endParaRPr lang="en-US" sz="1800" kern="1200" dirty="0" smtClean="0">
-                        <a:solidFill>
-                          <a:schemeClr val="dk1"/>
-                        </a:solidFill>
-                        <a:latin typeface="+mn-lt"/>
-                        <a:ea typeface="+mn-ea"/>
-                        <a:cs typeface="+mn-cs"/>
-                      </a:endParaRPr>
-                    </a:p>
-                  </a:txBody>
-                  <a:tcPr/>
-                </a:tc>
-                <a:tc>
-                  <a:txBody>
-                    <a:bodyPr/>
-                    <a:lstStyle/>
-                    <a:p>
-                      <a:pPr marL="0" marR="0" indent="0" algn="l" defTabSz="914400" rtl="0" eaLnBrk="1" fontAlgn="auto" latinLnBrk="0" hangingPunct="1">
-                        <a:lnSpc>
-                          <a:spcPct val="100000"/>
-                        </a:lnSpc>
-                        <a:spcBef>
-                          <a:spcPts val="0"/>
-                        </a:spcBef>
-                        <a:spcAft>
-                          <a:spcPts val="0"/>
-                        </a:spcAft>
-                        <a:buClrTx/>
-                        <a:buSzTx/>
-                        <a:buFont typeface="Arial" pitchFamily="34" charset="0"/>
-                        <a:buChar char="•"/>
-                        <a:tabLst/>
-                        <a:defRPr/>
-                      </a:pPr>
-                      <a:r>
-                        <a:rPr lang="en-US" dirty="0" smtClean="0"/>
-                        <a:t>Development team</a:t>
-                      </a:r>
-                      <a:endParaRPr lang="en-US" dirty="0" smtClean="0"/>
-                    </a:p>
-                  </a:txBody>
-                  <a:tcPr/>
-                </a:tc>
-              </a:tr>
-              <a:tr h="687894">
-                <a:tc>
-                  <a:txBody>
-                    <a:bodyPr/>
-                    <a:lstStyle/>
-                    <a:p>
-                      <a:pPr marL="0" indent="0">
-                        <a:buFontTx/>
-                        <a:buNone/>
-                      </a:pPr>
-                      <a:r>
-                        <a:rPr lang="en-US" dirty="0" smtClean="0"/>
-                        <a:t>4</a:t>
-                      </a:r>
-                      <a:endParaRPr lang="en-US" dirty="0"/>
-                    </a:p>
-                  </a:txBody>
-                  <a:tcPr/>
-                </a:tc>
-                <a:tc>
-                  <a:txBody>
-                    <a:bodyPr/>
-                    <a:lstStyle/>
-                    <a:p>
-                      <a:pPr marL="0" marR="0" indent="0" algn="l" defTabSz="914400" rtl="0" eaLnBrk="1" fontAlgn="auto" latinLnBrk="0" hangingPunct="1">
-                        <a:lnSpc>
-                          <a:spcPct val="100000"/>
-                        </a:lnSpc>
-                        <a:spcBef>
-                          <a:spcPts val="0"/>
-                        </a:spcBef>
-                        <a:spcAft>
-                          <a:spcPts val="0"/>
-                        </a:spcAft>
-                        <a:buClrTx/>
-                        <a:buSzTx/>
-                        <a:buFontTx/>
-                        <a:buNone/>
-                        <a:tabLst/>
-                        <a:defRPr/>
-                      </a:pPr>
-                      <a:r>
-                        <a:rPr lang="en-US" sz="1800" kern="1200" dirty="0" smtClean="0">
-                          <a:solidFill>
-                            <a:schemeClr val="dk1"/>
-                          </a:solidFill>
-                          <a:latin typeface="+mn-lt"/>
-                          <a:ea typeface="+mn-ea"/>
-                          <a:cs typeface="+mn-cs"/>
-                        </a:rPr>
-                        <a:t>Testing</a:t>
-                      </a:r>
-                      <a:endParaRPr lang="en-US" sz="1800" kern="1200" dirty="0" smtClean="0">
-                        <a:solidFill>
-                          <a:schemeClr val="dk1"/>
-                        </a:solidFill>
-                        <a:latin typeface="+mn-lt"/>
-                        <a:ea typeface="+mn-ea"/>
-                        <a:cs typeface="+mn-cs"/>
-                      </a:endParaRPr>
-                    </a:p>
-                  </a:txBody>
-                  <a:tcPr/>
-                </a:tc>
-                <a:tc>
-                  <a:txBody>
-                    <a:bodyPr/>
-                    <a:lstStyle/>
-                    <a:p>
-                      <a:pPr marL="0" marR="0" indent="0" algn="l" defTabSz="914400" rtl="0" eaLnBrk="1" fontAlgn="auto" latinLnBrk="0" hangingPunct="1">
-                        <a:lnSpc>
-                          <a:spcPct val="100000"/>
-                        </a:lnSpc>
-                        <a:spcBef>
-                          <a:spcPts val="0"/>
-                        </a:spcBef>
-                        <a:spcAft>
-                          <a:spcPts val="0"/>
-                        </a:spcAft>
-                        <a:buClrTx/>
-                        <a:buSzTx/>
-                        <a:buFont typeface="Arial" pitchFamily="34" charset="0"/>
-                        <a:buChar char="•"/>
-                        <a:tabLst/>
-                        <a:defRPr/>
-                      </a:pPr>
-                      <a:r>
-                        <a:rPr lang="en-US" sz="1800" kern="1200" dirty="0" smtClean="0">
-                          <a:solidFill>
-                            <a:schemeClr val="dk1"/>
-                          </a:solidFill>
-                          <a:latin typeface="+mn-lt"/>
-                          <a:ea typeface="+mn-ea"/>
-                          <a:cs typeface="+mn-cs"/>
-                        </a:rPr>
-                        <a:t>Test script (SIT</a:t>
-                      </a:r>
-                      <a:r>
-                        <a:rPr lang="en-US" sz="1800" kern="1200" baseline="0" dirty="0" smtClean="0">
-                          <a:solidFill>
-                            <a:schemeClr val="dk1"/>
-                          </a:solidFill>
-                          <a:latin typeface="+mn-lt"/>
-                          <a:ea typeface="+mn-ea"/>
-                          <a:cs typeface="+mn-cs"/>
-                        </a:rPr>
-                        <a:t> &amp; UAT)</a:t>
-                      </a:r>
-                      <a:endParaRPr lang="en-US" sz="1800" kern="1200" dirty="0" smtClean="0">
-                        <a:solidFill>
-                          <a:schemeClr val="dk1"/>
-                        </a:solidFill>
-                        <a:latin typeface="+mn-lt"/>
-                        <a:ea typeface="+mn-ea"/>
-                        <a:cs typeface="+mn-cs"/>
-                      </a:endParaRPr>
-                    </a:p>
-                    <a:p>
-                      <a:pPr marL="0" marR="0" indent="0" algn="l" defTabSz="914400" rtl="0" eaLnBrk="1" fontAlgn="auto" latinLnBrk="0" hangingPunct="1">
-                        <a:lnSpc>
-                          <a:spcPct val="100000"/>
-                        </a:lnSpc>
-                        <a:spcBef>
-                          <a:spcPts val="0"/>
-                        </a:spcBef>
-                        <a:spcAft>
-                          <a:spcPts val="0"/>
-                        </a:spcAft>
-                        <a:buClrTx/>
-                        <a:buSzTx/>
-                        <a:buFont typeface="Arial" pitchFamily="34" charset="0"/>
-                        <a:buChar char="•"/>
-                        <a:tabLst/>
-                        <a:defRPr/>
-                      </a:pPr>
-                      <a:r>
-                        <a:rPr lang="en-US" sz="1800" kern="1200" dirty="0" smtClean="0">
-                          <a:solidFill>
-                            <a:schemeClr val="dk1"/>
-                          </a:solidFill>
-                          <a:latin typeface="+mn-lt"/>
-                          <a:ea typeface="+mn-ea"/>
-                          <a:cs typeface="+mn-cs"/>
-                        </a:rPr>
-                        <a:t>Test</a:t>
-                      </a:r>
-                      <a:r>
-                        <a:rPr lang="en-US" sz="1800" kern="1200" baseline="0" dirty="0" smtClean="0">
-                          <a:solidFill>
-                            <a:schemeClr val="dk1"/>
-                          </a:solidFill>
-                          <a:latin typeface="+mn-lt"/>
-                          <a:ea typeface="+mn-ea"/>
-                          <a:cs typeface="+mn-cs"/>
-                        </a:rPr>
-                        <a:t> plan</a:t>
-                      </a:r>
-                    </a:p>
-                    <a:p>
-                      <a:pPr marL="0" marR="0" indent="0" algn="l" defTabSz="914400" rtl="0" eaLnBrk="1" fontAlgn="auto" latinLnBrk="0" hangingPunct="1">
-                        <a:lnSpc>
-                          <a:spcPct val="100000"/>
-                        </a:lnSpc>
-                        <a:spcBef>
-                          <a:spcPts val="0"/>
-                        </a:spcBef>
-                        <a:spcAft>
-                          <a:spcPts val="0"/>
-                        </a:spcAft>
-                        <a:buClrTx/>
-                        <a:buSzTx/>
-                        <a:buFont typeface="Arial" pitchFamily="34" charset="0"/>
-                        <a:buChar char="•"/>
-                        <a:tabLst/>
-                        <a:defRPr/>
-                      </a:pPr>
-                      <a:r>
-                        <a:rPr lang="en-US" sz="1800" kern="1200" baseline="0" dirty="0" smtClean="0">
-                          <a:solidFill>
-                            <a:schemeClr val="dk1"/>
-                          </a:solidFill>
-                          <a:latin typeface="+mn-lt"/>
-                          <a:ea typeface="+mn-ea"/>
-                          <a:cs typeface="+mn-cs"/>
-                        </a:rPr>
-                        <a:t>Test result</a:t>
-                      </a:r>
-                      <a:endParaRPr lang="en-US" sz="1800" kern="1200" dirty="0" smtClean="0">
-                        <a:solidFill>
-                          <a:schemeClr val="dk1"/>
-                        </a:solidFill>
-                        <a:latin typeface="+mn-lt"/>
-                        <a:ea typeface="+mn-ea"/>
-                        <a:cs typeface="+mn-cs"/>
-                      </a:endParaRPr>
-                    </a:p>
-                  </a:txBody>
-                  <a:tcPr/>
-                </a:tc>
-                <a:tc>
-                  <a:txBody>
-                    <a:bodyPr/>
-                    <a:lstStyle/>
-                    <a:p>
-                      <a:pPr marL="0" marR="0" indent="0" algn="l" defTabSz="914400" rtl="0" eaLnBrk="1" fontAlgn="auto" latinLnBrk="0" hangingPunct="1">
-                        <a:lnSpc>
-                          <a:spcPct val="100000"/>
-                        </a:lnSpc>
-                        <a:spcBef>
-                          <a:spcPts val="0"/>
-                        </a:spcBef>
-                        <a:spcAft>
-                          <a:spcPts val="0"/>
-                        </a:spcAft>
-                        <a:buClrTx/>
-                        <a:buSzTx/>
-                        <a:buFont typeface="Arial" pitchFamily="34" charset="0"/>
-                        <a:buChar char="•"/>
-                        <a:tabLst/>
-                        <a:defRPr/>
-                      </a:pPr>
-                      <a:r>
-                        <a:rPr lang="en-US" dirty="0" smtClean="0"/>
-                        <a:t>Test lead</a:t>
-                      </a:r>
-                    </a:p>
-                    <a:p>
-                      <a:pPr marL="0" marR="0" indent="0" algn="l" defTabSz="914400" rtl="0" eaLnBrk="1" fontAlgn="auto" latinLnBrk="0" hangingPunct="1">
-                        <a:lnSpc>
-                          <a:spcPct val="100000"/>
-                        </a:lnSpc>
-                        <a:spcBef>
-                          <a:spcPts val="0"/>
-                        </a:spcBef>
-                        <a:spcAft>
-                          <a:spcPts val="0"/>
-                        </a:spcAft>
-                        <a:buClrTx/>
-                        <a:buSzTx/>
-                        <a:buFont typeface="Arial" pitchFamily="34" charset="0"/>
-                        <a:buChar char="•"/>
-                        <a:tabLst/>
-                        <a:defRPr/>
-                      </a:pPr>
-                      <a:r>
-                        <a:rPr lang="en-US" dirty="0" smtClean="0"/>
-                        <a:t>Test team</a:t>
-                      </a:r>
-                      <a:endParaRPr lang="en-US" dirty="0" smtClean="0"/>
-                    </a:p>
-                  </a:txBody>
-                  <a:tcPr/>
-                </a:tc>
-              </a:tr>
-              <a:tr h="757811">
-                <a:tc>
-                  <a:txBody>
-                    <a:bodyPr/>
-                    <a:lstStyle/>
-                    <a:p>
-                      <a:pPr marL="0" indent="0">
-                        <a:buFontTx/>
-                        <a:buNone/>
-                      </a:pPr>
-                      <a:r>
-                        <a:rPr lang="en-US" dirty="0" smtClean="0"/>
-                        <a:t>5</a:t>
-                      </a:r>
-                      <a:endParaRPr lang="en-US" dirty="0"/>
-                    </a:p>
-                  </a:txBody>
-                  <a:tcPr/>
-                </a:tc>
-                <a:tc>
-                  <a:txBody>
-                    <a:bodyPr/>
-                    <a:lstStyle/>
-                    <a:p>
-                      <a:r>
-                        <a:rPr lang="en-US" dirty="0" smtClean="0"/>
-                        <a:t>Project</a:t>
-                      </a:r>
-                      <a:r>
-                        <a:rPr lang="en-US" baseline="0" dirty="0" smtClean="0"/>
-                        <a:t> Management</a:t>
-                      </a:r>
-                      <a:endParaRPr lang="en-US" dirty="0"/>
-                    </a:p>
-                  </a:txBody>
-                  <a:tcPr/>
-                </a:tc>
-                <a:tc>
-                  <a:txBody>
-                    <a:bodyPr/>
-                    <a:lstStyle/>
-                    <a:p>
-                      <a:pPr marL="0" marR="0" indent="0" algn="l" defTabSz="914400" rtl="0" eaLnBrk="1" fontAlgn="auto" latinLnBrk="0" hangingPunct="1">
-                        <a:lnSpc>
-                          <a:spcPct val="100000"/>
-                        </a:lnSpc>
-                        <a:spcBef>
-                          <a:spcPts val="0"/>
-                        </a:spcBef>
-                        <a:spcAft>
-                          <a:spcPts val="0"/>
-                        </a:spcAft>
-                        <a:buClrTx/>
-                        <a:buSzTx/>
-                        <a:buFont typeface="Arial" pitchFamily="34" charset="0"/>
-                        <a:buChar char="•"/>
-                        <a:tabLst/>
-                        <a:defRPr/>
-                      </a:pPr>
-                      <a:r>
-                        <a:rPr lang="en-US" sz="1800" kern="1200" dirty="0" smtClean="0">
-                          <a:solidFill>
-                            <a:schemeClr val="dk1"/>
-                          </a:solidFill>
-                          <a:latin typeface="+mn-lt"/>
-                          <a:ea typeface="+mn-ea"/>
-                          <a:cs typeface="+mn-cs"/>
-                        </a:rPr>
-                        <a:t>Development plan</a:t>
-                      </a:r>
-                    </a:p>
-                    <a:p>
-                      <a:pPr marL="0" marR="0" indent="0" algn="l" defTabSz="914400" rtl="0" eaLnBrk="1" fontAlgn="auto" latinLnBrk="0" hangingPunct="1">
-                        <a:lnSpc>
-                          <a:spcPct val="100000"/>
-                        </a:lnSpc>
-                        <a:spcBef>
-                          <a:spcPts val="0"/>
-                        </a:spcBef>
-                        <a:spcAft>
-                          <a:spcPts val="0"/>
-                        </a:spcAft>
-                        <a:buClrTx/>
-                        <a:buSzTx/>
-                        <a:buFont typeface="Arial" pitchFamily="34" charset="0"/>
-                        <a:buChar char="•"/>
-                        <a:tabLst/>
-                        <a:defRPr/>
-                      </a:pPr>
-                      <a:r>
-                        <a:rPr lang="en-US" sz="1800" kern="1200" dirty="0" smtClean="0">
-                          <a:solidFill>
-                            <a:schemeClr val="dk1"/>
-                          </a:solidFill>
-                          <a:latin typeface="+mn-lt"/>
-                          <a:ea typeface="+mn-ea"/>
-                          <a:cs typeface="+mn-cs"/>
-                        </a:rPr>
-                        <a:t>Project</a:t>
-                      </a:r>
-                      <a:r>
-                        <a:rPr lang="en-US" sz="1800" kern="1200" baseline="0" dirty="0" smtClean="0">
-                          <a:solidFill>
-                            <a:schemeClr val="dk1"/>
-                          </a:solidFill>
-                          <a:latin typeface="+mn-lt"/>
-                          <a:ea typeface="+mn-ea"/>
-                          <a:cs typeface="+mn-cs"/>
-                        </a:rPr>
-                        <a:t> reports</a:t>
-                      </a:r>
-                    </a:p>
-                    <a:p>
-                      <a:pPr marL="0" marR="0" indent="0" algn="l" defTabSz="914400" rtl="0" eaLnBrk="1" fontAlgn="auto" latinLnBrk="0" hangingPunct="1">
-                        <a:lnSpc>
-                          <a:spcPct val="100000"/>
-                        </a:lnSpc>
-                        <a:spcBef>
-                          <a:spcPts val="0"/>
-                        </a:spcBef>
-                        <a:spcAft>
-                          <a:spcPts val="0"/>
-                        </a:spcAft>
-                        <a:buClrTx/>
-                        <a:buSzTx/>
-                        <a:buFont typeface="Arial" pitchFamily="34" charset="0"/>
-                        <a:buChar char="•"/>
-                        <a:tabLst/>
-                        <a:defRPr/>
-                      </a:pPr>
-                      <a:r>
-                        <a:rPr lang="en-US" sz="1800" kern="1200" baseline="0" dirty="0" smtClean="0">
-                          <a:solidFill>
-                            <a:schemeClr val="dk1"/>
-                          </a:solidFill>
-                          <a:latin typeface="+mn-lt"/>
-                          <a:ea typeface="+mn-ea"/>
-                          <a:cs typeface="+mn-cs"/>
-                        </a:rPr>
-                        <a:t>User guide</a:t>
-                      </a:r>
-                      <a:endParaRPr lang="en-US" sz="1800" kern="1200" dirty="0" smtClean="0">
-                        <a:solidFill>
-                          <a:schemeClr val="dk1"/>
-                        </a:solidFill>
-                        <a:latin typeface="+mn-lt"/>
-                        <a:ea typeface="+mn-ea"/>
-                        <a:cs typeface="+mn-cs"/>
-                      </a:endParaRPr>
-                    </a:p>
-                  </a:txBody>
-                  <a:tcPr/>
-                </a:tc>
-                <a:tc>
-                  <a:txBody>
-                    <a:bodyPr/>
-                    <a:lstStyle/>
-                    <a:p>
-                      <a:pPr>
-                        <a:buFont typeface="Arial" pitchFamily="34" charset="0"/>
-                        <a:buChar char="•"/>
-                      </a:pPr>
-                      <a:r>
-                        <a:rPr lang="en-US" dirty="0" smtClean="0"/>
-                        <a:t>Project Manager</a:t>
-                      </a:r>
-                    </a:p>
-                    <a:p>
-                      <a:pPr>
-                        <a:buFont typeface="Arial" pitchFamily="34" charset="0"/>
-                        <a:buChar char="•"/>
-                      </a:pPr>
-                      <a:r>
-                        <a:rPr lang="en-US" dirty="0" smtClean="0"/>
-                        <a:t>QA</a:t>
-                      </a:r>
-                      <a:r>
-                        <a:rPr lang="en-US" baseline="0" dirty="0" smtClean="0"/>
-                        <a:t> Manager</a:t>
-                      </a:r>
-                    </a:p>
-                    <a:p>
-                      <a:pPr>
-                        <a:buFont typeface="Arial" pitchFamily="34" charset="0"/>
-                        <a:buChar char="•"/>
-                      </a:pPr>
-                      <a:r>
-                        <a:rPr lang="en-US" baseline="0" dirty="0" smtClean="0"/>
-                        <a:t>Business Analyst</a:t>
-                      </a:r>
-                      <a:endParaRPr lang="en-US" dirty="0"/>
-                    </a:p>
-                  </a:txBody>
-                  <a:tcPr/>
-                </a:tc>
-              </a:tr>
-            </a:tbl>
           </a:graphicData>
         </a:graphic>
       </p:graphicFrame>
@@ -20640,6 +19848,1013 @@
       </p:grpSpPr>
       <p:sp>
         <p:nvSpPr>
+          <p:cNvPr id="14341" name="Rectangle 5"/>
+          <p:cNvSpPr>
+            <a:spLocks noGrp="1" noChangeArrowheads="1"/>
+          </p:cNvSpPr>
+          <p:nvPr>
+            <p:ph type="title"/>
+          </p:nvPr>
+        </p:nvSpPr>
+        <p:spPr/>
+        <p:txBody>
+          <a:bodyPr/>
+          <a:lstStyle/>
+          <a:p>
+            <a:r>
+              <a:rPr lang="en-US" dirty="0"/>
+              <a:t>Transition Strategy </a:t>
+            </a:r>
+            <a:r>
+              <a:rPr lang="en-US" dirty="0" smtClean="0"/>
+              <a:t> </a:t>
+            </a:r>
+            <a:r>
+              <a:rPr lang="en-US" dirty="0" smtClean="0"/>
+              <a:t/>
+            </a:r>
+            <a:br>
+              <a:rPr lang="en-US" dirty="0" smtClean="0"/>
+            </a:br>
+            <a:r>
+              <a:rPr lang="en-US" sz="2400" dirty="0" smtClean="0"/>
+              <a:t>Analysis </a:t>
+            </a:r>
+            <a:r>
+              <a:rPr lang="en-US" sz="2400" dirty="0"/>
+              <a:t>to Design</a:t>
+            </a:r>
+            <a:endParaRPr lang="en-US" dirty="0"/>
+          </a:p>
+        </p:txBody>
+      </p:sp>
+      <p:graphicFrame>
+        <p:nvGraphicFramePr>
+          <p:cNvPr id="16" name="Table 15"/>
+          <p:cNvGraphicFramePr>
+            <a:graphicFrameLocks noGrp="1"/>
+          </p:cNvGraphicFramePr>
+          <p:nvPr>
+            <p:extLst>
+              <p:ext uri="{D42A27DB-BD31-4B8C-83A1-F6EECF244321}">
+                <p14:modId xmlns:p14="http://schemas.microsoft.com/office/powerpoint/2010/main" val="3362897560"/>
+              </p:ext>
+            </p:extLst>
+          </p:nvPr>
+        </p:nvGraphicFramePr>
+        <p:xfrm>
+          <a:off x="533400" y="1600200"/>
+          <a:ext cx="8196580" cy="4628190"/>
+        </p:xfrm>
+        <a:graphic>
+          <a:graphicData uri="http://schemas.openxmlformats.org/drawingml/2006/table">
+            <a:tbl>
+              <a:tblPr firstRow="1" bandRow="1">
+                <a:tableStyleId>{5C22544A-7EE6-4342-B048-85BDC9FD1C3A}</a:tableStyleId>
+              </a:tblPr>
+              <a:tblGrid>
+                <a:gridCol w="522838"/>
+                <a:gridCol w="2067962"/>
+                <a:gridCol w="3429000"/>
+                <a:gridCol w="2176780"/>
+              </a:tblGrid>
+              <a:tr h="509202">
+                <a:tc>
+                  <a:txBody>
+                    <a:bodyPr/>
+                    <a:lstStyle/>
+                    <a:p>
+                      <a:r>
+                        <a:rPr lang="en-US" dirty="0" smtClean="0"/>
+                        <a:t>No</a:t>
+                      </a:r>
+                      <a:endParaRPr lang="en-US" dirty="0"/>
+                    </a:p>
+                  </a:txBody>
+                  <a:tcPr/>
+                </a:tc>
+                <a:tc>
+                  <a:txBody>
+                    <a:bodyPr/>
+                    <a:lstStyle/>
+                    <a:p>
+                      <a:r>
+                        <a:rPr lang="en-US" dirty="0" smtClean="0"/>
+                        <a:t>Task</a:t>
+                      </a:r>
+                      <a:endParaRPr lang="en-US" dirty="0"/>
+                    </a:p>
+                  </a:txBody>
+                  <a:tcPr/>
+                </a:tc>
+                <a:tc>
+                  <a:txBody>
+                    <a:bodyPr/>
+                    <a:lstStyle/>
+                    <a:p>
+                      <a:r>
+                        <a:rPr lang="en-US" dirty="0" smtClean="0"/>
+                        <a:t>Description</a:t>
+                      </a:r>
+                      <a:endParaRPr lang="en-US" dirty="0"/>
+                    </a:p>
+                  </a:txBody>
+                  <a:tcPr/>
+                </a:tc>
+                <a:tc>
+                  <a:txBody>
+                    <a:bodyPr/>
+                    <a:lstStyle/>
+                    <a:p>
+                      <a:r>
+                        <a:rPr lang="en-US" dirty="0" smtClean="0"/>
+                        <a:t>In-Charge</a:t>
+                      </a:r>
+                      <a:endParaRPr lang="en-US" dirty="0"/>
+                    </a:p>
+                  </a:txBody>
+                  <a:tcPr/>
+                </a:tc>
+              </a:tr>
+              <a:tr h="687894">
+                <a:tc>
+                  <a:txBody>
+                    <a:bodyPr/>
+                    <a:lstStyle/>
+                    <a:p>
+                      <a:pPr marL="0" indent="0">
+                        <a:buFontTx/>
+                        <a:buNone/>
+                      </a:pPr>
+                      <a:r>
+                        <a:rPr lang="en-US" dirty="0" smtClean="0"/>
+                        <a:t>1</a:t>
+                      </a:r>
+                      <a:endParaRPr lang="en-US" dirty="0"/>
+                    </a:p>
+                  </a:txBody>
+                  <a:tcPr/>
+                </a:tc>
+                <a:tc>
+                  <a:txBody>
+                    <a:bodyPr/>
+                    <a:lstStyle/>
+                    <a:p>
+                      <a:r>
+                        <a:rPr lang="en-US" dirty="0" smtClean="0"/>
+                        <a:t>High</a:t>
+                      </a:r>
+                      <a:r>
+                        <a:rPr lang="en-US" baseline="0" dirty="0" smtClean="0"/>
+                        <a:t> level design</a:t>
+                      </a:r>
+                      <a:endParaRPr lang="en-US" dirty="0"/>
+                    </a:p>
+                  </a:txBody>
+                  <a:tcPr/>
+                </a:tc>
+                <a:tc>
+                  <a:txBody>
+                    <a:bodyPr/>
+                    <a:lstStyle/>
+                    <a:p>
+                      <a:pPr marL="0" marR="0" indent="0" algn="l" defTabSz="914400" rtl="0" eaLnBrk="1" fontAlgn="auto" latinLnBrk="0" hangingPunct="1">
+                        <a:lnSpc>
+                          <a:spcPct val="100000"/>
+                        </a:lnSpc>
+                        <a:spcBef>
+                          <a:spcPts val="0"/>
+                        </a:spcBef>
+                        <a:spcAft>
+                          <a:spcPts val="0"/>
+                        </a:spcAft>
+                        <a:buClrTx/>
+                        <a:buSzTx/>
+                        <a:buFont typeface="Arial" pitchFamily="34" charset="0"/>
+                        <a:buChar char="•"/>
+                        <a:tabLst/>
+                        <a:defRPr/>
+                      </a:pPr>
+                      <a:r>
+                        <a:rPr lang="en-US" dirty="0" smtClean="0"/>
+                        <a:t>Software architecture</a:t>
+                      </a:r>
+                    </a:p>
+                    <a:p>
+                      <a:pPr marL="0" marR="0" indent="0" algn="l" defTabSz="914400" rtl="0" eaLnBrk="1" fontAlgn="auto" latinLnBrk="0" hangingPunct="1">
+                        <a:lnSpc>
+                          <a:spcPct val="100000"/>
+                        </a:lnSpc>
+                        <a:spcBef>
+                          <a:spcPts val="0"/>
+                        </a:spcBef>
+                        <a:spcAft>
+                          <a:spcPts val="0"/>
+                        </a:spcAft>
+                        <a:buClrTx/>
+                        <a:buSzTx/>
+                        <a:buFont typeface="Arial" pitchFamily="34" charset="0"/>
+                        <a:buChar char="•"/>
+                        <a:tabLst/>
+                        <a:defRPr/>
+                      </a:pPr>
+                      <a:r>
+                        <a:rPr lang="en-US" dirty="0" smtClean="0"/>
+                        <a:t>Prototype</a:t>
+                      </a:r>
+                    </a:p>
+                  </a:txBody>
+                  <a:tcPr/>
+                </a:tc>
+                <a:tc>
+                  <a:txBody>
+                    <a:bodyPr/>
+                    <a:lstStyle/>
+                    <a:p>
+                      <a:pPr>
+                        <a:buFont typeface="Arial" pitchFamily="34" charset="0"/>
+                        <a:buChar char="•"/>
+                      </a:pPr>
+                      <a:r>
+                        <a:rPr lang="en-US" baseline="0" dirty="0" smtClean="0"/>
+                        <a:t>Architect</a:t>
+                      </a:r>
+                    </a:p>
+                    <a:p>
+                      <a:pPr>
+                        <a:buFont typeface="Arial" pitchFamily="34" charset="0"/>
+                        <a:buChar char="•"/>
+                      </a:pPr>
+                      <a:r>
+                        <a:rPr lang="en-US" baseline="0" dirty="0" smtClean="0"/>
+                        <a:t>Design team</a:t>
+                      </a:r>
+                    </a:p>
+                  </a:txBody>
+                  <a:tcPr/>
+                </a:tc>
+              </a:tr>
+              <a:tr h="687894">
+                <a:tc>
+                  <a:txBody>
+                    <a:bodyPr/>
+                    <a:lstStyle/>
+                    <a:p>
+                      <a:pPr marL="0" indent="0">
+                        <a:buFontTx/>
+                        <a:buNone/>
+                      </a:pPr>
+                      <a:r>
+                        <a:rPr lang="en-US" dirty="0" smtClean="0"/>
+                        <a:t>2</a:t>
+                      </a:r>
+                      <a:endParaRPr lang="en-US" dirty="0"/>
+                    </a:p>
+                  </a:txBody>
+                  <a:tcPr/>
+                </a:tc>
+                <a:tc>
+                  <a:txBody>
+                    <a:bodyPr/>
+                    <a:lstStyle/>
+                    <a:p>
+                      <a:r>
+                        <a:rPr lang="en-US" dirty="0" smtClean="0"/>
+                        <a:t>Detailed Design Specs</a:t>
+                      </a:r>
+                      <a:endParaRPr lang="en-US" dirty="0"/>
+                    </a:p>
+                  </a:txBody>
+                  <a:tcPr/>
+                </a:tc>
+                <a:tc>
+                  <a:txBody>
+                    <a:bodyPr/>
+                    <a:lstStyle/>
+                    <a:p>
+                      <a:pPr marL="0" marR="0" indent="0" algn="l" defTabSz="914400" rtl="0" eaLnBrk="1" fontAlgn="auto" latinLnBrk="0" hangingPunct="1">
+                        <a:lnSpc>
+                          <a:spcPct val="100000"/>
+                        </a:lnSpc>
+                        <a:spcBef>
+                          <a:spcPts val="0"/>
+                        </a:spcBef>
+                        <a:spcAft>
+                          <a:spcPts val="0"/>
+                        </a:spcAft>
+                        <a:buClrTx/>
+                        <a:buSzTx/>
+                        <a:buFont typeface="Arial" pitchFamily="34" charset="0"/>
+                        <a:buChar char="•"/>
+                        <a:tabLst/>
+                        <a:defRPr/>
+                      </a:pPr>
+                      <a:r>
+                        <a:rPr lang="en-US" dirty="0" smtClean="0"/>
+                        <a:t>Use</a:t>
+                      </a:r>
+                      <a:r>
+                        <a:rPr lang="en-US" baseline="0" dirty="0" smtClean="0"/>
+                        <a:t> Case </a:t>
+                      </a:r>
+                      <a:r>
+                        <a:rPr lang="en-US" baseline="0" dirty="0" err="1" smtClean="0"/>
+                        <a:t>Realisation</a:t>
+                      </a:r>
+                      <a:r>
+                        <a:rPr lang="en-US" baseline="0" dirty="0" smtClean="0"/>
+                        <a:t> Report (Designed)</a:t>
+                      </a:r>
+                    </a:p>
+                    <a:p>
+                      <a:pPr marL="0" marR="0" indent="0" algn="l" defTabSz="914400" rtl="0" eaLnBrk="1" fontAlgn="auto" latinLnBrk="0" hangingPunct="1">
+                        <a:lnSpc>
+                          <a:spcPct val="100000"/>
+                        </a:lnSpc>
+                        <a:spcBef>
+                          <a:spcPts val="0"/>
+                        </a:spcBef>
+                        <a:spcAft>
+                          <a:spcPts val="0"/>
+                        </a:spcAft>
+                        <a:buClrTx/>
+                        <a:buSzTx/>
+                        <a:buFont typeface="Arial" pitchFamily="34" charset="0"/>
+                        <a:buChar char="•"/>
+                        <a:tabLst/>
+                        <a:defRPr/>
+                      </a:pPr>
+                      <a:r>
+                        <a:rPr lang="en-US" baseline="0" dirty="0" smtClean="0"/>
+                        <a:t>Guidelines &amp; standards</a:t>
+                      </a:r>
+                      <a:endParaRPr lang="en-US" dirty="0" smtClean="0"/>
+                    </a:p>
+                  </a:txBody>
+                  <a:tcPr/>
+                </a:tc>
+                <a:tc>
+                  <a:txBody>
+                    <a:bodyPr/>
+                    <a:lstStyle/>
+                    <a:p>
+                      <a:pPr>
+                        <a:buFont typeface="Arial" pitchFamily="34" charset="0"/>
+                        <a:buChar char="•"/>
+                      </a:pPr>
+                      <a:r>
+                        <a:rPr lang="en-US" dirty="0" smtClean="0"/>
+                        <a:t>Architect</a:t>
+                      </a:r>
+                    </a:p>
+                    <a:p>
+                      <a:pPr>
+                        <a:buFont typeface="Arial" pitchFamily="34" charset="0"/>
+                        <a:buChar char="•"/>
+                      </a:pPr>
+                      <a:r>
+                        <a:rPr lang="en-US" dirty="0" smtClean="0"/>
+                        <a:t>Design team</a:t>
+                      </a:r>
+                      <a:endParaRPr lang="en-US" baseline="0" dirty="0" smtClean="0"/>
+                    </a:p>
+                  </a:txBody>
+                  <a:tcPr/>
+                </a:tc>
+              </a:tr>
+              <a:tr h="687894">
+                <a:tc>
+                  <a:txBody>
+                    <a:bodyPr/>
+                    <a:lstStyle/>
+                    <a:p>
+                      <a:pPr marL="0" indent="0">
+                        <a:buFontTx/>
+                        <a:buNone/>
+                      </a:pPr>
+                      <a:r>
+                        <a:rPr lang="en-US" dirty="0" smtClean="0"/>
+                        <a:t>3</a:t>
+                      </a:r>
+                      <a:endParaRPr lang="en-US" dirty="0"/>
+                    </a:p>
+                  </a:txBody>
+                  <a:tcPr/>
+                </a:tc>
+                <a:tc>
+                  <a:txBody>
+                    <a:bodyPr/>
+                    <a:lstStyle/>
+                    <a:p>
+                      <a:pPr marL="0" marR="0" indent="0" algn="l" defTabSz="914400" rtl="0" eaLnBrk="1" fontAlgn="auto" latinLnBrk="0" hangingPunct="1">
+                        <a:lnSpc>
+                          <a:spcPct val="100000"/>
+                        </a:lnSpc>
+                        <a:spcBef>
+                          <a:spcPts val="0"/>
+                        </a:spcBef>
+                        <a:spcAft>
+                          <a:spcPts val="0"/>
+                        </a:spcAft>
+                        <a:buClrTx/>
+                        <a:buSzTx/>
+                        <a:buFontTx/>
+                        <a:buNone/>
+                        <a:tabLst/>
+                        <a:defRPr/>
+                      </a:pPr>
+                      <a:r>
+                        <a:rPr lang="en-US" sz="1800" kern="1200" dirty="0" smtClean="0">
+                          <a:solidFill>
+                            <a:schemeClr val="dk1"/>
+                          </a:solidFill>
+                          <a:latin typeface="+mn-lt"/>
+                          <a:ea typeface="+mn-ea"/>
+                          <a:cs typeface="+mn-cs"/>
+                        </a:rPr>
+                        <a:t>Implementation</a:t>
+                      </a:r>
+                    </a:p>
+                  </a:txBody>
+                  <a:tcPr/>
+                </a:tc>
+                <a:tc>
+                  <a:txBody>
+                    <a:bodyPr/>
+                    <a:lstStyle/>
+                    <a:p>
+                      <a:pPr marL="0" marR="0" indent="0" algn="l" defTabSz="914400" rtl="0" eaLnBrk="1" fontAlgn="auto" latinLnBrk="0" hangingPunct="1">
+                        <a:lnSpc>
+                          <a:spcPct val="100000"/>
+                        </a:lnSpc>
+                        <a:spcBef>
+                          <a:spcPts val="0"/>
+                        </a:spcBef>
+                        <a:spcAft>
+                          <a:spcPts val="0"/>
+                        </a:spcAft>
+                        <a:buClrTx/>
+                        <a:buSzTx/>
+                        <a:buFont typeface="Arial" pitchFamily="34" charset="0"/>
+                        <a:buChar char="•"/>
+                        <a:tabLst/>
+                        <a:defRPr/>
+                      </a:pPr>
+                      <a:r>
+                        <a:rPr lang="en-US" sz="1800" kern="1200" dirty="0" smtClean="0">
+                          <a:solidFill>
+                            <a:schemeClr val="dk1"/>
+                          </a:solidFill>
+                          <a:latin typeface="+mn-lt"/>
+                          <a:ea typeface="+mn-ea"/>
+                          <a:cs typeface="+mn-cs"/>
+                        </a:rPr>
+                        <a:t>Code</a:t>
+                      </a:r>
+                    </a:p>
+                    <a:p>
+                      <a:pPr marL="0" marR="0" indent="0" algn="l" defTabSz="914400" rtl="0" eaLnBrk="1" fontAlgn="auto" latinLnBrk="0" hangingPunct="1">
+                        <a:lnSpc>
+                          <a:spcPct val="100000"/>
+                        </a:lnSpc>
+                        <a:spcBef>
+                          <a:spcPts val="0"/>
+                        </a:spcBef>
+                        <a:spcAft>
+                          <a:spcPts val="0"/>
+                        </a:spcAft>
+                        <a:buClrTx/>
+                        <a:buSzTx/>
+                        <a:buFont typeface="Arial" pitchFamily="34" charset="0"/>
+                        <a:buChar char="•"/>
+                        <a:tabLst/>
+                        <a:defRPr/>
+                      </a:pPr>
+                      <a:r>
+                        <a:rPr lang="en-US" sz="1800" kern="1200" dirty="0" smtClean="0">
+                          <a:solidFill>
+                            <a:schemeClr val="dk1"/>
+                          </a:solidFill>
+                          <a:latin typeface="+mn-lt"/>
+                          <a:ea typeface="+mn-ea"/>
+                          <a:cs typeface="+mn-cs"/>
+                        </a:rPr>
+                        <a:t>Unit-test</a:t>
+                      </a:r>
+                    </a:p>
+                  </a:txBody>
+                  <a:tcPr/>
+                </a:tc>
+                <a:tc>
+                  <a:txBody>
+                    <a:bodyPr/>
+                    <a:lstStyle/>
+                    <a:p>
+                      <a:pPr marL="0" marR="0" indent="0" algn="l" defTabSz="914400" rtl="0" eaLnBrk="1" fontAlgn="auto" latinLnBrk="0" hangingPunct="1">
+                        <a:lnSpc>
+                          <a:spcPct val="100000"/>
+                        </a:lnSpc>
+                        <a:spcBef>
+                          <a:spcPts val="0"/>
+                        </a:spcBef>
+                        <a:spcAft>
+                          <a:spcPts val="0"/>
+                        </a:spcAft>
+                        <a:buClrTx/>
+                        <a:buSzTx/>
+                        <a:buFont typeface="Arial" pitchFamily="34" charset="0"/>
+                        <a:buChar char="•"/>
+                        <a:tabLst/>
+                        <a:defRPr/>
+                      </a:pPr>
+                      <a:r>
+                        <a:rPr lang="en-US" dirty="0" smtClean="0"/>
+                        <a:t>Development team</a:t>
+                      </a:r>
+                    </a:p>
+                  </a:txBody>
+                  <a:tcPr/>
+                </a:tc>
+              </a:tr>
+              <a:tr h="687894">
+                <a:tc>
+                  <a:txBody>
+                    <a:bodyPr/>
+                    <a:lstStyle/>
+                    <a:p>
+                      <a:pPr marL="0" indent="0">
+                        <a:buFontTx/>
+                        <a:buNone/>
+                      </a:pPr>
+                      <a:r>
+                        <a:rPr lang="en-US" dirty="0" smtClean="0"/>
+                        <a:t>4</a:t>
+                      </a:r>
+                      <a:endParaRPr lang="en-US" dirty="0"/>
+                    </a:p>
+                  </a:txBody>
+                  <a:tcPr/>
+                </a:tc>
+                <a:tc>
+                  <a:txBody>
+                    <a:bodyPr/>
+                    <a:lstStyle/>
+                    <a:p>
+                      <a:pPr marL="0" marR="0" indent="0" algn="l" defTabSz="914400" rtl="0" eaLnBrk="1" fontAlgn="auto" latinLnBrk="0" hangingPunct="1">
+                        <a:lnSpc>
+                          <a:spcPct val="100000"/>
+                        </a:lnSpc>
+                        <a:spcBef>
+                          <a:spcPts val="0"/>
+                        </a:spcBef>
+                        <a:spcAft>
+                          <a:spcPts val="0"/>
+                        </a:spcAft>
+                        <a:buClrTx/>
+                        <a:buSzTx/>
+                        <a:buFontTx/>
+                        <a:buNone/>
+                        <a:tabLst/>
+                        <a:defRPr/>
+                      </a:pPr>
+                      <a:r>
+                        <a:rPr lang="en-US" sz="1800" kern="1200" dirty="0" smtClean="0">
+                          <a:solidFill>
+                            <a:schemeClr val="dk1"/>
+                          </a:solidFill>
+                          <a:latin typeface="+mn-lt"/>
+                          <a:ea typeface="+mn-ea"/>
+                          <a:cs typeface="+mn-cs"/>
+                        </a:rPr>
+                        <a:t>Testing</a:t>
+                      </a:r>
+                    </a:p>
+                  </a:txBody>
+                  <a:tcPr/>
+                </a:tc>
+                <a:tc>
+                  <a:txBody>
+                    <a:bodyPr/>
+                    <a:lstStyle/>
+                    <a:p>
+                      <a:pPr marL="0" marR="0" indent="0" algn="l" defTabSz="914400" rtl="0" eaLnBrk="1" fontAlgn="auto" latinLnBrk="0" hangingPunct="1">
+                        <a:lnSpc>
+                          <a:spcPct val="100000"/>
+                        </a:lnSpc>
+                        <a:spcBef>
+                          <a:spcPts val="0"/>
+                        </a:spcBef>
+                        <a:spcAft>
+                          <a:spcPts val="0"/>
+                        </a:spcAft>
+                        <a:buClrTx/>
+                        <a:buSzTx/>
+                        <a:buFont typeface="Arial" pitchFamily="34" charset="0"/>
+                        <a:buChar char="•"/>
+                        <a:tabLst/>
+                        <a:defRPr/>
+                      </a:pPr>
+                      <a:r>
+                        <a:rPr lang="en-US" sz="1800" kern="1200" dirty="0" smtClean="0">
+                          <a:solidFill>
+                            <a:schemeClr val="dk1"/>
+                          </a:solidFill>
+                          <a:latin typeface="+mn-lt"/>
+                          <a:ea typeface="+mn-ea"/>
+                          <a:cs typeface="+mn-cs"/>
+                        </a:rPr>
+                        <a:t>Test script (SIT</a:t>
+                      </a:r>
+                      <a:r>
+                        <a:rPr lang="en-US" sz="1800" kern="1200" baseline="0" dirty="0" smtClean="0">
+                          <a:solidFill>
+                            <a:schemeClr val="dk1"/>
+                          </a:solidFill>
+                          <a:latin typeface="+mn-lt"/>
+                          <a:ea typeface="+mn-ea"/>
+                          <a:cs typeface="+mn-cs"/>
+                        </a:rPr>
+                        <a:t> &amp; UAT)</a:t>
+                      </a:r>
+                      <a:endParaRPr lang="en-US" sz="1800" kern="1200" dirty="0" smtClean="0">
+                        <a:solidFill>
+                          <a:schemeClr val="dk1"/>
+                        </a:solidFill>
+                        <a:latin typeface="+mn-lt"/>
+                        <a:ea typeface="+mn-ea"/>
+                        <a:cs typeface="+mn-cs"/>
+                      </a:endParaRPr>
+                    </a:p>
+                    <a:p>
+                      <a:pPr marL="0" marR="0" indent="0" algn="l" defTabSz="914400" rtl="0" eaLnBrk="1" fontAlgn="auto" latinLnBrk="0" hangingPunct="1">
+                        <a:lnSpc>
+                          <a:spcPct val="100000"/>
+                        </a:lnSpc>
+                        <a:spcBef>
+                          <a:spcPts val="0"/>
+                        </a:spcBef>
+                        <a:spcAft>
+                          <a:spcPts val="0"/>
+                        </a:spcAft>
+                        <a:buClrTx/>
+                        <a:buSzTx/>
+                        <a:buFont typeface="Arial" pitchFamily="34" charset="0"/>
+                        <a:buChar char="•"/>
+                        <a:tabLst/>
+                        <a:defRPr/>
+                      </a:pPr>
+                      <a:r>
+                        <a:rPr lang="en-US" sz="1800" kern="1200" dirty="0" smtClean="0">
+                          <a:solidFill>
+                            <a:schemeClr val="dk1"/>
+                          </a:solidFill>
+                          <a:latin typeface="+mn-lt"/>
+                          <a:ea typeface="+mn-ea"/>
+                          <a:cs typeface="+mn-cs"/>
+                        </a:rPr>
+                        <a:t>Test</a:t>
+                      </a:r>
+                      <a:r>
+                        <a:rPr lang="en-US" sz="1800" kern="1200" baseline="0" dirty="0" smtClean="0">
+                          <a:solidFill>
+                            <a:schemeClr val="dk1"/>
+                          </a:solidFill>
+                          <a:latin typeface="+mn-lt"/>
+                          <a:ea typeface="+mn-ea"/>
+                          <a:cs typeface="+mn-cs"/>
+                        </a:rPr>
+                        <a:t> plan</a:t>
+                      </a:r>
+                    </a:p>
+                    <a:p>
+                      <a:pPr marL="0" marR="0" indent="0" algn="l" defTabSz="914400" rtl="0" eaLnBrk="1" fontAlgn="auto" latinLnBrk="0" hangingPunct="1">
+                        <a:lnSpc>
+                          <a:spcPct val="100000"/>
+                        </a:lnSpc>
+                        <a:spcBef>
+                          <a:spcPts val="0"/>
+                        </a:spcBef>
+                        <a:spcAft>
+                          <a:spcPts val="0"/>
+                        </a:spcAft>
+                        <a:buClrTx/>
+                        <a:buSzTx/>
+                        <a:buFont typeface="Arial" pitchFamily="34" charset="0"/>
+                        <a:buChar char="•"/>
+                        <a:tabLst/>
+                        <a:defRPr/>
+                      </a:pPr>
+                      <a:r>
+                        <a:rPr lang="en-US" sz="1800" kern="1200" baseline="0" dirty="0" smtClean="0">
+                          <a:solidFill>
+                            <a:schemeClr val="dk1"/>
+                          </a:solidFill>
+                          <a:latin typeface="+mn-lt"/>
+                          <a:ea typeface="+mn-ea"/>
+                          <a:cs typeface="+mn-cs"/>
+                        </a:rPr>
+                        <a:t>Test result</a:t>
+                      </a:r>
+                      <a:endParaRPr lang="en-US" sz="1800" kern="1200" dirty="0" smtClean="0">
+                        <a:solidFill>
+                          <a:schemeClr val="dk1"/>
+                        </a:solidFill>
+                        <a:latin typeface="+mn-lt"/>
+                        <a:ea typeface="+mn-ea"/>
+                        <a:cs typeface="+mn-cs"/>
+                      </a:endParaRPr>
+                    </a:p>
+                  </a:txBody>
+                  <a:tcPr/>
+                </a:tc>
+                <a:tc>
+                  <a:txBody>
+                    <a:bodyPr/>
+                    <a:lstStyle/>
+                    <a:p>
+                      <a:pPr marL="0" marR="0" indent="0" algn="l" defTabSz="914400" rtl="0" eaLnBrk="1" fontAlgn="auto" latinLnBrk="0" hangingPunct="1">
+                        <a:lnSpc>
+                          <a:spcPct val="100000"/>
+                        </a:lnSpc>
+                        <a:spcBef>
+                          <a:spcPts val="0"/>
+                        </a:spcBef>
+                        <a:spcAft>
+                          <a:spcPts val="0"/>
+                        </a:spcAft>
+                        <a:buClrTx/>
+                        <a:buSzTx/>
+                        <a:buFont typeface="Arial" pitchFamily="34" charset="0"/>
+                        <a:buChar char="•"/>
+                        <a:tabLst/>
+                        <a:defRPr/>
+                      </a:pPr>
+                      <a:r>
+                        <a:rPr lang="en-US" dirty="0" smtClean="0"/>
+                        <a:t>Test lead</a:t>
+                      </a:r>
+                    </a:p>
+                    <a:p>
+                      <a:pPr marL="0" marR="0" indent="0" algn="l" defTabSz="914400" rtl="0" eaLnBrk="1" fontAlgn="auto" latinLnBrk="0" hangingPunct="1">
+                        <a:lnSpc>
+                          <a:spcPct val="100000"/>
+                        </a:lnSpc>
+                        <a:spcBef>
+                          <a:spcPts val="0"/>
+                        </a:spcBef>
+                        <a:spcAft>
+                          <a:spcPts val="0"/>
+                        </a:spcAft>
+                        <a:buClrTx/>
+                        <a:buSzTx/>
+                        <a:buFont typeface="Arial" pitchFamily="34" charset="0"/>
+                        <a:buChar char="•"/>
+                        <a:tabLst/>
+                        <a:defRPr/>
+                      </a:pPr>
+                      <a:r>
+                        <a:rPr lang="en-US" dirty="0" smtClean="0"/>
+                        <a:t>Test team</a:t>
+                      </a:r>
+                    </a:p>
+                  </a:txBody>
+                  <a:tcPr/>
+                </a:tc>
+              </a:tr>
+              <a:tr h="757811">
+                <a:tc>
+                  <a:txBody>
+                    <a:bodyPr/>
+                    <a:lstStyle/>
+                    <a:p>
+                      <a:pPr marL="0" indent="0">
+                        <a:buFontTx/>
+                        <a:buNone/>
+                      </a:pPr>
+                      <a:r>
+                        <a:rPr lang="en-US" dirty="0" smtClean="0"/>
+                        <a:t>5</a:t>
+                      </a:r>
+                      <a:endParaRPr lang="en-US" dirty="0"/>
+                    </a:p>
+                  </a:txBody>
+                  <a:tcPr/>
+                </a:tc>
+                <a:tc>
+                  <a:txBody>
+                    <a:bodyPr/>
+                    <a:lstStyle/>
+                    <a:p>
+                      <a:r>
+                        <a:rPr lang="en-US" dirty="0" smtClean="0"/>
+                        <a:t>Project</a:t>
+                      </a:r>
+                      <a:r>
+                        <a:rPr lang="en-US" baseline="0" dirty="0" smtClean="0"/>
+                        <a:t> Management</a:t>
+                      </a:r>
+                      <a:endParaRPr lang="en-US" dirty="0"/>
+                    </a:p>
+                  </a:txBody>
+                  <a:tcPr/>
+                </a:tc>
+                <a:tc>
+                  <a:txBody>
+                    <a:bodyPr/>
+                    <a:lstStyle/>
+                    <a:p>
+                      <a:pPr marL="0" marR="0" indent="0" algn="l" defTabSz="914400" rtl="0" eaLnBrk="1" fontAlgn="auto" latinLnBrk="0" hangingPunct="1">
+                        <a:lnSpc>
+                          <a:spcPct val="100000"/>
+                        </a:lnSpc>
+                        <a:spcBef>
+                          <a:spcPts val="0"/>
+                        </a:spcBef>
+                        <a:spcAft>
+                          <a:spcPts val="0"/>
+                        </a:spcAft>
+                        <a:buClrTx/>
+                        <a:buSzTx/>
+                        <a:buFont typeface="Arial" pitchFamily="34" charset="0"/>
+                        <a:buChar char="•"/>
+                        <a:tabLst/>
+                        <a:defRPr/>
+                      </a:pPr>
+                      <a:r>
+                        <a:rPr lang="en-US" sz="1800" kern="1200" dirty="0" smtClean="0">
+                          <a:solidFill>
+                            <a:schemeClr val="dk1"/>
+                          </a:solidFill>
+                          <a:latin typeface="+mn-lt"/>
+                          <a:ea typeface="+mn-ea"/>
+                          <a:cs typeface="+mn-cs"/>
+                        </a:rPr>
+                        <a:t>Development plan</a:t>
+                      </a:r>
+                    </a:p>
+                    <a:p>
+                      <a:pPr marL="0" marR="0" indent="0" algn="l" defTabSz="914400" rtl="0" eaLnBrk="1" fontAlgn="auto" latinLnBrk="0" hangingPunct="1">
+                        <a:lnSpc>
+                          <a:spcPct val="100000"/>
+                        </a:lnSpc>
+                        <a:spcBef>
+                          <a:spcPts val="0"/>
+                        </a:spcBef>
+                        <a:spcAft>
+                          <a:spcPts val="0"/>
+                        </a:spcAft>
+                        <a:buClrTx/>
+                        <a:buSzTx/>
+                        <a:buFont typeface="Arial" pitchFamily="34" charset="0"/>
+                        <a:buChar char="•"/>
+                        <a:tabLst/>
+                        <a:defRPr/>
+                      </a:pPr>
+                      <a:r>
+                        <a:rPr lang="en-US" sz="1800" kern="1200" dirty="0" smtClean="0">
+                          <a:solidFill>
+                            <a:schemeClr val="dk1"/>
+                          </a:solidFill>
+                          <a:latin typeface="+mn-lt"/>
+                          <a:ea typeface="+mn-ea"/>
+                          <a:cs typeface="+mn-cs"/>
+                        </a:rPr>
+                        <a:t>Project</a:t>
+                      </a:r>
+                      <a:r>
+                        <a:rPr lang="en-US" sz="1800" kern="1200" baseline="0" dirty="0" smtClean="0">
+                          <a:solidFill>
+                            <a:schemeClr val="dk1"/>
+                          </a:solidFill>
+                          <a:latin typeface="+mn-lt"/>
+                          <a:ea typeface="+mn-ea"/>
+                          <a:cs typeface="+mn-cs"/>
+                        </a:rPr>
+                        <a:t> reports</a:t>
+                      </a:r>
+                    </a:p>
+                    <a:p>
+                      <a:pPr marL="0" marR="0" indent="0" algn="l" defTabSz="914400" rtl="0" eaLnBrk="1" fontAlgn="auto" latinLnBrk="0" hangingPunct="1">
+                        <a:lnSpc>
+                          <a:spcPct val="100000"/>
+                        </a:lnSpc>
+                        <a:spcBef>
+                          <a:spcPts val="0"/>
+                        </a:spcBef>
+                        <a:spcAft>
+                          <a:spcPts val="0"/>
+                        </a:spcAft>
+                        <a:buClrTx/>
+                        <a:buSzTx/>
+                        <a:buFont typeface="Arial" pitchFamily="34" charset="0"/>
+                        <a:buChar char="•"/>
+                        <a:tabLst/>
+                        <a:defRPr/>
+                      </a:pPr>
+                      <a:r>
+                        <a:rPr lang="en-US" sz="1800" kern="1200" baseline="0" dirty="0" smtClean="0">
+                          <a:solidFill>
+                            <a:schemeClr val="dk1"/>
+                          </a:solidFill>
+                          <a:latin typeface="+mn-lt"/>
+                          <a:ea typeface="+mn-ea"/>
+                          <a:cs typeface="+mn-cs"/>
+                        </a:rPr>
+                        <a:t>User guide</a:t>
+                      </a:r>
+                      <a:endParaRPr lang="en-US" sz="1800" kern="1200" dirty="0" smtClean="0">
+                        <a:solidFill>
+                          <a:schemeClr val="dk1"/>
+                        </a:solidFill>
+                        <a:latin typeface="+mn-lt"/>
+                        <a:ea typeface="+mn-ea"/>
+                        <a:cs typeface="+mn-cs"/>
+                      </a:endParaRPr>
+                    </a:p>
+                  </a:txBody>
+                  <a:tcPr/>
+                </a:tc>
+                <a:tc>
+                  <a:txBody>
+                    <a:bodyPr/>
+                    <a:lstStyle/>
+                    <a:p>
+                      <a:pPr>
+                        <a:buFont typeface="Arial" pitchFamily="34" charset="0"/>
+                        <a:buChar char="•"/>
+                      </a:pPr>
+                      <a:r>
+                        <a:rPr lang="en-US" dirty="0" smtClean="0"/>
+                        <a:t>Project Manager</a:t>
+                      </a:r>
+                    </a:p>
+                    <a:p>
+                      <a:pPr>
+                        <a:buFont typeface="Arial" pitchFamily="34" charset="0"/>
+                        <a:buChar char="•"/>
+                      </a:pPr>
+                      <a:r>
+                        <a:rPr lang="en-US" dirty="0" smtClean="0"/>
+                        <a:t>QA</a:t>
+                      </a:r>
+                      <a:r>
+                        <a:rPr lang="en-US" baseline="0" dirty="0" smtClean="0"/>
+                        <a:t> Manager</a:t>
+                      </a:r>
+                    </a:p>
+                    <a:p>
+                      <a:pPr>
+                        <a:buFont typeface="Arial" pitchFamily="34" charset="0"/>
+                        <a:buChar char="•"/>
+                      </a:pPr>
+                      <a:r>
+                        <a:rPr lang="en-US" baseline="0" dirty="0" smtClean="0"/>
+                        <a:t>Business Analyst</a:t>
+                      </a:r>
+                      <a:endParaRPr lang="en-US" dirty="0"/>
+                    </a:p>
+                  </a:txBody>
+                  <a:tcPr/>
+                </a:tc>
+              </a:tr>
+            </a:tbl>
+          </a:graphicData>
+        </a:graphic>
+      </p:graphicFrame>
+    </p:spTree>
+  </p:cSld>
+  <p:clrMapOvr>
+    <a:masterClrMapping/>
+  </p:clrMapOvr>
+  <p:timing>
+    <p:tnLst>
+      <p:par>
+        <p:cTn id="1" dur="indefinite" restart="never" nodeType="tmRoot"/>
+      </p:par>
+    </p:tnLst>
+  </p:timing>
+</p:sld>
+</file>
+
+<file path=ppt/slides/slide21.xml><?xml version="1.0" encoding="utf-8"?>
+<p:sld xmlns:a="http://schemas.openxmlformats.org/drawingml/2006/main" xmlns:r="http://schemas.openxmlformats.org/officeDocument/2006/relationships" xmlns:p="http://schemas.openxmlformats.org/presentationml/2006/main">
+  <p:cSld>
+    <p:spTree>
+      <p:nvGrpSpPr>
+        <p:cNvPr id="1" name=""/>
+        <p:cNvGrpSpPr/>
+        <p:nvPr/>
+      </p:nvGrpSpPr>
+      <p:grpSpPr>
+        <a:xfrm>
+          <a:off x="0" y="0"/>
+          <a:ext cx="0" cy="0"/>
+          <a:chOff x="0" y="0"/>
+          <a:chExt cx="0" cy="0"/>
+        </a:xfrm>
+      </p:grpSpPr>
+      <p:sp>
+        <p:nvSpPr>
           <p:cNvPr id="22532" name="Rectangle 4"/>
           <p:cNvSpPr>
             <a:spLocks noGrp="1" noChangeArrowheads="1"/>
@@ -20884,7 +21099,7 @@
 </p:sld>
 </file>
 
-<file path=ppt/slides/slide21.xml><?xml version="1.0" encoding="utf-8"?>
+<file path=ppt/slides/slide22.xml><?xml version="1.0" encoding="utf-8"?>
 <p:sld xmlns:a="http://schemas.openxmlformats.org/drawingml/2006/main" xmlns:r="http://schemas.openxmlformats.org/officeDocument/2006/relationships" xmlns:p="http://schemas.openxmlformats.org/presentationml/2006/main">
   <p:cSld>
     <p:spTree>
@@ -20998,20 +21213,12 @@
                         <a:rPr lang="en-US" sz="1200" b="1" dirty="0" smtClean="0"/>
                         <a:t>Planned </a:t>
                       </a:r>
-                      <a:r>
-                        <a:rPr lang="en-US" sz="1200" b="1" dirty="0" smtClean="0"/>
-                        <a:t/>
-                      </a:r>
                       <a:br>
                         <a:rPr lang="en-US" sz="1200" b="1" dirty="0" smtClean="0"/>
                       </a:br>
                       <a:r>
                         <a:rPr lang="en-US" sz="1200" b="1" dirty="0" smtClean="0"/>
-                        <a:t>End </a:t>
-                      </a:r>
-                      <a:r>
-                        <a:rPr lang="en-US" sz="1200" b="1" dirty="0" smtClean="0"/>
-                        <a:t>Date</a:t>
+                        <a:t>End Date</a:t>
                       </a:r>
                       <a:endParaRPr lang="en-US" sz="1200" b="1" dirty="0"/>
                     </a:p>
@@ -21028,20 +21235,12 @@
                         <a:rPr lang="en-US" sz="1200" b="1" dirty="0" smtClean="0"/>
                         <a:t>Actual </a:t>
                       </a:r>
-                      <a:r>
-                        <a:rPr lang="en-US" sz="1200" b="1" dirty="0" smtClean="0"/>
-                        <a:t/>
-                      </a:r>
                       <a:br>
                         <a:rPr lang="en-US" sz="1200" b="1" dirty="0" smtClean="0"/>
                       </a:br>
                       <a:r>
                         <a:rPr lang="en-US" sz="1200" b="1" dirty="0" smtClean="0"/>
-                        <a:t>Start </a:t>
-                      </a:r>
-                      <a:r>
-                        <a:rPr lang="en-US" sz="1200" b="1" dirty="0" smtClean="0"/>
-                        <a:t>Date</a:t>
+                        <a:t>Start Date</a:t>
                       </a:r>
                       <a:endParaRPr lang="en-US" sz="1200" b="1" dirty="0"/>
                     </a:p>
@@ -21058,20 +21257,12 @@
                         <a:rPr lang="en-US" sz="1200" b="1" dirty="0" smtClean="0"/>
                         <a:t>Actual </a:t>
                       </a:r>
-                      <a:r>
-                        <a:rPr lang="en-US" sz="1200" b="1" dirty="0" smtClean="0"/>
-                        <a:t/>
-                      </a:r>
                       <a:br>
                         <a:rPr lang="en-US" sz="1200" b="1" dirty="0" smtClean="0"/>
                       </a:br>
                       <a:r>
                         <a:rPr lang="en-US" sz="1200" b="1" dirty="0" smtClean="0"/>
-                        <a:t>End </a:t>
-                      </a:r>
-                      <a:r>
-                        <a:rPr lang="en-US" sz="1200" b="1" dirty="0" smtClean="0"/>
-                        <a:t>Date</a:t>
+                        <a:t>End Date</a:t>
                       </a:r>
                       <a:endParaRPr lang="en-US" sz="1200" b="1" dirty="0"/>
                     </a:p>
@@ -21573,14 +21764,6 @@
                         </a:rPr>
                         <a:t>25 May 2011</a:t>
                       </a:r>
-                      <a:endParaRPr lang="en-US" sz="1200" b="0" kern="1200" dirty="0" smtClean="0">
-                        <a:solidFill>
-                          <a:schemeClr val="dk1"/>
-                        </a:solidFill>
-                        <a:latin typeface="+mn-lt"/>
-                        <a:ea typeface="+mn-ea"/>
-                        <a:cs typeface="+mn-cs"/>
-                      </a:endParaRPr>
                     </a:p>
                   </a:txBody>
                   <a:tcPr anchor="ctr"/>
@@ -21602,14 +21785,6 @@
                         </a:rPr>
                         <a:t>10 Aug 2011</a:t>
                       </a:r>
-                      <a:endParaRPr lang="en-US" sz="1200" b="0" kern="1200" dirty="0" smtClean="0">
-                        <a:solidFill>
-                          <a:schemeClr val="dk1"/>
-                        </a:solidFill>
-                        <a:latin typeface="+mn-lt"/>
-                        <a:ea typeface="+mn-ea"/>
-                        <a:cs typeface="+mn-cs"/>
-                      </a:endParaRPr>
                     </a:p>
                   </a:txBody>
                   <a:tcPr anchor="ctr"/>
@@ -22379,14 +22554,6 @@
                         </a:rPr>
                         <a:t>-</a:t>
                       </a:r>
-                      <a:endParaRPr lang="en-US" sz="1200" b="0" kern="1200" dirty="0" smtClean="0">
-                        <a:solidFill>
-                          <a:schemeClr val="dk1"/>
-                        </a:solidFill>
-                        <a:latin typeface="+mn-lt"/>
-                        <a:ea typeface="+mn-ea"/>
-                        <a:cs typeface="+mn-cs"/>
-                      </a:endParaRPr>
                     </a:p>
                   </a:txBody>
                   <a:tcPr anchor="ctr"/>
@@ -22408,14 +22575,6 @@
                         </a:rPr>
                         <a:t>-</a:t>
                       </a:r>
-                      <a:endParaRPr lang="en-US" sz="1200" b="0" kern="1200" dirty="0" smtClean="0">
-                        <a:solidFill>
-                          <a:schemeClr val="dk1"/>
-                        </a:solidFill>
-                        <a:latin typeface="+mn-lt"/>
-                        <a:ea typeface="+mn-ea"/>
-                        <a:cs typeface="+mn-cs"/>
-                      </a:endParaRPr>
                     </a:p>
                   </a:txBody>
                   <a:tcPr anchor="ctr"/>
@@ -22437,14 +22596,6 @@
                         </a:rPr>
                         <a:t>OPEN</a:t>
                       </a:r>
-                      <a:endParaRPr lang="en-US" sz="1200" b="0" kern="1200" dirty="0" smtClean="0">
-                        <a:solidFill>
-                          <a:schemeClr val="dk1"/>
-                        </a:solidFill>
-                        <a:latin typeface="+mn-lt"/>
-                        <a:ea typeface="+mn-ea"/>
-                        <a:cs typeface="+mn-cs"/>
-                      </a:endParaRPr>
                     </a:p>
                   </a:txBody>
                   <a:tcPr anchor="ctr"/>
@@ -22633,7 +22784,7 @@
 </p:sld>
 </file>
 
-<file path=ppt/slides/slide22.xml><?xml version="1.0" encoding="utf-8"?>
+<file path=ppt/slides/slide23.xml><?xml version="1.0" encoding="utf-8"?>
 <p:sld xmlns:a="http://schemas.openxmlformats.org/drawingml/2006/main" xmlns:r="http://schemas.openxmlformats.org/officeDocument/2006/relationships" xmlns:p="http://schemas.openxmlformats.org/presentationml/2006/main">
   <p:cSld>
     <p:spTree>
@@ -22897,7 +23048,7 @@
 </p:sld>
 </file>
 
-<file path=ppt/slides/slide23.xml><?xml version="1.0" encoding="utf-8"?>
+<file path=ppt/slides/slide24.xml><?xml version="1.0" encoding="utf-8"?>
 <p:sld xmlns:a="http://schemas.openxmlformats.org/drawingml/2006/main" xmlns:r="http://schemas.openxmlformats.org/officeDocument/2006/relationships" xmlns:p="http://schemas.openxmlformats.org/presentationml/2006/main">
   <p:cSld>
     <p:spTree>
@@ -23021,7 +23172,7 @@
 </p:sld>
 </file>
 
-<file path=ppt/slides/slide24.xml><?xml version="1.0" encoding="utf-8"?>
+<file path=ppt/slides/slide25.xml><?xml version="1.0" encoding="utf-8"?>
 <p:sld xmlns:a="http://schemas.openxmlformats.org/drawingml/2006/main" xmlns:r="http://schemas.openxmlformats.org/officeDocument/2006/relationships" xmlns:p="http://schemas.openxmlformats.org/presentationml/2006/main">
   <p:cSld>
     <p:spTree>
@@ -23291,7 +23442,7 @@
 </p:sld>
 </file>
 
-<file path=ppt/slides/slide25.xml><?xml version="1.0" encoding="utf-8"?>
+<file path=ppt/slides/slide26.xml><?xml version="1.0" encoding="utf-8"?>
 <p:sld xmlns:a="http://schemas.openxmlformats.org/drawingml/2006/main" xmlns:r="http://schemas.openxmlformats.org/officeDocument/2006/relationships" xmlns:p="http://schemas.openxmlformats.org/presentationml/2006/main">
   <p:cSld>
     <p:spTree>
@@ -23513,11 +23664,7 @@
                       </a:r>
                       <a:r>
                         <a:rPr lang="en-US" baseline="0" dirty="0" smtClean="0"/>
-                        <a:t> a weekly meeting </a:t>
-                      </a:r>
-                      <a:r>
-                        <a:rPr lang="en-US" baseline="0" dirty="0" smtClean="0"/>
-                        <a:t>time</a:t>
+                        <a:t> a weekly meeting time</a:t>
                       </a:r>
                     </a:p>
                   </a:txBody>
@@ -23724,7 +23871,7 @@
 </p:sld>
 </file>
 
-<file path=ppt/slides/slide26.xml><?xml version="1.0" encoding="utf-8"?>
+<file path=ppt/slides/slide27.xml><?xml version="1.0" encoding="utf-8"?>
 <p:sld xmlns:a="http://schemas.openxmlformats.org/drawingml/2006/main" xmlns:r="http://schemas.openxmlformats.org/officeDocument/2006/relationships" xmlns:p="http://schemas.openxmlformats.org/presentationml/2006/main">
   <p:cSld>
     <p:spTree>
@@ -23968,7 +24115,7 @@
 </p:sld>
 </file>
 
-<file path=ppt/slides/slide27.xml><?xml version="1.0" encoding="utf-8"?>
+<file path=ppt/slides/slide28.xml><?xml version="1.0" encoding="utf-8"?>
 <p:sld xmlns:a="http://schemas.openxmlformats.org/drawingml/2006/main" xmlns:r="http://schemas.openxmlformats.org/officeDocument/2006/relationships" xmlns:p="http://schemas.openxmlformats.org/presentationml/2006/main">
   <p:cSld>
     <p:spTree>
@@ -24098,11 +24245,7 @@
           <a:p>
             <a:r>
               <a:rPr lang="en-US" dirty="0" smtClean="0"/>
-              <a:t>Project </a:t>
-            </a:r>
-            <a:r>
-              <a:rPr lang="en-US" dirty="0" smtClean="0"/>
-              <a:t>Revisit</a:t>
+              <a:t>Project Revisit</a:t>
             </a:r>
             <a:endParaRPr lang="en-US" dirty="0"/>
           </a:p>
@@ -24165,11 +24308,7 @@
             </a:r>
             <a:r>
               <a:rPr lang="en-US" sz="2400" i="1" dirty="0" smtClean="0"/>
-              <a:t>To build a web-based solution to facilitate the process of volunteer registration, project management till </a:t>
-            </a:r>
-            <a:r>
-              <a:rPr lang="en-US" sz="2400" i="1" dirty="0" smtClean="0"/>
-              <a:t>retention</a:t>
+              <a:t>To build a web-based solution to facilitate the process of volunteer registration, project management till retention</a:t>
             </a:r>
             <a:r>
               <a:rPr lang="en-US" dirty="0" smtClean="0"/>
@@ -24189,7 +24328,6 @@
               <a:rPr lang="en-US" dirty="0" smtClean="0"/>
               <a:t>:</a:t>
             </a:r>
-            <a:endParaRPr lang="en-US" dirty="0" smtClean="0"/>
           </a:p>
         </p:txBody>
       </p:sp>
@@ -24947,11 +25085,7 @@
             </a:r>
             <a:r>
               <a:rPr lang="en-US" sz="2000" dirty="0" smtClean="0"/>
-              <a:t>Let user search </a:t>
-            </a:r>
-            <a:r>
-              <a:rPr lang="en-US" sz="2000" dirty="0" smtClean="0"/>
-              <a:t>and view </a:t>
+              <a:t>Let user search and view </a:t>
             </a:r>
             <a:r>
               <a:rPr lang="en-US" sz="2000" dirty="0"/>
@@ -24967,15 +25101,7 @@
             </a:r>
             <a:r>
               <a:rPr lang="en-US" sz="2000" dirty="0" smtClean="0"/>
-              <a:t>a </a:t>
-            </a:r>
-            <a:r>
-              <a:rPr lang="en-US" sz="2000" dirty="0" smtClean="0"/>
-              <a:t>project</a:t>
-            </a:r>
-            <a:r>
-              <a:rPr lang="en-US" sz="2000" dirty="0" smtClean="0"/>
-              <a:t>.</a:t>
+              <a:t>a project.</a:t>
             </a:r>
           </a:p>
           <a:p>
@@ -25079,7 +25205,6 @@
               <a:rPr lang="en-US" sz="2000" b="1" u="sng" dirty="0"/>
               <a:t>Class diagram</a:t>
             </a:r>
-            <a:endParaRPr lang="en-US" sz="2000" b="1" u="sng" dirty="0"/>
           </a:p>
         </p:txBody>
       </p:sp>
@@ -25239,11 +25364,7 @@
             </a:r>
             <a:r>
               <a:rPr lang="en-US" sz="2000" dirty="0" smtClean="0"/>
-              <a:t>Let user search </a:t>
-            </a:r>
-            <a:r>
-              <a:rPr lang="en-US" sz="2000" dirty="0" smtClean="0"/>
-              <a:t>and view </a:t>
+              <a:t>Let user search and view </a:t>
             </a:r>
             <a:r>
               <a:rPr lang="en-US" sz="2000" dirty="0"/>
@@ -25259,15 +25380,7 @@
             </a:r>
             <a:r>
               <a:rPr lang="en-US" sz="2000" dirty="0" smtClean="0"/>
-              <a:t>a </a:t>
-            </a:r>
-            <a:r>
-              <a:rPr lang="en-US" sz="2000" dirty="0" smtClean="0"/>
-              <a:t>project</a:t>
-            </a:r>
-            <a:r>
-              <a:rPr lang="en-US" sz="2000" dirty="0" smtClean="0"/>
-              <a:t>.</a:t>
+              <a:t>a project.</a:t>
             </a:r>
           </a:p>
           <a:p>

--- a/docs/W-9 Working Document/W-9.3 Presentation Slides/Phase 2/Submission/vms_presentation_2_v1.0.pptx
+++ b/docs/W-9 Working Document/W-9.3 Presentation Slides/Phase 2/Submission/vms_presentation_2_v1.0.pptx
@@ -5,10 +5,10 @@
     <p:sldMasterId id="2147483652" r:id="rId1"/>
   </p:sldMasterIdLst>
   <p:notesMasterIdLst>
-    <p:notesMasterId r:id="rId30"/>
+    <p:notesMasterId r:id="rId32"/>
   </p:notesMasterIdLst>
   <p:handoutMasterIdLst>
-    <p:handoutMasterId r:id="rId31"/>
+    <p:handoutMasterId r:id="rId33"/>
   </p:handoutMasterIdLst>
   <p:sldIdLst>
     <p:sldId id="256" r:id="rId2"/>
@@ -17,28 +17,30 @@
     <p:sldId id="303" r:id="rId5"/>
     <p:sldId id="257" r:id="rId6"/>
     <p:sldId id="302" r:id="rId7"/>
-    <p:sldId id="312" r:id="rId8"/>
-    <p:sldId id="313" r:id="rId9"/>
-    <p:sldId id="323" r:id="rId10"/>
-    <p:sldId id="324" r:id="rId11"/>
-    <p:sldId id="305" r:id="rId12"/>
-    <p:sldId id="265" r:id="rId13"/>
-    <p:sldId id="326" r:id="rId14"/>
-    <p:sldId id="325" r:id="rId15"/>
-    <p:sldId id="317" r:id="rId16"/>
-    <p:sldId id="318" r:id="rId17"/>
-    <p:sldId id="319" r:id="rId18"/>
-    <p:sldId id="307" r:id="rId19"/>
-    <p:sldId id="284" r:id="rId20"/>
-    <p:sldId id="283" r:id="rId21"/>
-    <p:sldId id="308" r:id="rId22"/>
-    <p:sldId id="261" r:id="rId23"/>
-    <p:sldId id="309" r:id="rId24"/>
-    <p:sldId id="322" r:id="rId25"/>
-    <p:sldId id="320" r:id="rId26"/>
-    <p:sldId id="262" r:id="rId27"/>
-    <p:sldId id="311" r:id="rId28"/>
-    <p:sldId id="282" r:id="rId29"/>
+    <p:sldId id="323" r:id="rId8"/>
+    <p:sldId id="324" r:id="rId9"/>
+    <p:sldId id="312" r:id="rId10"/>
+    <p:sldId id="313" r:id="rId11"/>
+    <p:sldId id="327" r:id="rId12"/>
+    <p:sldId id="328" r:id="rId13"/>
+    <p:sldId id="305" r:id="rId14"/>
+    <p:sldId id="265" r:id="rId15"/>
+    <p:sldId id="326" r:id="rId16"/>
+    <p:sldId id="325" r:id="rId17"/>
+    <p:sldId id="317" r:id="rId18"/>
+    <p:sldId id="318" r:id="rId19"/>
+    <p:sldId id="319" r:id="rId20"/>
+    <p:sldId id="307" r:id="rId21"/>
+    <p:sldId id="284" r:id="rId22"/>
+    <p:sldId id="283" r:id="rId23"/>
+    <p:sldId id="308" r:id="rId24"/>
+    <p:sldId id="261" r:id="rId25"/>
+    <p:sldId id="309" r:id="rId26"/>
+    <p:sldId id="322" r:id="rId27"/>
+    <p:sldId id="320" r:id="rId28"/>
+    <p:sldId id="262" r:id="rId29"/>
+    <p:sldId id="311" r:id="rId30"/>
+    <p:sldId id="282" r:id="rId31"/>
   </p:sldIdLst>
   <p:sldSz cx="9144000" cy="6858000" type="screen4x3"/>
   <p:notesSz cx="7010400" cy="9296400"/>
@@ -17699,7 +17701,11 @@
             </a:r>
             <a:r>
               <a:rPr lang="en-US" sz="2400" dirty="0" smtClean="0"/>
-              <a:t>2: Generate Certificate</a:t>
+              <a:t>2: </a:t>
+            </a:r>
+            <a:r>
+              <a:rPr lang="en-US" sz="2400" dirty="0"/>
+              <a:t>Search Project Member</a:t>
             </a:r>
             <a:endParaRPr lang="en-US" sz="2800" dirty="0"/>
           </a:p>
@@ -17735,7 +17741,7 @@
       </p:sp>
       <p:pic>
         <p:nvPicPr>
-          <p:cNvPr id="4098" name="Picture 1"/>
+          <p:cNvPr id="3074" name="Picture 2" descr="26"/>
           <p:cNvPicPr>
             <a:picLocks noChangeAspect="1" noChangeArrowheads="1"/>
           </p:cNvPicPr>
@@ -17756,8 +17762,8 @@
         </p:blipFill>
         <p:spPr bwMode="auto">
           <a:xfrm>
-            <a:off x="2057400" y="2286000"/>
-            <a:ext cx="4378569" cy="4065814"/>
+            <a:off x="304799" y="2140114"/>
+            <a:ext cx="8619194" cy="3879686"/>
           </a:xfrm>
           <a:prstGeom prst="rect">
             <a:avLst/>
@@ -17790,7 +17796,7 @@
     </p:spTree>
     <p:extLst>
       <p:ext uri="{BB962C8B-B14F-4D97-AF65-F5344CB8AC3E}">
-        <p14:creationId xmlns:p14="http://schemas.microsoft.com/office/powerpoint/2010/main" val="3699847220"/>
+        <p14:creationId xmlns:p14="http://schemas.microsoft.com/office/powerpoint/2010/main" val="3749085125"/>
       </p:ext>
     </p:extLst>
   </p:cSld>
@@ -17808,6 +17814,340 @@
 </file>
 
 <file path=ppt/slides/slide11.xml><?xml version="1.0" encoding="utf-8"?>
+<p:sld xmlns:a="http://schemas.openxmlformats.org/drawingml/2006/main" xmlns:r="http://schemas.openxmlformats.org/officeDocument/2006/relationships" xmlns:p="http://schemas.openxmlformats.org/presentationml/2006/main">
+  <p:cSld>
+    <p:spTree>
+      <p:nvGrpSpPr>
+        <p:cNvPr id="1" name=""/>
+        <p:cNvGrpSpPr/>
+        <p:nvPr/>
+      </p:nvGrpSpPr>
+      <p:grpSpPr>
+        <a:xfrm>
+          <a:off x="0" y="0"/>
+          <a:ext cx="0" cy="0"/>
+          <a:chOff x="0" y="0"/>
+          <a:chExt cx="0" cy="0"/>
+        </a:xfrm>
+      </p:grpSpPr>
+      <p:sp>
+        <p:nvSpPr>
+          <p:cNvPr id="2" name="Title 1"/>
+          <p:cNvSpPr>
+            <a:spLocks noGrp="1"/>
+          </p:cNvSpPr>
+          <p:nvPr>
+            <p:ph type="title"/>
+          </p:nvPr>
+        </p:nvSpPr>
+        <p:spPr/>
+        <p:txBody>
+          <a:bodyPr/>
+          <a:lstStyle/>
+          <a:p>
+            <a:r>
+              <a:rPr lang="en-US" dirty="0"/>
+              <a:t>Use Case </a:t>
+            </a:r>
+            <a:r>
+              <a:rPr lang="en-US" dirty="0" smtClean="0"/>
+              <a:t>Modeling </a:t>
+            </a:r>
+            <a:br>
+              <a:rPr lang="en-US" dirty="0" smtClean="0"/>
+            </a:br>
+            <a:r>
+              <a:rPr lang="en-US" sz="2400" dirty="0" smtClean="0"/>
+              <a:t>Sample </a:t>
+            </a:r>
+            <a:r>
+              <a:rPr lang="en-US" sz="2400" dirty="0" smtClean="0"/>
+              <a:t>3: Assign Role To Project Member</a:t>
+            </a:r>
+            <a:endParaRPr lang="en-US" dirty="0"/>
+          </a:p>
+        </p:txBody>
+      </p:sp>
+      <p:sp>
+        <p:nvSpPr>
+          <p:cNvPr id="3" name="Content Placeholder 2"/>
+          <p:cNvSpPr>
+            <a:spLocks noGrp="1"/>
+          </p:cNvSpPr>
+          <p:nvPr>
+            <p:ph idx="1"/>
+          </p:nvPr>
+        </p:nvSpPr>
+        <p:spPr>
+          <a:xfrm>
+            <a:off x="228600" y="1524000"/>
+            <a:ext cx="8610600" cy="4411663"/>
+          </a:xfrm>
+        </p:spPr>
+        <p:txBody>
+          <a:bodyPr/>
+          <a:lstStyle/>
+          <a:p>
+            <a:pPr marL="1588" indent="-1588"/>
+            <a:r>
+              <a:rPr lang="en-US" sz="2000" b="1" dirty="0" smtClean="0"/>
+              <a:t>Description</a:t>
+            </a:r>
+            <a:r>
+              <a:rPr lang="en-US" sz="2400" b="1" dirty="0"/>
+              <a:t>: </a:t>
+            </a:r>
+            <a:r>
+              <a:rPr lang="en-US" sz="2000" dirty="0" smtClean="0"/>
+              <a:t>Let </a:t>
+            </a:r>
+            <a:r>
+              <a:rPr lang="en-US" sz="2000" dirty="0" smtClean="0"/>
+              <a:t>Project Manager assign the roles to </a:t>
+            </a:r>
+            <a:r>
+              <a:rPr lang="en-US" sz="2000" dirty="0" smtClean="0"/>
+              <a:t>project </a:t>
+            </a:r>
+            <a:r>
+              <a:rPr lang="en-US" sz="2000" dirty="0" smtClean="0"/>
+              <a:t>members.</a:t>
+            </a:r>
+            <a:endParaRPr lang="en-US" sz="2000" dirty="0" smtClean="0"/>
+          </a:p>
+          <a:p>
+            <a:r>
+              <a:rPr lang="en-US" sz="2000" b="1" u="sng" dirty="0" smtClean="0"/>
+              <a:t>Interaction diagram</a:t>
+            </a:r>
+            <a:endParaRPr lang="en-US" sz="2000" b="1" u="sng" dirty="0"/>
+          </a:p>
+        </p:txBody>
+      </p:sp>
+      <p:pic>
+        <p:nvPicPr>
+          <p:cNvPr id="4099" name="Picture 3" descr="14"/>
+          <p:cNvPicPr>
+            <a:picLocks noChangeAspect="1" noChangeArrowheads="1"/>
+          </p:cNvPicPr>
+          <p:nvPr/>
+        </p:nvPicPr>
+        <p:blipFill>
+          <a:blip r:embed="rId2">
+            <a:extLst>
+              <a:ext uri="{28A0092B-C50C-407E-A947-70E740481C1C}">
+                <a14:useLocalDpi xmlns:a14="http://schemas.microsoft.com/office/drawing/2010/main" val="0"/>
+              </a:ext>
+            </a:extLst>
+          </a:blip>
+          <a:srcRect/>
+          <a:stretch>
+            <a:fillRect/>
+          </a:stretch>
+        </p:blipFill>
+        <p:spPr bwMode="auto">
+          <a:xfrm>
+            <a:off x="381000" y="2438400"/>
+            <a:ext cx="7848600" cy="4019090"/>
+          </a:xfrm>
+          <a:prstGeom prst="rect">
+            <a:avLst/>
+          </a:prstGeom>
+          <a:noFill/>
+          <a:ln>
+            <a:noFill/>
+          </a:ln>
+          <a:extLst>
+            <a:ext uri="{909E8E84-426E-40DD-AFC4-6F175D3DCCD1}">
+              <a14:hiddenFill xmlns:a14="http://schemas.microsoft.com/office/drawing/2010/main">
+                <a:solidFill>
+                  <a:srgbClr val="FFFFFF"/>
+                </a:solidFill>
+              </a14:hiddenFill>
+            </a:ext>
+            <a:ext uri="{91240B29-F687-4F45-9708-019B960494DF}">
+              <a14:hiddenLine xmlns:a14="http://schemas.microsoft.com/office/drawing/2010/main" w="9525">
+                <a:solidFill>
+                  <a:srgbClr val="000000"/>
+                </a:solidFill>
+                <a:miter lim="800000"/>
+                <a:headEnd/>
+                <a:tailEnd/>
+              </a14:hiddenLine>
+            </a:ext>
+          </a:extLst>
+        </p:spPr>
+      </p:pic>
+    </p:spTree>
+    <p:extLst>
+      <p:ext uri="{BB962C8B-B14F-4D97-AF65-F5344CB8AC3E}">
+        <p14:creationId xmlns:p14="http://schemas.microsoft.com/office/powerpoint/2010/main" val="771240794"/>
+      </p:ext>
+    </p:extLst>
+  </p:cSld>
+  <p:clrMapOvr>
+    <a:masterClrMapping/>
+  </p:clrMapOvr>
+  <p:timing>
+    <p:tnLst>
+      <p:par>
+        <p:cTn id="1" dur="indefinite" restart="never" nodeType="tmRoot"/>
+      </p:par>
+    </p:tnLst>
+  </p:timing>
+</p:sld>
+</file>
+
+<file path=ppt/slides/slide12.xml><?xml version="1.0" encoding="utf-8"?>
+<p:sld xmlns:a="http://schemas.openxmlformats.org/drawingml/2006/main" xmlns:r="http://schemas.openxmlformats.org/officeDocument/2006/relationships" xmlns:p="http://schemas.openxmlformats.org/presentationml/2006/main">
+  <p:cSld>
+    <p:spTree>
+      <p:nvGrpSpPr>
+        <p:cNvPr id="1" name=""/>
+        <p:cNvGrpSpPr/>
+        <p:nvPr/>
+      </p:nvGrpSpPr>
+      <p:grpSpPr>
+        <a:xfrm>
+          <a:off x="0" y="0"/>
+          <a:ext cx="0" cy="0"/>
+          <a:chOff x="0" y="0"/>
+          <a:chExt cx="0" cy="0"/>
+        </a:xfrm>
+      </p:grpSpPr>
+      <p:sp>
+        <p:nvSpPr>
+          <p:cNvPr id="2" name="Title 1"/>
+          <p:cNvSpPr>
+            <a:spLocks noGrp="1"/>
+          </p:cNvSpPr>
+          <p:nvPr>
+            <p:ph type="title"/>
+          </p:nvPr>
+        </p:nvSpPr>
+        <p:spPr/>
+        <p:txBody>
+          <a:bodyPr/>
+          <a:lstStyle/>
+          <a:p>
+            <a:r>
+              <a:rPr lang="en-US" dirty="0"/>
+              <a:t>Use Case Modeling </a:t>
+            </a:r>
+            <a:br>
+              <a:rPr lang="en-US" dirty="0"/>
+            </a:br>
+            <a:r>
+              <a:rPr lang="en-US" sz="2400" dirty="0"/>
+              <a:t>Sample 3: Assign Role To Project Member</a:t>
+            </a:r>
+            <a:endParaRPr lang="en-US" sz="2800" dirty="0"/>
+          </a:p>
+        </p:txBody>
+      </p:sp>
+      <p:sp>
+        <p:nvSpPr>
+          <p:cNvPr id="3" name="Content Placeholder 2"/>
+          <p:cNvSpPr>
+            <a:spLocks noGrp="1"/>
+          </p:cNvSpPr>
+          <p:nvPr>
+            <p:ph idx="1"/>
+          </p:nvPr>
+        </p:nvSpPr>
+        <p:spPr>
+          <a:xfrm>
+            <a:off x="228600" y="1524000"/>
+            <a:ext cx="8371764" cy="4953000"/>
+          </a:xfrm>
+        </p:spPr>
+        <p:txBody>
+          <a:bodyPr/>
+          <a:lstStyle/>
+          <a:p>
+            <a:pPr marL="1588" indent="15875"/>
+            <a:r>
+              <a:rPr lang="en-US" sz="2000" b="1" u="sng" dirty="0"/>
+              <a:t>Class diagram</a:t>
+            </a:r>
+          </a:p>
+        </p:txBody>
+      </p:sp>
+      <p:pic>
+        <p:nvPicPr>
+          <p:cNvPr id="5122" name="Picture 2" descr="14"/>
+          <p:cNvPicPr>
+            <a:picLocks noChangeAspect="1" noChangeArrowheads="1"/>
+          </p:cNvPicPr>
+          <p:nvPr/>
+        </p:nvPicPr>
+        <p:blipFill>
+          <a:blip r:embed="rId2">
+            <a:extLst>
+              <a:ext uri="{28A0092B-C50C-407E-A947-70E740481C1C}">
+                <a14:useLocalDpi xmlns:a14="http://schemas.microsoft.com/office/drawing/2010/main" val="0"/>
+              </a:ext>
+            </a:extLst>
+          </a:blip>
+          <a:srcRect/>
+          <a:stretch>
+            <a:fillRect/>
+          </a:stretch>
+        </p:blipFill>
+        <p:spPr bwMode="auto">
+          <a:xfrm>
+            <a:off x="381000" y="1981200"/>
+            <a:ext cx="7318414" cy="5029200"/>
+          </a:xfrm>
+          <a:prstGeom prst="rect">
+            <a:avLst/>
+          </a:prstGeom>
+          <a:noFill/>
+          <a:ln>
+            <a:noFill/>
+          </a:ln>
+          <a:extLst>
+            <a:ext uri="{909E8E84-426E-40DD-AFC4-6F175D3DCCD1}">
+              <a14:hiddenFill xmlns:a14="http://schemas.microsoft.com/office/drawing/2010/main">
+                <a:solidFill>
+                  <a:srgbClr val="FFFFFF"/>
+                </a:solidFill>
+              </a14:hiddenFill>
+            </a:ext>
+            <a:ext uri="{91240B29-F687-4F45-9708-019B960494DF}">
+              <a14:hiddenLine xmlns:a14="http://schemas.microsoft.com/office/drawing/2010/main" w="9525">
+                <a:solidFill>
+                  <a:srgbClr val="000000"/>
+                </a:solidFill>
+                <a:miter lim="800000"/>
+                <a:headEnd/>
+                <a:tailEnd/>
+              </a14:hiddenLine>
+            </a:ext>
+          </a:extLst>
+        </p:spPr>
+      </p:pic>
+    </p:spTree>
+    <p:extLst>
+      <p:ext uri="{BB962C8B-B14F-4D97-AF65-F5344CB8AC3E}">
+        <p14:creationId xmlns:p14="http://schemas.microsoft.com/office/powerpoint/2010/main" val="478887766"/>
+      </p:ext>
+    </p:extLst>
+  </p:cSld>
+  <p:clrMapOvr>
+    <a:masterClrMapping/>
+  </p:clrMapOvr>
+  <p:timing>
+    <p:tnLst>
+      <p:par>
+        <p:cTn id="1" dur="indefinite" restart="never" nodeType="tmRoot"/>
+      </p:par>
+    </p:tnLst>
+  </p:timing>
+</p:sld>
+</file>
+
+<file path=ppt/slides/slide13.xml><?xml version="1.0" encoding="utf-8"?>
 <p:sld xmlns:a="http://schemas.openxmlformats.org/drawingml/2006/main" xmlns:r="http://schemas.openxmlformats.org/officeDocument/2006/relationships" xmlns:p="http://schemas.openxmlformats.org/presentationml/2006/main">
   <p:cSld>
     <p:spTree>
@@ -18069,7 +18409,7 @@
 </p:sld>
 </file>
 
-<file path=ppt/slides/slide12.xml><?xml version="1.0" encoding="utf-8"?>
+<file path=ppt/slides/slide14.xml><?xml version="1.0" encoding="utf-8"?>
 <p:sld xmlns:a="http://schemas.openxmlformats.org/drawingml/2006/main" xmlns:r="http://schemas.openxmlformats.org/officeDocument/2006/relationships" xmlns:p="http://schemas.openxmlformats.org/presentationml/2006/main">
   <p:cSld>
     <p:spTree>
@@ -18185,7 +18525,7 @@
 </p:sld>
 </file>
 
-<file path=ppt/slides/slide13.xml><?xml version="1.0" encoding="utf-8"?>
+<file path=ppt/slides/slide15.xml><?xml version="1.0" encoding="utf-8"?>
 <p:sld xmlns:a="http://schemas.openxmlformats.org/drawingml/2006/main" xmlns:r="http://schemas.openxmlformats.org/officeDocument/2006/relationships" xmlns:p="http://schemas.openxmlformats.org/presentationml/2006/main">
   <p:cSld>
     <p:spTree>
@@ -18466,7 +18806,7 @@
 </p:sld>
 </file>
 
-<file path=ppt/slides/slide14.xml><?xml version="1.0" encoding="utf-8"?>
+<file path=ppt/slides/slide16.xml><?xml version="1.0" encoding="utf-8"?>
 <p:sld xmlns:a="http://schemas.openxmlformats.org/drawingml/2006/main" xmlns:r="http://schemas.openxmlformats.org/officeDocument/2006/relationships" xmlns:p="http://schemas.openxmlformats.org/presentationml/2006/main">
   <p:cSld>
     <p:spTree>
@@ -18597,7 +18937,7 @@
 </p:sld>
 </file>
 
-<file path=ppt/slides/slide15.xml><?xml version="1.0" encoding="utf-8"?>
+<file path=ppt/slides/slide17.xml><?xml version="1.0" encoding="utf-8"?>
 <p:sld xmlns:a="http://schemas.openxmlformats.org/drawingml/2006/main" xmlns:r="http://schemas.openxmlformats.org/officeDocument/2006/relationships" xmlns:p="http://schemas.openxmlformats.org/presentationml/2006/main">
   <p:cSld>
     <p:spTree>
@@ -18826,7 +19166,7 @@
 </p:sld>
 </file>
 
-<file path=ppt/slides/slide16.xml><?xml version="1.0" encoding="utf-8"?>
+<file path=ppt/slides/slide18.xml><?xml version="1.0" encoding="utf-8"?>
 <p:sld xmlns:a="http://schemas.openxmlformats.org/drawingml/2006/main" xmlns:r="http://schemas.openxmlformats.org/officeDocument/2006/relationships" xmlns:p="http://schemas.openxmlformats.org/presentationml/2006/main">
   <p:cSld>
     <p:spTree>
@@ -18950,7 +19290,7 @@
 </p:sld>
 </file>
 
-<file path=ppt/slides/slide17.xml><?xml version="1.0" encoding="utf-8"?>
+<file path=ppt/slides/slide19.xml><?xml version="1.0" encoding="utf-8"?>
 <p:sld xmlns:a="http://schemas.openxmlformats.org/drawingml/2006/main" xmlns:r="http://schemas.openxmlformats.org/officeDocument/2006/relationships" xmlns:p="http://schemas.openxmlformats.org/presentationml/2006/main">
   <p:cSld>
     <p:spTree>
@@ -19137,423 +19477,6 @@
         <p14:creationId xmlns:p14="http://schemas.microsoft.com/office/powerpoint/2010/main" val="1189294953"/>
       </p:ext>
     </p:extLst>
-  </p:cSld>
-  <p:clrMapOvr>
-    <a:masterClrMapping/>
-  </p:clrMapOvr>
-  <p:timing>
-    <p:tnLst>
-      <p:par>
-        <p:cTn id="1" dur="indefinite" restart="never" nodeType="tmRoot"/>
-      </p:par>
-    </p:tnLst>
-  </p:timing>
-</p:sld>
-</file>
-
-<file path=ppt/slides/slide18.xml><?xml version="1.0" encoding="utf-8"?>
-<p:sld xmlns:a="http://schemas.openxmlformats.org/drawingml/2006/main" xmlns:r="http://schemas.openxmlformats.org/officeDocument/2006/relationships" xmlns:p="http://schemas.openxmlformats.org/presentationml/2006/main">
-  <p:cSld>
-    <p:spTree>
-      <p:nvGrpSpPr>
-        <p:cNvPr id="1" name=""/>
-        <p:cNvGrpSpPr/>
-        <p:nvPr/>
-      </p:nvGrpSpPr>
-      <p:grpSpPr>
-        <a:xfrm>
-          <a:off x="0" y="0"/>
-          <a:ext cx="0" cy="0"/>
-          <a:chOff x="0" y="0"/>
-          <a:chExt cx="0" cy="0"/>
-        </a:xfrm>
-      </p:grpSpPr>
-      <p:sp>
-        <p:nvSpPr>
-          <p:cNvPr id="22532" name="Rectangle 4"/>
-          <p:cNvSpPr>
-            <a:spLocks noGrp="1" noChangeArrowheads="1"/>
-          </p:cNvSpPr>
-          <p:nvPr>
-            <p:ph type="title"/>
-          </p:nvPr>
-        </p:nvSpPr>
-        <p:spPr/>
-        <p:txBody>
-          <a:bodyPr/>
-          <a:lstStyle/>
-          <a:p>
-            <a:r>
-              <a:rPr lang="en-US" dirty="0" smtClean="0"/>
-              <a:t>Agenda</a:t>
-            </a:r>
-            <a:endParaRPr lang="en-US" dirty="0"/>
-          </a:p>
-        </p:txBody>
-      </p:sp>
-      <p:sp>
-        <p:nvSpPr>
-          <p:cNvPr id="22533" name="Rectangle 5"/>
-          <p:cNvSpPr>
-            <a:spLocks noGrp="1" noChangeArrowheads="1"/>
-          </p:cNvSpPr>
-          <p:nvPr>
-            <p:ph type="body" idx="1"/>
-          </p:nvPr>
-        </p:nvSpPr>
-        <p:spPr>
-          <a:xfrm>
-            <a:off x="1143000" y="1524000"/>
-            <a:ext cx="7391400" cy="4648200"/>
-          </a:xfrm>
-        </p:spPr>
-        <p:txBody>
-          <a:bodyPr/>
-          <a:lstStyle/>
-          <a:p>
-            <a:pPr>
-              <a:buFont typeface="Wingdings" pitchFamily="2" charset="2"/>
-              <a:buChar char="v"/>
-            </a:pPr>
-            <a:r>
-              <a:rPr lang="en-US" dirty="0">
-                <a:solidFill>
-                  <a:schemeClr val="bg1">
-                    <a:lumMod val="75000"/>
-                  </a:schemeClr>
-                </a:solidFill>
-              </a:rPr>
-              <a:t>Project Revisit</a:t>
-            </a:r>
-          </a:p>
-          <a:p>
-            <a:pPr>
-              <a:buFont typeface="Wingdings" pitchFamily="2" charset="2"/>
-              <a:buChar char="v"/>
-            </a:pPr>
-            <a:r>
-              <a:rPr lang="en-US" dirty="0">
-                <a:solidFill>
-                  <a:schemeClr val="bg1">
-                    <a:lumMod val="75000"/>
-                  </a:schemeClr>
-                </a:solidFill>
-              </a:rPr>
-              <a:t>Use Case Modeling</a:t>
-            </a:r>
-          </a:p>
-          <a:p>
-            <a:pPr>
-              <a:buFont typeface="Wingdings" pitchFamily="2" charset="2"/>
-              <a:buChar char="v"/>
-            </a:pPr>
-            <a:r>
-              <a:rPr lang="en-US" dirty="0" smtClean="0">
-                <a:solidFill>
-                  <a:schemeClr val="bg1">
-                    <a:lumMod val="75000"/>
-                  </a:schemeClr>
-                </a:solidFill>
-              </a:rPr>
-              <a:t>Software Architecture</a:t>
-            </a:r>
-          </a:p>
-          <a:p>
-            <a:pPr>
-              <a:buFont typeface="Wingdings" pitchFamily="2" charset="2"/>
-              <a:buChar char="v"/>
-            </a:pPr>
-            <a:r>
-              <a:rPr lang="en-US" dirty="0" smtClean="0">
-                <a:solidFill>
-                  <a:schemeClr val="bg1">
-                    <a:lumMod val="75000"/>
-                  </a:schemeClr>
-                </a:solidFill>
-              </a:rPr>
-              <a:t>Demo of Prototype</a:t>
-            </a:r>
-          </a:p>
-          <a:p>
-            <a:pPr>
-              <a:buFont typeface="Wingdings" pitchFamily="2" charset="2"/>
-              <a:buChar char="v"/>
-            </a:pPr>
-            <a:r>
-              <a:rPr lang="en-US" b="1" dirty="0" smtClean="0"/>
-              <a:t>Transition Strategy</a:t>
-            </a:r>
-          </a:p>
-          <a:p>
-            <a:pPr>
-              <a:buFont typeface="Wingdings" pitchFamily="2" charset="2"/>
-              <a:buChar char="v"/>
-            </a:pPr>
-            <a:r>
-              <a:rPr lang="en-US" dirty="0" smtClean="0">
-                <a:solidFill>
-                  <a:schemeClr val="bg1">
-                    <a:lumMod val="75000"/>
-                  </a:schemeClr>
-                </a:solidFill>
-              </a:rPr>
-              <a:t>Project Progress</a:t>
-            </a:r>
-          </a:p>
-          <a:p>
-            <a:pPr>
-              <a:buFont typeface="Wingdings" pitchFamily="2" charset="2"/>
-              <a:buChar char="v"/>
-            </a:pPr>
-            <a:r>
-              <a:rPr lang="en-US" dirty="0">
-                <a:solidFill>
-                  <a:schemeClr val="bg1">
-                    <a:lumMod val="75000"/>
-                  </a:schemeClr>
-                </a:solidFill>
-              </a:rPr>
-              <a:t>Development </a:t>
-            </a:r>
-            <a:r>
-              <a:rPr lang="en-US" dirty="0" smtClean="0">
-                <a:solidFill>
-                  <a:schemeClr val="bg1">
-                    <a:lumMod val="75000"/>
-                  </a:schemeClr>
-                </a:solidFill>
-              </a:rPr>
-              <a:t>Plan</a:t>
-            </a:r>
-          </a:p>
-          <a:p>
-            <a:pPr>
-              <a:buFont typeface="Wingdings" pitchFamily="2" charset="2"/>
-              <a:buChar char="v"/>
-            </a:pPr>
-            <a:r>
-              <a:rPr lang="en-US" dirty="0" smtClean="0">
-                <a:solidFill>
-                  <a:schemeClr val="bg1">
-                    <a:lumMod val="75000"/>
-                  </a:schemeClr>
-                </a:solidFill>
-              </a:rPr>
-              <a:t>Challenges &amp; Problems</a:t>
-            </a:r>
-          </a:p>
-          <a:p>
-            <a:pPr>
-              <a:buFont typeface="Wingdings" pitchFamily="2" charset="2"/>
-              <a:buChar char="v"/>
-            </a:pPr>
-            <a:r>
-              <a:rPr lang="en-US" dirty="0" smtClean="0">
-                <a:solidFill>
-                  <a:schemeClr val="bg1">
-                    <a:lumMod val="75000"/>
-                  </a:schemeClr>
-                </a:solidFill>
-              </a:rPr>
-              <a:t>Q &amp; A</a:t>
-            </a:r>
-          </a:p>
-        </p:txBody>
-      </p:sp>
-      <p:pic>
-        <p:nvPicPr>
-          <p:cNvPr id="4" name="Picture 2"/>
-          <p:cNvPicPr>
-            <a:picLocks noChangeAspect="1" noChangeArrowheads="1"/>
-          </p:cNvPicPr>
-          <p:nvPr/>
-        </p:nvPicPr>
-        <p:blipFill>
-          <a:blip r:embed="rId2" cstate="print"/>
-          <a:srcRect/>
-          <a:stretch>
-            <a:fillRect/>
-          </a:stretch>
-        </p:blipFill>
-        <p:spPr bwMode="auto">
-          <a:xfrm>
-            <a:off x="5925766" y="1828800"/>
-            <a:ext cx="2837234" cy="2667000"/>
-          </a:xfrm>
-          <a:prstGeom prst="rect">
-            <a:avLst/>
-          </a:prstGeom>
-          <a:noFill/>
-          <a:ln w="9525">
-            <a:noFill/>
-            <a:miter lim="800000"/>
-            <a:headEnd/>
-            <a:tailEnd/>
-          </a:ln>
-          <a:effectLst/>
-        </p:spPr>
-      </p:pic>
-    </p:spTree>
-    <p:extLst>
-      <p:ext uri="{BB962C8B-B14F-4D97-AF65-F5344CB8AC3E}">
-        <p14:creationId xmlns:p14="http://schemas.microsoft.com/office/powerpoint/2010/main" val="4091434407"/>
-      </p:ext>
-    </p:extLst>
-  </p:cSld>
-  <p:clrMapOvr>
-    <a:masterClrMapping/>
-  </p:clrMapOvr>
-  <p:timing>
-    <p:tnLst>
-      <p:par>
-        <p:cTn id="1" dur="indefinite" restart="never" nodeType="tmRoot"/>
-      </p:par>
-    </p:tnLst>
-  </p:timing>
-</p:sld>
-</file>
-
-<file path=ppt/slides/slide19.xml><?xml version="1.0" encoding="utf-8"?>
-<p:sld xmlns:a="http://schemas.openxmlformats.org/drawingml/2006/main" xmlns:r="http://schemas.openxmlformats.org/officeDocument/2006/relationships" xmlns:p="http://schemas.openxmlformats.org/presentationml/2006/main">
-  <p:cSld>
-    <p:spTree>
-      <p:nvGrpSpPr>
-        <p:cNvPr id="1" name=""/>
-        <p:cNvGrpSpPr/>
-        <p:nvPr/>
-      </p:nvGrpSpPr>
-      <p:grpSpPr>
-        <a:xfrm>
-          <a:off x="0" y="0"/>
-          <a:ext cx="0" cy="0"/>
-          <a:chOff x="0" y="0"/>
-          <a:chExt cx="0" cy="0"/>
-        </a:xfrm>
-      </p:grpSpPr>
-      <p:sp>
-        <p:nvSpPr>
-          <p:cNvPr id="14341" name="Rectangle 5"/>
-          <p:cNvSpPr>
-            <a:spLocks noGrp="1" noChangeArrowheads="1"/>
-          </p:cNvSpPr>
-          <p:nvPr>
-            <p:ph type="title"/>
-          </p:nvPr>
-        </p:nvSpPr>
-        <p:spPr/>
-        <p:txBody>
-          <a:bodyPr/>
-          <a:lstStyle/>
-          <a:p>
-            <a:r>
-              <a:rPr lang="en-US" dirty="0" smtClean="0"/>
-              <a:t>Transition Strategy </a:t>
-            </a:r>
-            <a:r>
-              <a:rPr lang="en-US" dirty="0" smtClean="0"/>
-              <a:t> </a:t>
-            </a:r>
-            <a:r>
-              <a:rPr lang="en-US" dirty="0" smtClean="0"/>
-              <a:t/>
-            </a:r>
-            <a:br>
-              <a:rPr lang="en-US" dirty="0" smtClean="0"/>
-            </a:br>
-            <a:r>
-              <a:rPr lang="en-US" sz="2400" dirty="0" smtClean="0"/>
-              <a:t>Analysis to Design</a:t>
-            </a:r>
-            <a:endParaRPr lang="en-US" dirty="0"/>
-          </a:p>
-        </p:txBody>
-      </p:sp>
-      <p:sp>
-        <p:nvSpPr>
-          <p:cNvPr id="14342" name="Rectangle 6"/>
-          <p:cNvSpPr>
-            <a:spLocks noGrp="1" noChangeArrowheads="1"/>
-          </p:cNvSpPr>
-          <p:nvPr>
-            <p:ph type="body" idx="1"/>
-          </p:nvPr>
-        </p:nvSpPr>
-        <p:spPr>
-          <a:xfrm>
-            <a:off x="1143000" y="1524001"/>
-            <a:ext cx="7391400" cy="1219200"/>
-          </a:xfrm>
-        </p:spPr>
-        <p:txBody>
-          <a:bodyPr/>
-          <a:lstStyle/>
-          <a:p>
-            <a:pPr>
-              <a:buFont typeface="Wingdings" pitchFamily="2" charset="2"/>
-              <a:buChar char="v"/>
-            </a:pPr>
-            <a:r>
-              <a:rPr lang="en-US" dirty="0" smtClean="0"/>
-              <a:t>RUP workflows &amp; process</a:t>
-            </a:r>
-          </a:p>
-        </p:txBody>
-      </p:sp>
-      <p:graphicFrame>
-        <p:nvGraphicFramePr>
-          <p:cNvPr id="16" name="Diagram 15"/>
-          <p:cNvGraphicFramePr/>
-          <p:nvPr/>
-        </p:nvGraphicFramePr>
-        <p:xfrm>
-          <a:off x="838200" y="2590800"/>
-          <a:ext cx="2286000" cy="4064000"/>
-        </p:xfrm>
-        <a:graphic>
-          <a:graphicData uri="http://schemas.openxmlformats.org/drawingml/2006/diagram">
-            <dgm:relIds xmlns:dgm="http://schemas.openxmlformats.org/drawingml/2006/diagram" xmlns:r="http://schemas.openxmlformats.org/officeDocument/2006/relationships" r:dm="rId2" r:lo="rId3" r:qs="rId4" r:cs="rId5"/>
-          </a:graphicData>
-        </a:graphic>
-      </p:graphicFrame>
-      <p:graphicFrame>
-        <p:nvGraphicFramePr>
-          <p:cNvPr id="17" name="Diagram 16"/>
-          <p:cNvGraphicFramePr/>
-          <p:nvPr>
-            <p:extLst>
-              <p:ext uri="{D42A27DB-BD31-4B8C-83A1-F6EECF244321}">
-                <p14:modId xmlns:p14="http://schemas.microsoft.com/office/powerpoint/2010/main" val="3348270388"/>
-              </p:ext>
-            </p:extLst>
-          </p:nvPr>
-        </p:nvGraphicFramePr>
-        <p:xfrm>
-          <a:off x="3048000" y="2590800"/>
-          <a:ext cx="2514600" cy="4064000"/>
-        </p:xfrm>
-        <a:graphic>
-          <a:graphicData uri="http://schemas.openxmlformats.org/drawingml/2006/diagram">
-            <dgm:relIds xmlns:dgm="http://schemas.openxmlformats.org/drawingml/2006/diagram" xmlns:r="http://schemas.openxmlformats.org/officeDocument/2006/relationships" r:dm="rId7" r:lo="rId8" r:qs="rId9" r:cs="rId10"/>
-          </a:graphicData>
-        </a:graphic>
-      </p:graphicFrame>
-      <p:graphicFrame>
-        <p:nvGraphicFramePr>
-          <p:cNvPr id="18" name="Diagram 17"/>
-          <p:cNvGraphicFramePr/>
-          <p:nvPr/>
-        </p:nvGraphicFramePr>
-        <p:xfrm>
-          <a:off x="5715000" y="2590800"/>
-          <a:ext cx="2438400" cy="4064000"/>
-        </p:xfrm>
-        <a:graphic>
-          <a:graphicData uri="http://schemas.openxmlformats.org/drawingml/2006/diagram">
-            <dgm:relIds xmlns:dgm="http://schemas.openxmlformats.org/drawingml/2006/diagram" xmlns:r="http://schemas.openxmlformats.org/officeDocument/2006/relationships" r:dm="rId12" r:lo="rId13" r:qs="rId14" r:cs="rId15"/>
-          </a:graphicData>
-        </a:graphic>
-      </p:graphicFrame>
-    </p:spTree>
   </p:cSld>
   <p:clrMapOvr>
     <a:masterClrMapping/>
@@ -19848,6 +19771,415 @@
       </p:grpSpPr>
       <p:sp>
         <p:nvSpPr>
+          <p:cNvPr id="22532" name="Rectangle 4"/>
+          <p:cNvSpPr>
+            <a:spLocks noGrp="1" noChangeArrowheads="1"/>
+          </p:cNvSpPr>
+          <p:nvPr>
+            <p:ph type="title"/>
+          </p:nvPr>
+        </p:nvSpPr>
+        <p:spPr/>
+        <p:txBody>
+          <a:bodyPr/>
+          <a:lstStyle/>
+          <a:p>
+            <a:r>
+              <a:rPr lang="en-US" dirty="0" smtClean="0"/>
+              <a:t>Agenda</a:t>
+            </a:r>
+            <a:endParaRPr lang="en-US" dirty="0"/>
+          </a:p>
+        </p:txBody>
+      </p:sp>
+      <p:sp>
+        <p:nvSpPr>
+          <p:cNvPr id="22533" name="Rectangle 5"/>
+          <p:cNvSpPr>
+            <a:spLocks noGrp="1" noChangeArrowheads="1"/>
+          </p:cNvSpPr>
+          <p:nvPr>
+            <p:ph type="body" idx="1"/>
+          </p:nvPr>
+        </p:nvSpPr>
+        <p:spPr>
+          <a:xfrm>
+            <a:off x="1143000" y="1524000"/>
+            <a:ext cx="7391400" cy="4648200"/>
+          </a:xfrm>
+        </p:spPr>
+        <p:txBody>
+          <a:bodyPr/>
+          <a:lstStyle/>
+          <a:p>
+            <a:pPr>
+              <a:buFont typeface="Wingdings" pitchFamily="2" charset="2"/>
+              <a:buChar char="v"/>
+            </a:pPr>
+            <a:r>
+              <a:rPr lang="en-US" dirty="0">
+                <a:solidFill>
+                  <a:schemeClr val="bg1">
+                    <a:lumMod val="75000"/>
+                  </a:schemeClr>
+                </a:solidFill>
+              </a:rPr>
+              <a:t>Project Revisit</a:t>
+            </a:r>
+          </a:p>
+          <a:p>
+            <a:pPr>
+              <a:buFont typeface="Wingdings" pitchFamily="2" charset="2"/>
+              <a:buChar char="v"/>
+            </a:pPr>
+            <a:r>
+              <a:rPr lang="en-US" dirty="0">
+                <a:solidFill>
+                  <a:schemeClr val="bg1">
+                    <a:lumMod val="75000"/>
+                  </a:schemeClr>
+                </a:solidFill>
+              </a:rPr>
+              <a:t>Use Case Modeling</a:t>
+            </a:r>
+          </a:p>
+          <a:p>
+            <a:pPr>
+              <a:buFont typeface="Wingdings" pitchFamily="2" charset="2"/>
+              <a:buChar char="v"/>
+            </a:pPr>
+            <a:r>
+              <a:rPr lang="en-US" dirty="0" smtClean="0">
+                <a:solidFill>
+                  <a:schemeClr val="bg1">
+                    <a:lumMod val="75000"/>
+                  </a:schemeClr>
+                </a:solidFill>
+              </a:rPr>
+              <a:t>Software Architecture</a:t>
+            </a:r>
+          </a:p>
+          <a:p>
+            <a:pPr>
+              <a:buFont typeface="Wingdings" pitchFamily="2" charset="2"/>
+              <a:buChar char="v"/>
+            </a:pPr>
+            <a:r>
+              <a:rPr lang="en-US" dirty="0" smtClean="0">
+                <a:solidFill>
+                  <a:schemeClr val="bg1">
+                    <a:lumMod val="75000"/>
+                  </a:schemeClr>
+                </a:solidFill>
+              </a:rPr>
+              <a:t>Demo of Prototype</a:t>
+            </a:r>
+          </a:p>
+          <a:p>
+            <a:pPr>
+              <a:buFont typeface="Wingdings" pitchFamily="2" charset="2"/>
+              <a:buChar char="v"/>
+            </a:pPr>
+            <a:r>
+              <a:rPr lang="en-US" b="1" dirty="0" smtClean="0"/>
+              <a:t>Transition Strategy</a:t>
+            </a:r>
+          </a:p>
+          <a:p>
+            <a:pPr>
+              <a:buFont typeface="Wingdings" pitchFamily="2" charset="2"/>
+              <a:buChar char="v"/>
+            </a:pPr>
+            <a:r>
+              <a:rPr lang="en-US" dirty="0" smtClean="0">
+                <a:solidFill>
+                  <a:schemeClr val="bg1">
+                    <a:lumMod val="75000"/>
+                  </a:schemeClr>
+                </a:solidFill>
+              </a:rPr>
+              <a:t>Project Progress</a:t>
+            </a:r>
+          </a:p>
+          <a:p>
+            <a:pPr>
+              <a:buFont typeface="Wingdings" pitchFamily="2" charset="2"/>
+              <a:buChar char="v"/>
+            </a:pPr>
+            <a:r>
+              <a:rPr lang="en-US" dirty="0">
+                <a:solidFill>
+                  <a:schemeClr val="bg1">
+                    <a:lumMod val="75000"/>
+                  </a:schemeClr>
+                </a:solidFill>
+              </a:rPr>
+              <a:t>Development </a:t>
+            </a:r>
+            <a:r>
+              <a:rPr lang="en-US" dirty="0" smtClean="0">
+                <a:solidFill>
+                  <a:schemeClr val="bg1">
+                    <a:lumMod val="75000"/>
+                  </a:schemeClr>
+                </a:solidFill>
+              </a:rPr>
+              <a:t>Plan</a:t>
+            </a:r>
+          </a:p>
+          <a:p>
+            <a:pPr>
+              <a:buFont typeface="Wingdings" pitchFamily="2" charset="2"/>
+              <a:buChar char="v"/>
+            </a:pPr>
+            <a:r>
+              <a:rPr lang="en-US" dirty="0" smtClean="0">
+                <a:solidFill>
+                  <a:schemeClr val="bg1">
+                    <a:lumMod val="75000"/>
+                  </a:schemeClr>
+                </a:solidFill>
+              </a:rPr>
+              <a:t>Challenges &amp; Problems</a:t>
+            </a:r>
+          </a:p>
+          <a:p>
+            <a:pPr>
+              <a:buFont typeface="Wingdings" pitchFamily="2" charset="2"/>
+              <a:buChar char="v"/>
+            </a:pPr>
+            <a:r>
+              <a:rPr lang="en-US" dirty="0" smtClean="0">
+                <a:solidFill>
+                  <a:schemeClr val="bg1">
+                    <a:lumMod val="75000"/>
+                  </a:schemeClr>
+                </a:solidFill>
+              </a:rPr>
+              <a:t>Q &amp; A</a:t>
+            </a:r>
+          </a:p>
+        </p:txBody>
+      </p:sp>
+      <p:pic>
+        <p:nvPicPr>
+          <p:cNvPr id="4" name="Picture 2"/>
+          <p:cNvPicPr>
+            <a:picLocks noChangeAspect="1" noChangeArrowheads="1"/>
+          </p:cNvPicPr>
+          <p:nvPr/>
+        </p:nvPicPr>
+        <p:blipFill>
+          <a:blip r:embed="rId2" cstate="print"/>
+          <a:srcRect/>
+          <a:stretch>
+            <a:fillRect/>
+          </a:stretch>
+        </p:blipFill>
+        <p:spPr bwMode="auto">
+          <a:xfrm>
+            <a:off x="5925766" y="1828800"/>
+            <a:ext cx="2837234" cy="2667000"/>
+          </a:xfrm>
+          <a:prstGeom prst="rect">
+            <a:avLst/>
+          </a:prstGeom>
+          <a:noFill/>
+          <a:ln w="9525">
+            <a:noFill/>
+            <a:miter lim="800000"/>
+            <a:headEnd/>
+            <a:tailEnd/>
+          </a:ln>
+          <a:effectLst/>
+        </p:spPr>
+      </p:pic>
+    </p:spTree>
+    <p:extLst>
+      <p:ext uri="{BB962C8B-B14F-4D97-AF65-F5344CB8AC3E}">
+        <p14:creationId xmlns:p14="http://schemas.microsoft.com/office/powerpoint/2010/main" val="4091434407"/>
+      </p:ext>
+    </p:extLst>
+  </p:cSld>
+  <p:clrMapOvr>
+    <a:masterClrMapping/>
+  </p:clrMapOvr>
+  <p:timing>
+    <p:tnLst>
+      <p:par>
+        <p:cTn id="1" dur="indefinite" restart="never" nodeType="tmRoot"/>
+      </p:par>
+    </p:tnLst>
+  </p:timing>
+</p:sld>
+</file>
+
+<file path=ppt/slides/slide21.xml><?xml version="1.0" encoding="utf-8"?>
+<p:sld xmlns:a="http://schemas.openxmlformats.org/drawingml/2006/main" xmlns:r="http://schemas.openxmlformats.org/officeDocument/2006/relationships" xmlns:p="http://schemas.openxmlformats.org/presentationml/2006/main">
+  <p:cSld>
+    <p:spTree>
+      <p:nvGrpSpPr>
+        <p:cNvPr id="1" name=""/>
+        <p:cNvGrpSpPr/>
+        <p:nvPr/>
+      </p:nvGrpSpPr>
+      <p:grpSpPr>
+        <a:xfrm>
+          <a:off x="0" y="0"/>
+          <a:ext cx="0" cy="0"/>
+          <a:chOff x="0" y="0"/>
+          <a:chExt cx="0" cy="0"/>
+        </a:xfrm>
+      </p:grpSpPr>
+      <p:sp>
+        <p:nvSpPr>
+          <p:cNvPr id="14341" name="Rectangle 5"/>
+          <p:cNvSpPr>
+            <a:spLocks noGrp="1" noChangeArrowheads="1"/>
+          </p:cNvSpPr>
+          <p:nvPr>
+            <p:ph type="title"/>
+          </p:nvPr>
+        </p:nvSpPr>
+        <p:spPr/>
+        <p:txBody>
+          <a:bodyPr/>
+          <a:lstStyle/>
+          <a:p>
+            <a:r>
+              <a:rPr lang="en-US" dirty="0" smtClean="0"/>
+              <a:t>Transition Strategy  </a:t>
+            </a:r>
+            <a:br>
+              <a:rPr lang="en-US" dirty="0" smtClean="0"/>
+            </a:br>
+            <a:r>
+              <a:rPr lang="en-US" sz="2400" dirty="0" smtClean="0"/>
+              <a:t>Analysis to Design</a:t>
+            </a:r>
+            <a:endParaRPr lang="en-US" dirty="0"/>
+          </a:p>
+        </p:txBody>
+      </p:sp>
+      <p:sp>
+        <p:nvSpPr>
+          <p:cNvPr id="14342" name="Rectangle 6"/>
+          <p:cNvSpPr>
+            <a:spLocks noGrp="1" noChangeArrowheads="1"/>
+          </p:cNvSpPr>
+          <p:nvPr>
+            <p:ph type="body" idx="1"/>
+          </p:nvPr>
+        </p:nvSpPr>
+        <p:spPr>
+          <a:xfrm>
+            <a:off x="1143000" y="1524001"/>
+            <a:ext cx="7391400" cy="1219200"/>
+          </a:xfrm>
+        </p:spPr>
+        <p:txBody>
+          <a:bodyPr/>
+          <a:lstStyle/>
+          <a:p>
+            <a:pPr>
+              <a:buFont typeface="Wingdings" pitchFamily="2" charset="2"/>
+              <a:buChar char="v"/>
+            </a:pPr>
+            <a:r>
+              <a:rPr lang="en-US" dirty="0" smtClean="0"/>
+              <a:t>RUP workflows &amp; process</a:t>
+            </a:r>
+          </a:p>
+        </p:txBody>
+      </p:sp>
+      <p:graphicFrame>
+        <p:nvGraphicFramePr>
+          <p:cNvPr id="16" name="Diagram 15"/>
+          <p:cNvGraphicFramePr/>
+          <p:nvPr/>
+        </p:nvGraphicFramePr>
+        <p:xfrm>
+          <a:off x="838200" y="2590800"/>
+          <a:ext cx="2286000" cy="4064000"/>
+        </p:xfrm>
+        <a:graphic>
+          <a:graphicData uri="http://schemas.openxmlformats.org/drawingml/2006/diagram">
+            <dgm:relIds xmlns:dgm="http://schemas.openxmlformats.org/drawingml/2006/diagram" xmlns:r="http://schemas.openxmlformats.org/officeDocument/2006/relationships" r:dm="rId2" r:lo="rId3" r:qs="rId4" r:cs="rId5"/>
+          </a:graphicData>
+        </a:graphic>
+      </p:graphicFrame>
+      <p:graphicFrame>
+        <p:nvGraphicFramePr>
+          <p:cNvPr id="17" name="Diagram 16"/>
+          <p:cNvGraphicFramePr/>
+          <p:nvPr>
+            <p:extLst>
+              <p:ext uri="{D42A27DB-BD31-4B8C-83A1-F6EECF244321}">
+                <p14:modId xmlns:p14="http://schemas.microsoft.com/office/powerpoint/2010/main" val="3348270388"/>
+              </p:ext>
+            </p:extLst>
+          </p:nvPr>
+        </p:nvGraphicFramePr>
+        <p:xfrm>
+          <a:off x="3048000" y="2590800"/>
+          <a:ext cx="2514600" cy="4064000"/>
+        </p:xfrm>
+        <a:graphic>
+          <a:graphicData uri="http://schemas.openxmlformats.org/drawingml/2006/diagram">
+            <dgm:relIds xmlns:dgm="http://schemas.openxmlformats.org/drawingml/2006/diagram" xmlns:r="http://schemas.openxmlformats.org/officeDocument/2006/relationships" r:dm="rId7" r:lo="rId8" r:qs="rId9" r:cs="rId10"/>
+          </a:graphicData>
+        </a:graphic>
+      </p:graphicFrame>
+      <p:graphicFrame>
+        <p:nvGraphicFramePr>
+          <p:cNvPr id="18" name="Diagram 17"/>
+          <p:cNvGraphicFramePr/>
+          <p:nvPr/>
+        </p:nvGraphicFramePr>
+        <p:xfrm>
+          <a:off x="5715000" y="2590800"/>
+          <a:ext cx="2438400" cy="4064000"/>
+        </p:xfrm>
+        <a:graphic>
+          <a:graphicData uri="http://schemas.openxmlformats.org/drawingml/2006/diagram">
+            <dgm:relIds xmlns:dgm="http://schemas.openxmlformats.org/drawingml/2006/diagram" xmlns:r="http://schemas.openxmlformats.org/officeDocument/2006/relationships" r:dm="rId12" r:lo="rId13" r:qs="rId14" r:cs="rId15"/>
+          </a:graphicData>
+        </a:graphic>
+      </p:graphicFrame>
+    </p:spTree>
+  </p:cSld>
+  <p:clrMapOvr>
+    <a:masterClrMapping/>
+  </p:clrMapOvr>
+  <p:timing>
+    <p:tnLst>
+      <p:par>
+        <p:cTn id="1" dur="indefinite" restart="never" nodeType="tmRoot"/>
+      </p:par>
+    </p:tnLst>
+  </p:timing>
+</p:sld>
+</file>
+
+<file path=ppt/slides/slide22.xml><?xml version="1.0" encoding="utf-8"?>
+<p:sld xmlns:a="http://schemas.openxmlformats.org/drawingml/2006/main" xmlns:r="http://schemas.openxmlformats.org/officeDocument/2006/relationships" xmlns:p="http://schemas.openxmlformats.org/presentationml/2006/main">
+  <p:cSld>
+    <p:spTree>
+      <p:nvGrpSpPr>
+        <p:cNvPr id="1" name=""/>
+        <p:cNvGrpSpPr/>
+        <p:nvPr/>
+      </p:nvGrpSpPr>
+      <p:grpSpPr>
+        <a:xfrm>
+          <a:off x="0" y="0"/>
+          <a:ext cx="0" cy="0"/>
+          <a:chOff x="0" y="0"/>
+          <a:chExt cx="0" cy="0"/>
+        </a:xfrm>
+      </p:grpSpPr>
+      <p:sp>
+        <p:nvSpPr>
           <p:cNvPr id="14341" name="Rectangle 5"/>
           <p:cNvSpPr>
             <a:spLocks noGrp="1" noChangeArrowheads="1"/>
@@ -19868,10 +20200,6 @@
             <a:r>
               <a:rPr lang="en-US" dirty="0" smtClean="0"/>
               <a:t> </a:t>
-            </a:r>
-            <a:r>
-              <a:rPr lang="en-US" dirty="0" smtClean="0"/>
-              <a:t/>
             </a:r>
             <a:br>
               <a:rPr lang="en-US" dirty="0" smtClean="0"/>
@@ -20836,7 +21164,7 @@
 </p:sld>
 </file>
 
-<file path=ppt/slides/slide21.xml><?xml version="1.0" encoding="utf-8"?>
+<file path=ppt/slides/slide23.xml><?xml version="1.0" encoding="utf-8"?>
 <p:sld xmlns:a="http://schemas.openxmlformats.org/drawingml/2006/main" xmlns:r="http://schemas.openxmlformats.org/officeDocument/2006/relationships" xmlns:p="http://schemas.openxmlformats.org/presentationml/2006/main">
   <p:cSld>
     <p:spTree>
@@ -21099,7 +21427,7 @@
 </p:sld>
 </file>
 
-<file path=ppt/slides/slide22.xml><?xml version="1.0" encoding="utf-8"?>
+<file path=ppt/slides/slide24.xml><?xml version="1.0" encoding="utf-8"?>
 <p:sld xmlns:a="http://schemas.openxmlformats.org/drawingml/2006/main" xmlns:r="http://schemas.openxmlformats.org/officeDocument/2006/relationships" xmlns:p="http://schemas.openxmlformats.org/presentationml/2006/main">
   <p:cSld>
     <p:spTree>
@@ -22784,7 +23112,7 @@
 </p:sld>
 </file>
 
-<file path=ppt/slides/slide23.xml><?xml version="1.0" encoding="utf-8"?>
+<file path=ppt/slides/slide25.xml><?xml version="1.0" encoding="utf-8"?>
 <p:sld xmlns:a="http://schemas.openxmlformats.org/drawingml/2006/main" xmlns:r="http://schemas.openxmlformats.org/officeDocument/2006/relationships" xmlns:p="http://schemas.openxmlformats.org/presentationml/2006/main">
   <p:cSld>
     <p:spTree>
@@ -23048,7 +23376,7 @@
 </p:sld>
 </file>
 
-<file path=ppt/slides/slide24.xml><?xml version="1.0" encoding="utf-8"?>
+<file path=ppt/slides/slide26.xml><?xml version="1.0" encoding="utf-8"?>
 <p:sld xmlns:a="http://schemas.openxmlformats.org/drawingml/2006/main" xmlns:r="http://schemas.openxmlformats.org/officeDocument/2006/relationships" xmlns:p="http://schemas.openxmlformats.org/presentationml/2006/main">
   <p:cSld>
     <p:spTree>
@@ -23172,7 +23500,7 @@
 </p:sld>
 </file>
 
-<file path=ppt/slides/slide25.xml><?xml version="1.0" encoding="utf-8"?>
+<file path=ppt/slides/slide27.xml><?xml version="1.0" encoding="utf-8"?>
 <p:sld xmlns:a="http://schemas.openxmlformats.org/drawingml/2006/main" xmlns:r="http://schemas.openxmlformats.org/officeDocument/2006/relationships" xmlns:p="http://schemas.openxmlformats.org/presentationml/2006/main">
   <p:cSld>
     <p:spTree>
@@ -23442,7 +23770,7 @@
 </p:sld>
 </file>
 
-<file path=ppt/slides/slide26.xml><?xml version="1.0" encoding="utf-8"?>
+<file path=ppt/slides/slide28.xml><?xml version="1.0" encoding="utf-8"?>
 <p:sld xmlns:a="http://schemas.openxmlformats.org/drawingml/2006/main" xmlns:r="http://schemas.openxmlformats.org/officeDocument/2006/relationships" xmlns:p="http://schemas.openxmlformats.org/presentationml/2006/main">
   <p:cSld>
     <p:spTree>
@@ -23871,7 +24199,7 @@
 </p:sld>
 </file>
 
-<file path=ppt/slides/slide27.xml><?xml version="1.0" encoding="utf-8"?>
+<file path=ppt/slides/slide29.xml><?xml version="1.0" encoding="utf-8"?>
 <p:sld xmlns:a="http://schemas.openxmlformats.org/drawingml/2006/main" xmlns:r="http://schemas.openxmlformats.org/officeDocument/2006/relationships" xmlns:p="http://schemas.openxmlformats.org/presentationml/2006/main">
   <p:cSld>
     <p:spTree>
@@ -24115,102 +24443,6 @@
 </p:sld>
 </file>
 
-<file path=ppt/slides/slide28.xml><?xml version="1.0" encoding="utf-8"?>
-<p:sld xmlns:a="http://schemas.openxmlformats.org/drawingml/2006/main" xmlns:r="http://schemas.openxmlformats.org/officeDocument/2006/relationships" xmlns:p="http://schemas.openxmlformats.org/presentationml/2006/main">
-  <p:cSld>
-    <p:spTree>
-      <p:nvGrpSpPr>
-        <p:cNvPr id="1" name=""/>
-        <p:cNvGrpSpPr/>
-        <p:nvPr/>
-      </p:nvGrpSpPr>
-      <p:grpSpPr>
-        <a:xfrm>
-          <a:off x="0" y="0"/>
-          <a:ext cx="0" cy="0"/>
-          <a:chOff x="0" y="0"/>
-          <a:chExt cx="0" cy="0"/>
-        </a:xfrm>
-      </p:grpSpPr>
-      <p:sp>
-        <p:nvSpPr>
-          <p:cNvPr id="4" name="Title 3"/>
-          <p:cNvSpPr>
-            <a:spLocks noGrp="1"/>
-          </p:cNvSpPr>
-          <p:nvPr>
-            <p:ph type="title"/>
-          </p:nvPr>
-        </p:nvSpPr>
-        <p:spPr/>
-        <p:txBody>
-          <a:bodyPr/>
-          <a:lstStyle/>
-          <a:p>
-            <a:r>
-              <a:rPr lang="en-US" dirty="0" smtClean="0"/>
-              <a:t>Question &amp; Answer</a:t>
-            </a:r>
-            <a:endParaRPr lang="en-US" dirty="0"/>
-          </a:p>
-        </p:txBody>
-      </p:sp>
-      <p:pic>
-        <p:nvPicPr>
-          <p:cNvPr id="10242" name="Picture 2" descr="C:\Users\Dio\AppData\Local\Microsoft\Windows\Temporary Internet Files\Content.IE5\4DO3IWVQ\MC900234625[1].wmf"/>
-          <p:cNvPicPr>
-            <a:picLocks noChangeAspect="1" noChangeArrowheads="1"/>
-          </p:cNvPicPr>
-          <p:nvPr/>
-        </p:nvPicPr>
-        <p:blipFill>
-          <a:blip r:embed="rId2" cstate="print">
-            <a:extLst>
-              <a:ext uri="{28A0092B-C50C-407E-A947-70E740481C1C}">
-                <a14:useLocalDpi xmlns:a14="http://schemas.microsoft.com/office/drawing/2010/main" val="0"/>
-              </a:ext>
-            </a:extLst>
-          </a:blip>
-          <a:srcRect/>
-          <a:stretch>
-            <a:fillRect/>
-          </a:stretch>
-        </p:blipFill>
-        <p:spPr bwMode="auto">
-          <a:xfrm>
-            <a:off x="3756354" y="2518257"/>
-            <a:ext cx="1806245" cy="2016838"/>
-          </a:xfrm>
-          <a:prstGeom prst="rect">
-            <a:avLst/>
-          </a:prstGeom>
-          <a:noFill/>
-          <a:extLst>
-            <a:ext uri="{909E8E84-426E-40DD-AFC4-6F175D3DCCD1}">
-              <a14:hiddenFill xmlns:a14="http://schemas.microsoft.com/office/drawing/2010/main">
-                <a:solidFill>
-                  <a:srgbClr val="FFFFFF"/>
-                </a:solidFill>
-              </a14:hiddenFill>
-            </a:ext>
-          </a:extLst>
-        </p:spPr>
-      </p:pic>
-    </p:spTree>
-  </p:cSld>
-  <p:clrMapOvr>
-    <a:masterClrMapping/>
-  </p:clrMapOvr>
-  <p:timing>
-    <p:tnLst>
-      <p:par>
-        <p:cTn id="1" dur="indefinite" restart="never" nodeType="tmRoot"/>
-      </p:par>
-    </p:tnLst>
-  </p:timing>
-</p:sld>
-</file>
-
 <file path=ppt/slides/slide3.xml><?xml version="1.0" encoding="utf-8"?>
 <p:sld xmlns:a="http://schemas.openxmlformats.org/drawingml/2006/main" xmlns:r="http://schemas.openxmlformats.org/officeDocument/2006/relationships" xmlns:p="http://schemas.openxmlformats.org/presentationml/2006/main">
   <p:cSld>
@@ -24331,6 +24563,102 @@
           </a:p>
         </p:txBody>
       </p:sp>
+    </p:spTree>
+  </p:cSld>
+  <p:clrMapOvr>
+    <a:masterClrMapping/>
+  </p:clrMapOvr>
+  <p:timing>
+    <p:tnLst>
+      <p:par>
+        <p:cTn id="1" dur="indefinite" restart="never" nodeType="tmRoot"/>
+      </p:par>
+    </p:tnLst>
+  </p:timing>
+</p:sld>
+</file>
+
+<file path=ppt/slides/slide30.xml><?xml version="1.0" encoding="utf-8"?>
+<p:sld xmlns:a="http://schemas.openxmlformats.org/drawingml/2006/main" xmlns:r="http://schemas.openxmlformats.org/officeDocument/2006/relationships" xmlns:p="http://schemas.openxmlformats.org/presentationml/2006/main">
+  <p:cSld>
+    <p:spTree>
+      <p:nvGrpSpPr>
+        <p:cNvPr id="1" name=""/>
+        <p:cNvGrpSpPr/>
+        <p:nvPr/>
+      </p:nvGrpSpPr>
+      <p:grpSpPr>
+        <a:xfrm>
+          <a:off x="0" y="0"/>
+          <a:ext cx="0" cy="0"/>
+          <a:chOff x="0" y="0"/>
+          <a:chExt cx="0" cy="0"/>
+        </a:xfrm>
+      </p:grpSpPr>
+      <p:sp>
+        <p:nvSpPr>
+          <p:cNvPr id="4" name="Title 3"/>
+          <p:cNvSpPr>
+            <a:spLocks noGrp="1"/>
+          </p:cNvSpPr>
+          <p:nvPr>
+            <p:ph type="title"/>
+          </p:nvPr>
+        </p:nvSpPr>
+        <p:spPr/>
+        <p:txBody>
+          <a:bodyPr/>
+          <a:lstStyle/>
+          <a:p>
+            <a:r>
+              <a:rPr lang="en-US" dirty="0" smtClean="0"/>
+              <a:t>Question &amp; Answer</a:t>
+            </a:r>
+            <a:endParaRPr lang="en-US" dirty="0"/>
+          </a:p>
+        </p:txBody>
+      </p:sp>
+      <p:pic>
+        <p:nvPicPr>
+          <p:cNvPr id="10242" name="Picture 2" descr="C:\Users\Dio\AppData\Local\Microsoft\Windows\Temporary Internet Files\Content.IE5\4DO3IWVQ\MC900234625[1].wmf"/>
+          <p:cNvPicPr>
+            <a:picLocks noChangeAspect="1" noChangeArrowheads="1"/>
+          </p:cNvPicPr>
+          <p:nvPr/>
+        </p:nvPicPr>
+        <p:blipFill>
+          <a:blip r:embed="rId2" cstate="print">
+            <a:extLst>
+              <a:ext uri="{28A0092B-C50C-407E-A947-70E740481C1C}">
+                <a14:useLocalDpi xmlns:a14="http://schemas.microsoft.com/office/drawing/2010/main" val="0"/>
+              </a:ext>
+            </a:extLst>
+          </a:blip>
+          <a:srcRect/>
+          <a:stretch>
+            <a:fillRect/>
+          </a:stretch>
+        </p:blipFill>
+        <p:spPr bwMode="auto">
+          <a:xfrm>
+            <a:off x="3756354" y="2518257"/>
+            <a:ext cx="1806245" cy="2016838"/>
+          </a:xfrm>
+          <a:prstGeom prst="rect">
+            <a:avLst/>
+          </a:prstGeom>
+          <a:noFill/>
+          <a:extLst>
+            <a:ext uri="{909E8E84-426E-40DD-AFC4-6F175D3DCCD1}">
+              <a14:hiddenFill xmlns:a14="http://schemas.microsoft.com/office/drawing/2010/main">
+                <a:solidFill>
+                  <a:srgbClr val="FFFFFF"/>
+                </a:solidFill>
+              </a14:hiddenFill>
+            </a:ext>
+          </a:extLst>
+        </p:spPr>
+      </p:pic>
     </p:spTree>
   </p:cSld>
   <p:clrMapOvr>
@@ -24690,7 +25018,7 @@
                 <a:ea typeface="+mn-ea"/>
                 <a:cs typeface="+mn-cs"/>
               </a:rPr>
-              <a:t>23 </a:t>
+              <a:t>21 </a:t>
             </a:r>
             <a:r>
               <a:rPr lang="en-US" kern="1200" dirty="0">
@@ -24766,7 +25094,21 @@
             </a:pPr>
             <a:r>
               <a:rPr lang="en-US" dirty="0"/>
-              <a:t>Search Project Member</a:t>
+              <a:t>Generate Certificate</a:t>
+            </a:r>
+          </a:p>
+          <a:p>
+            <a:pPr lvl="2">
+              <a:buFont typeface="Wingdings" pitchFamily="2" charset="2"/>
+              <a:buChar char="v"/>
+            </a:pPr>
+            <a:r>
+              <a:rPr lang="en-US" dirty="0" smtClean="0"/>
+              <a:t>Search </a:t>
+            </a:r>
+            <a:r>
+              <a:rPr lang="en-US" dirty="0"/>
+              <a:t>Project Member</a:t>
             </a:r>
           </a:p>
           <a:p>
@@ -24777,16 +25119,6 @@
             <a:r>
               <a:rPr lang="en-US" dirty="0"/>
               <a:t>Assign Role to Project Member</a:t>
-            </a:r>
-          </a:p>
-          <a:p>
-            <a:pPr lvl="2">
-              <a:buFont typeface="Wingdings" pitchFamily="2" charset="2"/>
-              <a:buChar char="v"/>
-            </a:pPr>
-            <a:r>
-              <a:rPr lang="en-US" dirty="0"/>
-              <a:t>Generate Certificate</a:t>
             </a:r>
           </a:p>
           <a:p>
@@ -24857,7 +25189,7 @@
       </p:grpSpPr>
       <p:pic>
         <p:nvPicPr>
-          <p:cNvPr id="3077" name="Picture 5"/>
+          <p:cNvPr id="1026" name="Picture 2" descr="VMS Use Case Model Survey"/>
           <p:cNvPicPr>
             <a:picLocks noChangeAspect="1" noChangeArrowheads="1"/>
           </p:cNvPicPr>
@@ -24878,361 +25210,8 @@
         </p:blipFill>
         <p:spPr bwMode="auto">
           <a:xfrm>
-            <a:off x="76200" y="76200"/>
-            <a:ext cx="8916590" cy="6165599"/>
-          </a:xfrm>
-          <a:prstGeom prst="rect">
-            <a:avLst/>
-          </a:prstGeom>
-          <a:noFill/>
-          <a:ln>
-            <a:noFill/>
-          </a:ln>
-          <a:effectLst/>
-          <a:extLst>
-            <a:ext uri="{909E8E84-426E-40DD-AFC4-6F175D3DCCD1}">
-              <a14:hiddenFill xmlns:a14="http://schemas.microsoft.com/office/drawing/2010/main">
-                <a:solidFill>
-                  <a:schemeClr val="accent1"/>
-                </a:solidFill>
-              </a14:hiddenFill>
-            </a:ext>
-            <a:ext uri="{91240B29-F687-4F45-9708-019B960494DF}">
-              <a14:hiddenLine xmlns:a14="http://schemas.microsoft.com/office/drawing/2010/main" w="9525">
-                <a:solidFill>
-                  <a:schemeClr val="tx1"/>
-                </a:solidFill>
-                <a:miter lim="800000"/>
-                <a:headEnd/>
-                <a:tailEnd/>
-              </a14:hiddenLine>
-            </a:ext>
-            <a:ext uri="{AF507438-7753-43E0-B8FC-AC1667EBCBE1}">
-              <a14:hiddenEffects xmlns:a14="http://schemas.microsoft.com/office/drawing/2010/main">
-                <a:effectLst>
-                  <a:outerShdw dist="35921" dir="2700000" algn="ctr" rotWithShape="0">
-                    <a:schemeClr val="bg2"/>
-                  </a:outerShdw>
-                </a:effectLst>
-              </a14:hiddenEffects>
-            </a:ext>
-          </a:extLst>
-        </p:spPr>
-      </p:pic>
-    </p:spTree>
-    <p:extLst>
-      <p:ext uri="{BB962C8B-B14F-4D97-AF65-F5344CB8AC3E}">
-        <p14:creationId xmlns:p14="http://schemas.microsoft.com/office/powerpoint/2010/main" val="107169001"/>
-      </p:ext>
-    </p:extLst>
-  </p:cSld>
-  <p:clrMapOvr>
-    <a:masterClrMapping/>
-  </p:clrMapOvr>
-  <p:timing>
-    <p:tnLst>
-      <p:par>
-        <p:cTn id="1" dur="indefinite" restart="never" nodeType="tmRoot"/>
-      </p:par>
-    </p:tnLst>
-  </p:timing>
-</p:sld>
-</file>
-
-<file path=ppt/slides/slide7.xml><?xml version="1.0" encoding="utf-8"?>
-<p:sld xmlns:a="http://schemas.openxmlformats.org/drawingml/2006/main" xmlns:r="http://schemas.openxmlformats.org/officeDocument/2006/relationships" xmlns:p="http://schemas.openxmlformats.org/presentationml/2006/main">
-  <p:cSld>
-    <p:spTree>
-      <p:nvGrpSpPr>
-        <p:cNvPr id="1" name=""/>
-        <p:cNvGrpSpPr/>
-        <p:nvPr/>
-      </p:nvGrpSpPr>
-      <p:grpSpPr>
-        <a:xfrm>
-          <a:off x="0" y="0"/>
-          <a:ext cx="0" cy="0"/>
-          <a:chOff x="0" y="0"/>
-          <a:chExt cx="0" cy="0"/>
-        </a:xfrm>
-      </p:grpSpPr>
-      <p:pic>
-        <p:nvPicPr>
-          <p:cNvPr id="7170" name="Picture 2"/>
-          <p:cNvPicPr>
-            <a:picLocks noChangeAspect="1" noChangeArrowheads="1"/>
-          </p:cNvPicPr>
-          <p:nvPr/>
-        </p:nvPicPr>
-        <p:blipFill>
-          <a:blip r:embed="rId2">
-            <a:extLst>
-              <a:ext uri="{28A0092B-C50C-407E-A947-70E740481C1C}">
-                <a14:useLocalDpi xmlns:a14="http://schemas.microsoft.com/office/drawing/2010/main" val="0"/>
-              </a:ext>
-            </a:extLst>
-          </a:blip>
-          <a:srcRect/>
-          <a:stretch>
-            <a:fillRect/>
-          </a:stretch>
-        </p:blipFill>
-        <p:spPr bwMode="auto">
-          <a:xfrm>
-            <a:off x="76200" y="2057400"/>
-            <a:ext cx="9014891" cy="4713928"/>
-          </a:xfrm>
-          <a:prstGeom prst="rect">
-            <a:avLst/>
-          </a:prstGeom>
-          <a:noFill/>
-          <a:ln>
-            <a:noFill/>
-          </a:ln>
-          <a:effectLst/>
-          <a:extLst>
-            <a:ext uri="{909E8E84-426E-40DD-AFC4-6F175D3DCCD1}">
-              <a14:hiddenFill xmlns:a14="http://schemas.microsoft.com/office/drawing/2010/main">
-                <a:solidFill>
-                  <a:schemeClr val="accent1"/>
-                </a:solidFill>
-              </a14:hiddenFill>
-            </a:ext>
-            <a:ext uri="{91240B29-F687-4F45-9708-019B960494DF}">
-              <a14:hiddenLine xmlns:a14="http://schemas.microsoft.com/office/drawing/2010/main" w="9525">
-                <a:solidFill>
-                  <a:schemeClr val="tx1"/>
-                </a:solidFill>
-                <a:miter lim="800000"/>
-                <a:headEnd/>
-                <a:tailEnd/>
-              </a14:hiddenLine>
-            </a:ext>
-            <a:ext uri="{AF507438-7753-43E0-B8FC-AC1667EBCBE1}">
-              <a14:hiddenEffects xmlns:a14="http://schemas.microsoft.com/office/drawing/2010/main">
-                <a:effectLst>
-                  <a:outerShdw dist="35921" dir="2700000" algn="ctr" rotWithShape="0">
-                    <a:schemeClr val="bg2"/>
-                  </a:outerShdw>
-                </a:effectLst>
-              </a14:hiddenEffects>
-            </a:ext>
-          </a:extLst>
-        </p:spPr>
-      </p:pic>
-      <p:sp>
-        <p:nvSpPr>
-          <p:cNvPr id="2" name="Title 1"/>
-          <p:cNvSpPr>
-            <a:spLocks noGrp="1"/>
-          </p:cNvSpPr>
-          <p:nvPr>
-            <p:ph type="title"/>
-          </p:nvPr>
-        </p:nvSpPr>
-        <p:spPr/>
-        <p:txBody>
-          <a:bodyPr/>
-          <a:lstStyle/>
-          <a:p>
-            <a:r>
-              <a:rPr lang="en-US" dirty="0"/>
-              <a:t>Use Case </a:t>
-            </a:r>
-            <a:r>
-              <a:rPr lang="en-US" dirty="0" smtClean="0"/>
-              <a:t>Modeling </a:t>
-            </a:r>
-            <a:br>
-              <a:rPr lang="en-US" dirty="0" smtClean="0"/>
-            </a:br>
-            <a:r>
-              <a:rPr lang="en-US" sz="2400" dirty="0" smtClean="0"/>
-              <a:t>Sample 1: Search Project Member</a:t>
-            </a:r>
-            <a:endParaRPr lang="en-US" dirty="0"/>
-          </a:p>
-        </p:txBody>
-      </p:sp>
-      <p:sp>
-        <p:nvSpPr>
-          <p:cNvPr id="3" name="Content Placeholder 2"/>
-          <p:cNvSpPr>
-            <a:spLocks noGrp="1"/>
-          </p:cNvSpPr>
-          <p:nvPr>
-            <p:ph idx="1"/>
-          </p:nvPr>
-        </p:nvSpPr>
-        <p:spPr>
-          <a:xfrm>
-            <a:off x="228600" y="1524000"/>
-            <a:ext cx="8610600" cy="4411663"/>
-          </a:xfrm>
-        </p:spPr>
-        <p:txBody>
-          <a:bodyPr/>
-          <a:lstStyle/>
-          <a:p>
-            <a:pPr marL="1588" indent="-1588"/>
-            <a:r>
-              <a:rPr lang="en-US" sz="2000" b="1" dirty="0" smtClean="0"/>
-              <a:t>Description</a:t>
-            </a:r>
-            <a:r>
-              <a:rPr lang="en-US" sz="2400" b="1" dirty="0"/>
-              <a:t>: </a:t>
-            </a:r>
-            <a:r>
-              <a:rPr lang="en-US" sz="2000" dirty="0" smtClean="0"/>
-              <a:t>Let user search and view </a:t>
-            </a:r>
-            <a:r>
-              <a:rPr lang="en-US" sz="2000" dirty="0"/>
-              <a:t>the </a:t>
-            </a:r>
-            <a:r>
-              <a:rPr lang="en-US" sz="2000" dirty="0" smtClean="0"/>
-              <a:t>member </a:t>
-            </a:r>
-            <a:r>
-              <a:rPr lang="en-US" sz="2000" dirty="0"/>
-              <a:t>list of </a:t>
-            </a:r>
-            <a:r>
-              <a:rPr lang="en-US" sz="2000" dirty="0" smtClean="0"/>
-              <a:t>a project.</a:t>
-            </a:r>
-          </a:p>
-          <a:p>
-            <a:r>
-              <a:rPr lang="en-US" sz="2000" b="1" u="sng" dirty="0" smtClean="0"/>
-              <a:t>Interaction diagram</a:t>
-            </a:r>
-            <a:endParaRPr lang="en-US" sz="2000" b="1" u="sng" dirty="0"/>
-          </a:p>
-        </p:txBody>
-      </p:sp>
-    </p:spTree>
-    <p:extLst>
-      <p:ext uri="{BB962C8B-B14F-4D97-AF65-F5344CB8AC3E}">
-        <p14:creationId xmlns:p14="http://schemas.microsoft.com/office/powerpoint/2010/main" val="1219137844"/>
-      </p:ext>
-    </p:extLst>
-  </p:cSld>
-  <p:clrMapOvr>
-    <a:masterClrMapping/>
-  </p:clrMapOvr>
-  <p:timing>
-    <p:tnLst>
-      <p:par>
-        <p:cTn id="1" dur="indefinite" restart="never" nodeType="tmRoot"/>
-      </p:par>
-    </p:tnLst>
-  </p:timing>
-</p:sld>
-</file>
-
-<file path=ppt/slides/slide8.xml><?xml version="1.0" encoding="utf-8"?>
-<p:sld xmlns:a="http://schemas.openxmlformats.org/drawingml/2006/main" xmlns:r="http://schemas.openxmlformats.org/officeDocument/2006/relationships" xmlns:p="http://schemas.openxmlformats.org/presentationml/2006/main">
-  <p:cSld>
-    <p:spTree>
-      <p:nvGrpSpPr>
-        <p:cNvPr id="1" name=""/>
-        <p:cNvGrpSpPr/>
-        <p:nvPr/>
-      </p:nvGrpSpPr>
-      <p:grpSpPr>
-        <a:xfrm>
-          <a:off x="0" y="0"/>
-          <a:ext cx="0" cy="0"/>
-          <a:chOff x="0" y="0"/>
-          <a:chExt cx="0" cy="0"/>
-        </a:xfrm>
-      </p:grpSpPr>
-      <p:sp>
-        <p:nvSpPr>
-          <p:cNvPr id="2" name="Title 1"/>
-          <p:cNvSpPr>
-            <a:spLocks noGrp="1"/>
-          </p:cNvSpPr>
-          <p:nvPr>
-            <p:ph type="title"/>
-          </p:nvPr>
-        </p:nvSpPr>
-        <p:spPr/>
-        <p:txBody>
-          <a:bodyPr/>
-          <a:lstStyle/>
-          <a:p>
-            <a:r>
-              <a:rPr lang="en-US" dirty="0"/>
-              <a:t>Use Case Modeling </a:t>
-            </a:r>
-            <a:br>
-              <a:rPr lang="en-US" dirty="0"/>
-            </a:br>
-            <a:r>
-              <a:rPr lang="en-US" sz="2400" dirty="0"/>
-              <a:t>Sample 1: Search Project Member</a:t>
-            </a:r>
-            <a:endParaRPr lang="en-US" sz="2800" dirty="0"/>
-          </a:p>
-        </p:txBody>
-      </p:sp>
-      <p:sp>
-        <p:nvSpPr>
-          <p:cNvPr id="3" name="Content Placeholder 2"/>
-          <p:cNvSpPr>
-            <a:spLocks noGrp="1"/>
-          </p:cNvSpPr>
-          <p:nvPr>
-            <p:ph idx="1"/>
-          </p:nvPr>
-        </p:nvSpPr>
-        <p:spPr>
-          <a:xfrm>
-            <a:off x="228600" y="1524000"/>
-            <a:ext cx="8371764" cy="4953000"/>
-          </a:xfrm>
-        </p:spPr>
-        <p:txBody>
-          <a:bodyPr/>
-          <a:lstStyle/>
-          <a:p>
-            <a:pPr marL="1588" indent="15875"/>
-            <a:r>
-              <a:rPr lang="en-US" sz="2000" b="1" u="sng" dirty="0"/>
-              <a:t>Class diagram</a:t>
-            </a:r>
-          </a:p>
-        </p:txBody>
-      </p:sp>
-      <p:pic>
-        <p:nvPicPr>
-          <p:cNvPr id="2050" name="Picture 2" descr="26"/>
-          <p:cNvPicPr>
-            <a:picLocks noChangeAspect="1" noChangeArrowheads="1"/>
-          </p:cNvPicPr>
-          <p:nvPr/>
-        </p:nvPicPr>
-        <p:blipFill>
-          <a:blip r:embed="rId2">
-            <a:extLst>
-              <a:ext uri="{28A0092B-C50C-407E-A947-70E740481C1C}">
-                <a14:useLocalDpi xmlns:a14="http://schemas.microsoft.com/office/drawing/2010/main" val="0"/>
-              </a:ext>
-            </a:extLst>
-          </a:blip>
-          <a:srcRect/>
-          <a:stretch>
-            <a:fillRect/>
-          </a:stretch>
-        </p:blipFill>
-        <p:spPr bwMode="auto">
-          <a:xfrm>
-            <a:off x="222421" y="2133600"/>
-            <a:ext cx="8802953" cy="3962400"/>
+            <a:off x="304800" y="152400"/>
+            <a:ext cx="8699269" cy="5867400"/>
           </a:xfrm>
           <a:prstGeom prst="rect">
             <a:avLst/>
@@ -25265,7 +25244,7 @@
     </p:spTree>
     <p:extLst>
       <p:ext uri="{BB962C8B-B14F-4D97-AF65-F5344CB8AC3E}">
-        <p14:creationId xmlns:p14="http://schemas.microsoft.com/office/powerpoint/2010/main" val="3749085125"/>
+        <p14:creationId xmlns:p14="http://schemas.microsoft.com/office/powerpoint/2010/main" val="107169001"/>
       </p:ext>
     </p:extLst>
   </p:cSld>
@@ -25282,7 +25261,7 @@
 </p:sld>
 </file>
 
-<file path=ppt/slides/slide9.xml><?xml version="1.0" encoding="utf-8"?>
+<file path=ppt/slides/slide7.xml><?xml version="1.0" encoding="utf-8"?>
 <p:sld xmlns:a="http://schemas.openxmlformats.org/drawingml/2006/main" xmlns:r="http://schemas.openxmlformats.org/officeDocument/2006/relationships" xmlns:p="http://schemas.openxmlformats.org/presentationml/2006/main">
   <p:cSld>
     <p:spTree>
@@ -25327,7 +25306,15 @@
             </a:br>
             <a:r>
               <a:rPr lang="en-US" sz="2400" dirty="0" smtClean="0"/>
-              <a:t>Sample 2: Generate Certificate</a:t>
+              <a:t>Sample </a:t>
+            </a:r>
+            <a:r>
+              <a:rPr lang="en-US" sz="2400" dirty="0" smtClean="0"/>
+              <a:t>1: </a:t>
+            </a:r>
+            <a:r>
+              <a:rPr lang="en-US" sz="2400" dirty="0" smtClean="0"/>
+              <a:t>Generate Certificate</a:t>
             </a:r>
             <a:endParaRPr lang="en-US" dirty="0"/>
           </a:p>
@@ -25450,6 +25437,355 @@
     <p:extLst>
       <p:ext uri="{BB962C8B-B14F-4D97-AF65-F5344CB8AC3E}">
         <p14:creationId xmlns:p14="http://schemas.microsoft.com/office/powerpoint/2010/main" val="2481635434"/>
+      </p:ext>
+    </p:extLst>
+  </p:cSld>
+  <p:clrMapOvr>
+    <a:masterClrMapping/>
+  </p:clrMapOvr>
+  <p:timing>
+    <p:tnLst>
+      <p:par>
+        <p:cTn id="1" dur="indefinite" restart="never" nodeType="tmRoot"/>
+      </p:par>
+    </p:tnLst>
+  </p:timing>
+</p:sld>
+</file>
+
+<file path=ppt/slides/slide8.xml><?xml version="1.0" encoding="utf-8"?>
+<p:sld xmlns:a="http://schemas.openxmlformats.org/drawingml/2006/main" xmlns:r="http://schemas.openxmlformats.org/officeDocument/2006/relationships" xmlns:p="http://schemas.openxmlformats.org/presentationml/2006/main">
+  <p:cSld>
+    <p:spTree>
+      <p:nvGrpSpPr>
+        <p:cNvPr id="1" name=""/>
+        <p:cNvGrpSpPr/>
+        <p:nvPr/>
+      </p:nvGrpSpPr>
+      <p:grpSpPr>
+        <a:xfrm>
+          <a:off x="0" y="0"/>
+          <a:ext cx="0" cy="0"/>
+          <a:chOff x="0" y="0"/>
+          <a:chExt cx="0" cy="0"/>
+        </a:xfrm>
+      </p:grpSpPr>
+      <p:sp>
+        <p:nvSpPr>
+          <p:cNvPr id="2" name="Title 1"/>
+          <p:cNvSpPr>
+            <a:spLocks noGrp="1"/>
+          </p:cNvSpPr>
+          <p:nvPr>
+            <p:ph type="title"/>
+          </p:nvPr>
+        </p:nvSpPr>
+        <p:spPr/>
+        <p:txBody>
+          <a:bodyPr/>
+          <a:lstStyle/>
+          <a:p>
+            <a:r>
+              <a:rPr lang="en-US" dirty="0"/>
+              <a:t>Use Case Modeling </a:t>
+            </a:r>
+            <a:br>
+              <a:rPr lang="en-US" dirty="0"/>
+            </a:br>
+            <a:r>
+              <a:rPr lang="en-US" sz="2400" dirty="0"/>
+              <a:t>Sample </a:t>
+            </a:r>
+            <a:r>
+              <a:rPr lang="en-US" sz="2400" dirty="0" smtClean="0"/>
+              <a:t>1: </a:t>
+            </a:r>
+            <a:r>
+              <a:rPr lang="en-US" sz="2400" dirty="0" smtClean="0"/>
+              <a:t>Generate Certificate</a:t>
+            </a:r>
+            <a:endParaRPr lang="en-US" sz="2800" dirty="0"/>
+          </a:p>
+        </p:txBody>
+      </p:sp>
+      <p:sp>
+        <p:nvSpPr>
+          <p:cNvPr id="3" name="Content Placeholder 2"/>
+          <p:cNvSpPr>
+            <a:spLocks noGrp="1"/>
+          </p:cNvSpPr>
+          <p:nvPr>
+            <p:ph idx="1"/>
+          </p:nvPr>
+        </p:nvSpPr>
+        <p:spPr>
+          <a:xfrm>
+            <a:off x="228600" y="1524000"/>
+            <a:ext cx="8371764" cy="4953000"/>
+          </a:xfrm>
+        </p:spPr>
+        <p:txBody>
+          <a:bodyPr/>
+          <a:lstStyle/>
+          <a:p>
+            <a:pPr marL="1588" indent="15875"/>
+            <a:r>
+              <a:rPr lang="en-US" sz="2000" b="1" u="sng" dirty="0"/>
+              <a:t>Class diagram</a:t>
+            </a:r>
+          </a:p>
+        </p:txBody>
+      </p:sp>
+      <p:pic>
+        <p:nvPicPr>
+          <p:cNvPr id="4098" name="Picture 1"/>
+          <p:cNvPicPr>
+            <a:picLocks noChangeAspect="1" noChangeArrowheads="1"/>
+          </p:cNvPicPr>
+          <p:nvPr/>
+        </p:nvPicPr>
+        <p:blipFill>
+          <a:blip r:embed="rId2">
+            <a:extLst>
+              <a:ext uri="{28A0092B-C50C-407E-A947-70E740481C1C}">
+                <a14:useLocalDpi xmlns:a14="http://schemas.microsoft.com/office/drawing/2010/main" val="0"/>
+              </a:ext>
+            </a:extLst>
+          </a:blip>
+          <a:srcRect/>
+          <a:stretch>
+            <a:fillRect/>
+          </a:stretch>
+        </p:blipFill>
+        <p:spPr bwMode="auto">
+          <a:xfrm>
+            <a:off x="2057400" y="2286000"/>
+            <a:ext cx="4378569" cy="4065814"/>
+          </a:xfrm>
+          <a:prstGeom prst="rect">
+            <a:avLst/>
+          </a:prstGeom>
+          <a:noFill/>
+          <a:ln>
+            <a:noFill/>
+          </a:ln>
+          <a:extLst>
+            <a:ext uri="{909E8E84-426E-40DD-AFC4-6F175D3DCCD1}">
+              <a14:hiddenFill xmlns:a14="http://schemas.microsoft.com/office/drawing/2010/main">
+                <a:solidFill>
+                  <a:srgbClr val="FFFFFF"/>
+                </a:solidFill>
+              </a14:hiddenFill>
+            </a:ext>
+            <a:ext uri="{91240B29-F687-4F45-9708-019B960494DF}">
+              <a14:hiddenLine xmlns:a14="http://schemas.microsoft.com/office/drawing/2010/main" w="9525">
+                <a:solidFill>
+                  <a:srgbClr val="000000"/>
+                </a:solidFill>
+                <a:miter lim="800000"/>
+                <a:headEnd/>
+                <a:tailEnd/>
+              </a14:hiddenLine>
+            </a:ext>
+          </a:extLst>
+        </p:spPr>
+      </p:pic>
+    </p:spTree>
+    <p:extLst>
+      <p:ext uri="{BB962C8B-B14F-4D97-AF65-F5344CB8AC3E}">
+        <p14:creationId xmlns:p14="http://schemas.microsoft.com/office/powerpoint/2010/main" val="3699847220"/>
+      </p:ext>
+    </p:extLst>
+  </p:cSld>
+  <p:clrMapOvr>
+    <a:masterClrMapping/>
+  </p:clrMapOvr>
+  <p:timing>
+    <p:tnLst>
+      <p:par>
+        <p:cTn id="1" dur="indefinite" restart="never" nodeType="tmRoot"/>
+      </p:par>
+    </p:tnLst>
+  </p:timing>
+</p:sld>
+</file>
+
+<file path=ppt/slides/slide9.xml><?xml version="1.0" encoding="utf-8"?>
+<p:sld xmlns:a="http://schemas.openxmlformats.org/drawingml/2006/main" xmlns:r="http://schemas.openxmlformats.org/officeDocument/2006/relationships" xmlns:p="http://schemas.openxmlformats.org/presentationml/2006/main">
+  <p:cSld>
+    <p:spTree>
+      <p:nvGrpSpPr>
+        <p:cNvPr id="1" name=""/>
+        <p:cNvGrpSpPr/>
+        <p:nvPr/>
+      </p:nvGrpSpPr>
+      <p:grpSpPr>
+        <a:xfrm>
+          <a:off x="0" y="0"/>
+          <a:ext cx="0" cy="0"/>
+          <a:chOff x="0" y="0"/>
+          <a:chExt cx="0" cy="0"/>
+        </a:xfrm>
+      </p:grpSpPr>
+      <p:sp>
+        <p:nvSpPr>
+          <p:cNvPr id="2" name="Title 1"/>
+          <p:cNvSpPr>
+            <a:spLocks noGrp="1"/>
+          </p:cNvSpPr>
+          <p:nvPr>
+            <p:ph type="title"/>
+          </p:nvPr>
+        </p:nvSpPr>
+        <p:spPr/>
+        <p:txBody>
+          <a:bodyPr/>
+          <a:lstStyle/>
+          <a:p>
+            <a:r>
+              <a:rPr lang="en-US" dirty="0"/>
+              <a:t>Use Case </a:t>
+            </a:r>
+            <a:r>
+              <a:rPr lang="en-US" dirty="0" smtClean="0"/>
+              <a:t>Modeling </a:t>
+            </a:r>
+            <a:br>
+              <a:rPr lang="en-US" dirty="0" smtClean="0"/>
+            </a:br>
+            <a:r>
+              <a:rPr lang="en-US" sz="2400" dirty="0" smtClean="0"/>
+              <a:t>Sample </a:t>
+            </a:r>
+            <a:r>
+              <a:rPr lang="en-US" sz="2400" dirty="0" smtClean="0"/>
+              <a:t>2: </a:t>
+            </a:r>
+            <a:r>
+              <a:rPr lang="en-US" sz="2400" dirty="0" smtClean="0"/>
+              <a:t>Search Project Member</a:t>
+            </a:r>
+            <a:endParaRPr lang="en-US" dirty="0"/>
+          </a:p>
+        </p:txBody>
+      </p:sp>
+      <p:sp>
+        <p:nvSpPr>
+          <p:cNvPr id="3" name="Content Placeholder 2"/>
+          <p:cNvSpPr>
+            <a:spLocks noGrp="1"/>
+          </p:cNvSpPr>
+          <p:nvPr>
+            <p:ph idx="1"/>
+          </p:nvPr>
+        </p:nvSpPr>
+        <p:spPr>
+          <a:xfrm>
+            <a:off x="228600" y="1524000"/>
+            <a:ext cx="8610600" cy="4411663"/>
+          </a:xfrm>
+        </p:spPr>
+        <p:txBody>
+          <a:bodyPr/>
+          <a:lstStyle/>
+          <a:p>
+            <a:pPr marL="1588" indent="-1588"/>
+            <a:r>
+              <a:rPr lang="en-US" sz="2000" b="1" dirty="0" smtClean="0"/>
+              <a:t>Description</a:t>
+            </a:r>
+            <a:r>
+              <a:rPr lang="en-US" sz="2400" b="1" dirty="0"/>
+              <a:t>: </a:t>
+            </a:r>
+            <a:r>
+              <a:rPr lang="en-US" sz="2000" dirty="0" smtClean="0"/>
+              <a:t>Let user search and view </a:t>
+            </a:r>
+            <a:r>
+              <a:rPr lang="en-US" sz="2000" dirty="0"/>
+              <a:t>the </a:t>
+            </a:r>
+            <a:r>
+              <a:rPr lang="en-US" sz="2000" dirty="0" smtClean="0"/>
+              <a:t>member </a:t>
+            </a:r>
+            <a:r>
+              <a:rPr lang="en-US" sz="2000" dirty="0"/>
+              <a:t>list of </a:t>
+            </a:r>
+            <a:r>
+              <a:rPr lang="en-US" sz="2000" dirty="0" smtClean="0"/>
+              <a:t>a project.</a:t>
+            </a:r>
+          </a:p>
+          <a:p>
+            <a:r>
+              <a:rPr lang="en-US" sz="2000" b="1" u="sng" dirty="0" smtClean="0"/>
+              <a:t>Interaction diagram</a:t>
+            </a:r>
+            <a:endParaRPr lang="en-US" sz="2000" b="1" u="sng" dirty="0"/>
+          </a:p>
+        </p:txBody>
+      </p:sp>
+      <p:pic>
+        <p:nvPicPr>
+          <p:cNvPr id="2050" name="Picture 2" descr="26"/>
+          <p:cNvPicPr>
+            <a:picLocks noChangeAspect="1" noChangeArrowheads="1"/>
+          </p:cNvPicPr>
+          <p:nvPr/>
+        </p:nvPicPr>
+        <p:blipFill>
+          <a:blip r:embed="rId2">
+            <a:extLst>
+              <a:ext uri="{28A0092B-C50C-407E-A947-70E740481C1C}">
+                <a14:useLocalDpi xmlns:a14="http://schemas.microsoft.com/office/drawing/2010/main" val="0"/>
+              </a:ext>
+            </a:extLst>
+          </a:blip>
+          <a:srcRect/>
+          <a:stretch>
+            <a:fillRect/>
+          </a:stretch>
+        </p:blipFill>
+        <p:spPr bwMode="auto">
+          <a:xfrm>
+            <a:off x="228600" y="2514600"/>
+            <a:ext cx="8597462" cy="3352800"/>
+          </a:xfrm>
+          <a:prstGeom prst="rect">
+            <a:avLst/>
+          </a:prstGeom>
+          <a:noFill/>
+          <a:ln>
+            <a:noFill/>
+          </a:ln>
+          <a:extLst>
+            <a:ext uri="{909E8E84-426E-40DD-AFC4-6F175D3DCCD1}">
+              <a14:hiddenFill xmlns:a14="http://schemas.microsoft.com/office/drawing/2010/main">
+                <a:solidFill>
+                  <a:srgbClr val="FFFFFF"/>
+                </a:solidFill>
+              </a14:hiddenFill>
+            </a:ext>
+            <a:ext uri="{91240B29-F687-4F45-9708-019B960494DF}">
+              <a14:hiddenLine xmlns:a14="http://schemas.microsoft.com/office/drawing/2010/main" w="9525">
+                <a:solidFill>
+                  <a:srgbClr val="000000"/>
+                </a:solidFill>
+                <a:miter lim="800000"/>
+                <a:headEnd/>
+                <a:tailEnd/>
+              </a14:hiddenLine>
+            </a:ext>
+          </a:extLst>
+        </p:spPr>
+      </p:pic>
+    </p:spTree>
+    <p:extLst>
+      <p:ext uri="{BB962C8B-B14F-4D97-AF65-F5344CB8AC3E}">
+        <p14:creationId xmlns:p14="http://schemas.microsoft.com/office/powerpoint/2010/main" val="1219137844"/>
       </p:ext>
     </p:extLst>
   </p:cSld>

--- a/docs/W-9 Working Document/W-9.3 Presentation Slides/Phase 2/Submission/vms_presentation_2_v1.0.pptx
+++ b/docs/W-9 Working Document/W-9.3 Presentation Slides/Phase 2/Submission/vms_presentation_2_v1.0.pptx
@@ -3868,22 +3868,22 @@
     </dgm:pt>
   </dgm:ptLst>
   <dgm:cxnLst>
-    <dgm:cxn modelId="{C99778AD-4EA2-413E-988E-63DB77468AE8}" srcId="{EF1F78ED-E9D5-44E4-97D4-B3FEFD902986}" destId="{68CDD154-F438-49AE-AED8-77DB9EC9D634}" srcOrd="1" destOrd="0" parTransId="{80147D89-2F73-4A3C-8D2E-F94C278F0084}" sibTransId="{8E8D4616-98CD-450E-B33D-2C9FC2B13B55}"/>
-    <dgm:cxn modelId="{8F58D411-B0D3-49B8-8DB2-4EA8C96091D5}" type="presOf" srcId="{89B52B6D-D82C-42B0-BE38-A3B3D68F9C27}" destId="{FB899ED4-0995-40A2-A345-468203D60C81}" srcOrd="1" destOrd="0" presId="urn:microsoft.com/office/officeart/2005/8/layout/list1"/>
     <dgm:cxn modelId="{A3C9F58B-A2EE-444B-90C0-FC02C3F66175}" type="presOf" srcId="{885613C5-7A76-4AA0-92F0-EEDD9B446661}" destId="{81666E97-5860-45F1-88A5-99FAA589A582}" srcOrd="0" destOrd="0" presId="urn:microsoft.com/office/officeart/2005/8/layout/list1"/>
     <dgm:cxn modelId="{26E52850-E159-4B84-9BAE-D590FD1CD455}" type="presOf" srcId="{4209E399-DA0C-42D5-962A-8276C02AA8EC}" destId="{44B548FB-45D5-465C-AA05-763364E65BC9}" srcOrd="1" destOrd="0" presId="urn:microsoft.com/office/officeart/2005/8/layout/list1"/>
+    <dgm:cxn modelId="{FFD1B7FF-14F9-4CBB-8E58-FD9C5F7FEADE}" type="presOf" srcId="{68CDD154-F438-49AE-AED8-77DB9EC9D634}" destId="{66C22AF7-7E37-41D2-944C-F904CFD2965B}" srcOrd="1" destOrd="0" presId="urn:microsoft.com/office/officeart/2005/8/layout/list1"/>
+    <dgm:cxn modelId="{60E6AA33-A858-4310-A69D-E844E3184D77}" type="presOf" srcId="{4209E399-DA0C-42D5-962A-8276C02AA8EC}" destId="{C6C87D8D-4034-4397-984C-9BF8EEE0A79B}" srcOrd="0" destOrd="0" presId="urn:microsoft.com/office/officeart/2005/8/layout/list1"/>
+    <dgm:cxn modelId="{FDB03FEE-AFCB-4EB7-9D72-88B81A1DCBC1}" srcId="{EF1F78ED-E9D5-44E4-97D4-B3FEFD902986}" destId="{4209E399-DA0C-42D5-962A-8276C02AA8EC}" srcOrd="3" destOrd="0" parTransId="{7ED4465C-CF67-468F-ABD7-F54F46BB659F}" sibTransId="{F7F538C6-58F2-4EB2-9D5A-112410F40135}"/>
+    <dgm:cxn modelId="{C99778AD-4EA2-413E-988E-63DB77468AE8}" srcId="{EF1F78ED-E9D5-44E4-97D4-B3FEFD902986}" destId="{68CDD154-F438-49AE-AED8-77DB9EC9D634}" srcOrd="1" destOrd="0" parTransId="{80147D89-2F73-4A3C-8D2E-F94C278F0084}" sibTransId="{8E8D4616-98CD-450E-B33D-2C9FC2B13B55}"/>
+    <dgm:cxn modelId="{F60FB540-C952-4949-8589-E734F5994257}" type="presOf" srcId="{89B52B6D-D82C-42B0-BE38-A3B3D68F9C27}" destId="{0BB3654B-9C6D-4A61-87CC-E802B5686BC1}" srcOrd="0" destOrd="0" presId="urn:microsoft.com/office/officeart/2005/8/layout/list1"/>
     <dgm:cxn modelId="{04B3E604-C413-457E-B68C-5144C6DC9915}" srcId="{EF1F78ED-E9D5-44E4-97D4-B3FEFD902986}" destId="{89B52B6D-D82C-42B0-BE38-A3B3D68F9C27}" srcOrd="2" destOrd="0" parTransId="{A5642D67-0660-487A-A1E2-D092914AC2EB}" sibTransId="{86F3C531-528D-49DB-9EB7-8C6D718BDBE9}"/>
+    <dgm:cxn modelId="{EAD8F820-CBC1-48D7-A8A9-64A6FBEB2CD0}" type="presOf" srcId="{68CDD154-F438-49AE-AED8-77DB9EC9D634}" destId="{21C03DFF-8234-4BBD-95B9-2622D999B6CC}" srcOrd="0" destOrd="0" presId="urn:microsoft.com/office/officeart/2005/8/layout/list1"/>
+    <dgm:cxn modelId="{48EEECB1-3112-4C42-87DF-4BFE0EF38A24}" type="presOf" srcId="{BF9A83B9-8111-4B78-8600-312D1688C140}" destId="{25B48118-6B58-4064-9C50-F7B4852148FC}" srcOrd="1" destOrd="0" presId="urn:microsoft.com/office/officeart/2005/8/layout/list1"/>
     <dgm:cxn modelId="{C9E4C59F-1A71-4E66-84D4-AE84CE96437F}" type="presOf" srcId="{885613C5-7A76-4AA0-92F0-EEDD9B446661}" destId="{E1A9A929-FEE8-4155-9F48-FAC5EE533310}" srcOrd="1" destOrd="0" presId="urn:microsoft.com/office/officeart/2005/8/layout/list1"/>
+    <dgm:cxn modelId="{8F58D411-B0D3-49B8-8DB2-4EA8C96091D5}" type="presOf" srcId="{89B52B6D-D82C-42B0-BE38-A3B3D68F9C27}" destId="{FB899ED4-0995-40A2-A345-468203D60C81}" srcOrd="1" destOrd="0" presId="urn:microsoft.com/office/officeart/2005/8/layout/list1"/>
+    <dgm:cxn modelId="{D6122ACD-1685-43B1-9C5B-E1326B60B129}" type="presOf" srcId="{EF1F78ED-E9D5-44E4-97D4-B3FEFD902986}" destId="{DD69F0F8-C7C4-4EF4-8C1C-51E0155113CE}" srcOrd="0" destOrd="0" presId="urn:microsoft.com/office/officeart/2005/8/layout/list1"/>
+    <dgm:cxn modelId="{CB57BA4F-ABA8-48A9-9D26-B1279D4664BC}" srcId="{EF1F78ED-E9D5-44E4-97D4-B3FEFD902986}" destId="{BF9A83B9-8111-4B78-8600-312D1688C140}" srcOrd="4" destOrd="0" parTransId="{8FA8D553-4648-4D63-9876-6E7449F8F18A}" sibTransId="{9D0571FA-F277-43A1-BCD9-ED2072122346}"/>
     <dgm:cxn modelId="{41B59570-FE80-4E7F-9E79-0C4F1EE64B49}" srcId="{EF1F78ED-E9D5-44E4-97D4-B3FEFD902986}" destId="{885613C5-7A76-4AA0-92F0-EEDD9B446661}" srcOrd="0" destOrd="0" parTransId="{A964CD41-1FAB-4DC7-BFB1-8EFFD3ADEC73}" sibTransId="{6C21FB75-BC17-41CC-880D-0FB92EFFD8D8}"/>
-    <dgm:cxn modelId="{FFD1B7FF-14F9-4CBB-8E58-FD9C5F7FEADE}" type="presOf" srcId="{68CDD154-F438-49AE-AED8-77DB9EC9D634}" destId="{66C22AF7-7E37-41D2-944C-F904CFD2965B}" srcOrd="1" destOrd="0" presId="urn:microsoft.com/office/officeart/2005/8/layout/list1"/>
-    <dgm:cxn modelId="{CB57BA4F-ABA8-48A9-9D26-B1279D4664BC}" srcId="{EF1F78ED-E9D5-44E4-97D4-B3FEFD902986}" destId="{BF9A83B9-8111-4B78-8600-312D1688C140}" srcOrd="4" destOrd="0" parTransId="{8FA8D553-4648-4D63-9876-6E7449F8F18A}" sibTransId="{9D0571FA-F277-43A1-BCD9-ED2072122346}"/>
-    <dgm:cxn modelId="{D6122ACD-1685-43B1-9C5B-E1326B60B129}" type="presOf" srcId="{EF1F78ED-E9D5-44E4-97D4-B3FEFD902986}" destId="{DD69F0F8-C7C4-4EF4-8C1C-51E0155113CE}" srcOrd="0" destOrd="0" presId="urn:microsoft.com/office/officeart/2005/8/layout/list1"/>
-    <dgm:cxn modelId="{F60FB540-C952-4949-8589-E734F5994257}" type="presOf" srcId="{89B52B6D-D82C-42B0-BE38-A3B3D68F9C27}" destId="{0BB3654B-9C6D-4A61-87CC-E802B5686BC1}" srcOrd="0" destOrd="0" presId="urn:microsoft.com/office/officeart/2005/8/layout/list1"/>
-    <dgm:cxn modelId="{EAD8F820-CBC1-48D7-A8A9-64A6FBEB2CD0}" type="presOf" srcId="{68CDD154-F438-49AE-AED8-77DB9EC9D634}" destId="{21C03DFF-8234-4BBD-95B9-2622D999B6CC}" srcOrd="0" destOrd="0" presId="urn:microsoft.com/office/officeart/2005/8/layout/list1"/>
-    <dgm:cxn modelId="{60E6AA33-A858-4310-A69D-E844E3184D77}" type="presOf" srcId="{4209E399-DA0C-42D5-962A-8276C02AA8EC}" destId="{C6C87D8D-4034-4397-984C-9BF8EEE0A79B}" srcOrd="0" destOrd="0" presId="urn:microsoft.com/office/officeart/2005/8/layout/list1"/>
     <dgm:cxn modelId="{9797B96C-17EB-46FB-9167-2BD4C6C8E8B2}" type="presOf" srcId="{BF9A83B9-8111-4B78-8600-312D1688C140}" destId="{8ED20E6A-F08F-4955-95AA-301A4ACB2F6E}" srcOrd="0" destOrd="0" presId="urn:microsoft.com/office/officeart/2005/8/layout/list1"/>
-    <dgm:cxn modelId="{48EEECB1-3112-4C42-87DF-4BFE0EF38A24}" type="presOf" srcId="{BF9A83B9-8111-4B78-8600-312D1688C140}" destId="{25B48118-6B58-4064-9C50-F7B4852148FC}" srcOrd="1" destOrd="0" presId="urn:microsoft.com/office/officeart/2005/8/layout/list1"/>
-    <dgm:cxn modelId="{FDB03FEE-AFCB-4EB7-9D72-88B81A1DCBC1}" srcId="{EF1F78ED-E9D5-44E4-97D4-B3FEFD902986}" destId="{4209E399-DA0C-42D5-962A-8276C02AA8EC}" srcOrd="3" destOrd="0" parTransId="{7ED4465C-CF67-468F-ABD7-F54F46BB659F}" sibTransId="{F7F538C6-58F2-4EB2-9D5A-112410F40135}"/>
     <dgm:cxn modelId="{FE8DE26B-BE19-4828-A822-C5FFD39F086C}" type="presParOf" srcId="{DD69F0F8-C7C4-4EF4-8C1C-51E0155113CE}" destId="{2AC9D863-F73C-450B-9D85-60B005DA622F}" srcOrd="0" destOrd="0" presId="urn:microsoft.com/office/officeart/2005/8/layout/list1"/>
     <dgm:cxn modelId="{D99899A1-5174-4AE1-B68C-888903C0F203}" type="presParOf" srcId="{2AC9D863-F73C-450B-9D85-60B005DA622F}" destId="{81666E97-5860-45F1-88A5-99FAA589A582}" srcOrd="0" destOrd="0" presId="urn:microsoft.com/office/officeart/2005/8/layout/list1"/>
     <dgm:cxn modelId="{8E54FAD1-7DFD-4CAB-B580-2BCDC72E2854}" type="presParOf" srcId="{2AC9D863-F73C-450B-9D85-60B005DA622F}" destId="{E1A9A929-FEE8-4155-9F48-FAC5EE533310}" srcOrd="1" destOrd="0" presId="urn:microsoft.com/office/officeart/2005/8/layout/list1"/>
@@ -3918,7 +3918,7 @@
   <dgm:whole/>
   <dgm:extLst>
     <a:ext uri="http://schemas.microsoft.com/office/drawing/2008/diagram">
-      <dsp:dataModelExt xmlns:dsp="http://schemas.microsoft.com/office/drawing/2008/diagram" relId="rId6" minVer="http://schemas.openxmlformats.org/drawingml/2006/diagram"/>
+      <dsp:dataModelExt xmlns:dsp="http://schemas.microsoft.com/office/drawing/2008/diagram" xmlns="" relId="rId6" minVer="http://schemas.openxmlformats.org/drawingml/2006/diagram"/>
     </a:ext>
   </dgm:extLst>
 </dgm:dataModel>
@@ -4149,17 +4149,17 @@
     </dgm:pt>
   </dgm:ptLst>
   <dgm:cxnLst>
+    <dgm:cxn modelId="{F18AB1FE-0025-496D-BE04-40DF17B8D59D}" type="presOf" srcId="{DC9B3652-DE2A-4335-B0FB-3045EDEEA6A8}" destId="{40A287E9-C42B-4334-9643-572CE6DD897B}" srcOrd="0" destOrd="0" presId="urn:microsoft.com/office/officeart/2005/8/layout/process2"/>
+    <dgm:cxn modelId="{5BC899BC-FAF8-41E4-9EA1-66AA57398186}" type="presOf" srcId="{50A8F3E4-F51A-4E67-BB1C-EFC8155DD776}" destId="{C5BE00BD-745C-43E7-912B-9157D7920E0A}" srcOrd="0" destOrd="0" presId="urn:microsoft.com/office/officeart/2005/8/layout/process2"/>
     <dgm:cxn modelId="{0F92CF51-8E61-460B-8E99-6FCFD7D21AC4}" type="presOf" srcId="{3ED2506A-D607-4A12-8A50-AC72420F3F00}" destId="{715D256F-02F7-4191-B84E-3A4C6CD8FFC5}" srcOrd="0" destOrd="0" presId="urn:microsoft.com/office/officeart/2005/8/layout/process2"/>
+    <dgm:cxn modelId="{BAA27956-6A5E-4829-BFFD-6D60B13C8EAC}" type="presOf" srcId="{0E522B13-F764-4BC6-83A0-CA4F5944C6E0}" destId="{BFBD83CE-AD3D-4B36-AFD4-F505FE96449E}" srcOrd="0" destOrd="0" presId="urn:microsoft.com/office/officeart/2005/8/layout/process2"/>
+    <dgm:cxn modelId="{E8BC3270-1B78-42AA-98F0-9309B2A170EE}" type="presOf" srcId="{8CAA25DF-3B38-443D-A48F-CCAB7142450C}" destId="{4DA5EE49-8168-4D22-9537-7BE4A3708548}" srcOrd="0" destOrd="0" presId="urn:microsoft.com/office/officeart/2005/8/layout/process2"/>
+    <dgm:cxn modelId="{B120A2B9-9B85-406D-954D-6713BD88FF5C}" srcId="{DC9B3652-DE2A-4335-B0FB-3045EDEEA6A8}" destId="{3ED2506A-D607-4A12-8A50-AC72420F3F00}" srcOrd="0" destOrd="0" parTransId="{E8D3A7A7-32F7-4A63-91CB-C04C53F7C046}" sibTransId="{50A8F3E4-F51A-4E67-BB1C-EFC8155DD776}"/>
+    <dgm:cxn modelId="{442EB815-09F3-4564-824E-AF9A49E81176}" srcId="{DC9B3652-DE2A-4335-B0FB-3045EDEEA6A8}" destId="{0E522B13-F764-4BC6-83A0-CA4F5944C6E0}" srcOrd="1" destOrd="0" parTransId="{D0C64C9C-06C7-4696-B64E-72EB6765D37D}" sibTransId="{B7FC2DBC-2209-4B52-A6BB-A5B96B108E97}"/>
+    <dgm:cxn modelId="{B5133DE3-4354-4D03-B7CF-D23477E96DD9}" srcId="{DC9B3652-DE2A-4335-B0FB-3045EDEEA6A8}" destId="{8CAA25DF-3B38-443D-A48F-CCAB7142450C}" srcOrd="2" destOrd="0" parTransId="{4BD1F383-75F3-4570-947F-2F89081482BF}" sibTransId="{186EB40E-0379-4173-8900-E632C05B1B0B}"/>
+    <dgm:cxn modelId="{1E76EC3B-6F04-4B8F-9B08-F745AF155804}" type="presOf" srcId="{B7FC2DBC-2209-4B52-A6BB-A5B96B108E97}" destId="{30F2A522-5361-42FD-BDF3-9AAF9B6E48CD}" srcOrd="0" destOrd="0" presId="urn:microsoft.com/office/officeart/2005/8/layout/process2"/>
     <dgm:cxn modelId="{8181B420-CCBA-47B0-99DB-8B0F75FCFC67}" type="presOf" srcId="{50A8F3E4-F51A-4E67-BB1C-EFC8155DD776}" destId="{5EF98626-1B98-4F0E-B74A-248A9D343D4B}" srcOrd="1" destOrd="0" presId="urn:microsoft.com/office/officeart/2005/8/layout/process2"/>
-    <dgm:cxn modelId="{B5133DE3-4354-4D03-B7CF-D23477E96DD9}" srcId="{DC9B3652-DE2A-4335-B0FB-3045EDEEA6A8}" destId="{8CAA25DF-3B38-443D-A48F-CCAB7142450C}" srcOrd="2" destOrd="0" parTransId="{4BD1F383-75F3-4570-947F-2F89081482BF}" sibTransId="{186EB40E-0379-4173-8900-E632C05B1B0B}"/>
-    <dgm:cxn modelId="{442EB815-09F3-4564-824E-AF9A49E81176}" srcId="{DC9B3652-DE2A-4335-B0FB-3045EDEEA6A8}" destId="{0E522B13-F764-4BC6-83A0-CA4F5944C6E0}" srcOrd="1" destOrd="0" parTransId="{D0C64C9C-06C7-4696-B64E-72EB6765D37D}" sibTransId="{B7FC2DBC-2209-4B52-A6BB-A5B96B108E97}"/>
-    <dgm:cxn modelId="{E8BC3270-1B78-42AA-98F0-9309B2A170EE}" type="presOf" srcId="{8CAA25DF-3B38-443D-A48F-CCAB7142450C}" destId="{4DA5EE49-8168-4D22-9537-7BE4A3708548}" srcOrd="0" destOrd="0" presId="urn:microsoft.com/office/officeart/2005/8/layout/process2"/>
-    <dgm:cxn modelId="{F18AB1FE-0025-496D-BE04-40DF17B8D59D}" type="presOf" srcId="{DC9B3652-DE2A-4335-B0FB-3045EDEEA6A8}" destId="{40A287E9-C42B-4334-9643-572CE6DD897B}" srcOrd="0" destOrd="0" presId="urn:microsoft.com/office/officeart/2005/8/layout/process2"/>
     <dgm:cxn modelId="{801EFD6F-FC26-4BA6-AA03-29FB41AE3CC1}" type="presOf" srcId="{B7FC2DBC-2209-4B52-A6BB-A5B96B108E97}" destId="{D7B61D4E-81AD-4336-8A85-CB458552E574}" srcOrd="1" destOrd="0" presId="urn:microsoft.com/office/officeart/2005/8/layout/process2"/>
-    <dgm:cxn modelId="{1E76EC3B-6F04-4B8F-9B08-F745AF155804}" type="presOf" srcId="{B7FC2DBC-2209-4B52-A6BB-A5B96B108E97}" destId="{30F2A522-5361-42FD-BDF3-9AAF9B6E48CD}" srcOrd="0" destOrd="0" presId="urn:microsoft.com/office/officeart/2005/8/layout/process2"/>
-    <dgm:cxn modelId="{B120A2B9-9B85-406D-954D-6713BD88FF5C}" srcId="{DC9B3652-DE2A-4335-B0FB-3045EDEEA6A8}" destId="{3ED2506A-D607-4A12-8A50-AC72420F3F00}" srcOrd="0" destOrd="0" parTransId="{E8D3A7A7-32F7-4A63-91CB-C04C53F7C046}" sibTransId="{50A8F3E4-F51A-4E67-BB1C-EFC8155DD776}"/>
-    <dgm:cxn modelId="{BAA27956-6A5E-4829-BFFD-6D60B13C8EAC}" type="presOf" srcId="{0E522B13-F764-4BC6-83A0-CA4F5944C6E0}" destId="{BFBD83CE-AD3D-4B36-AFD4-F505FE96449E}" srcOrd="0" destOrd="0" presId="urn:microsoft.com/office/officeart/2005/8/layout/process2"/>
-    <dgm:cxn modelId="{5BC899BC-FAF8-41E4-9EA1-66AA57398186}" type="presOf" srcId="{50A8F3E4-F51A-4E67-BB1C-EFC8155DD776}" destId="{C5BE00BD-745C-43E7-912B-9157D7920E0A}" srcOrd="0" destOrd="0" presId="urn:microsoft.com/office/officeart/2005/8/layout/process2"/>
     <dgm:cxn modelId="{08C7413F-9BBB-42CA-B81C-A9C03F1F5B27}" type="presParOf" srcId="{40A287E9-C42B-4334-9643-572CE6DD897B}" destId="{715D256F-02F7-4191-B84E-3A4C6CD8FFC5}" srcOrd="0" destOrd="0" presId="urn:microsoft.com/office/officeart/2005/8/layout/process2"/>
     <dgm:cxn modelId="{990F8155-4613-4776-AD5A-E5F243E154A7}" type="presParOf" srcId="{40A287E9-C42B-4334-9643-572CE6DD897B}" destId="{C5BE00BD-745C-43E7-912B-9157D7920E0A}" srcOrd="1" destOrd="0" presId="urn:microsoft.com/office/officeart/2005/8/layout/process2"/>
     <dgm:cxn modelId="{543C2B9E-731F-4B2F-B780-7C67A2CFC07B}" type="presParOf" srcId="{C5BE00BD-745C-43E7-912B-9157D7920E0A}" destId="{5EF98626-1B98-4F0E-B74A-248A9D343D4B}" srcOrd="0" destOrd="0" presId="urn:microsoft.com/office/officeart/2005/8/layout/process2"/>
@@ -4172,7 +4172,7 @@
   <dgm:whole/>
   <dgm:extLst>
     <a:ext uri="http://schemas.microsoft.com/office/drawing/2008/diagram">
-      <dsp:dataModelExt xmlns:dsp="http://schemas.microsoft.com/office/drawing/2008/diagram" relId="rId6" minVer="http://schemas.openxmlformats.org/drawingml/2006/diagram"/>
+      <dsp:dataModelExt xmlns:dsp="http://schemas.microsoft.com/office/drawing/2008/diagram" xmlns="" relId="rId6" minVer="http://schemas.openxmlformats.org/drawingml/2006/diagram"/>
     </a:ext>
   </dgm:extLst>
 </dgm:dataModel>
@@ -4476,20 +4476,20 @@
   </dgm:ptLst>
   <dgm:cxnLst>
     <dgm:cxn modelId="{FCD099FA-4F06-4275-9DF4-7552D29FA9CB}" type="presOf" srcId="{3ED2506A-D607-4A12-8A50-AC72420F3F00}" destId="{715D256F-02F7-4191-B84E-3A4C6CD8FFC5}" srcOrd="0" destOrd="0" presId="urn:microsoft.com/office/officeart/2005/8/layout/process2"/>
-    <dgm:cxn modelId="{3674EAE9-5C2E-4F0D-9BE7-5234E85DC312}" type="presOf" srcId="{8CAA25DF-3B38-443D-A48F-CCAB7142450C}" destId="{4DA5EE49-8168-4D22-9537-7BE4A3708548}" srcOrd="0" destOrd="0" presId="urn:microsoft.com/office/officeart/2005/8/layout/process2"/>
     <dgm:cxn modelId="{1417121F-BF3C-49F7-91CD-28895F1A9C54}" type="presOf" srcId="{50A8F3E4-F51A-4E67-BB1C-EFC8155DD776}" destId="{5EF98626-1B98-4F0E-B74A-248A9D343D4B}" srcOrd="1" destOrd="0" presId="urn:microsoft.com/office/officeart/2005/8/layout/process2"/>
+    <dgm:cxn modelId="{FD02D3B5-4382-4110-B6E3-38F56D702F7F}" type="presOf" srcId="{186EB40E-0379-4173-8900-E632C05B1B0B}" destId="{B95826F5-EC8D-4A7F-8A27-E8AB981A9383}" srcOrd="1" destOrd="0" presId="urn:microsoft.com/office/officeart/2005/8/layout/process2"/>
+    <dgm:cxn modelId="{6811263B-3ADE-4806-BEED-B5669D3BD03F}" type="presOf" srcId="{50A8F3E4-F51A-4E67-BB1C-EFC8155DD776}" destId="{C5BE00BD-745C-43E7-912B-9157D7920E0A}" srcOrd="0" destOrd="0" presId="urn:microsoft.com/office/officeart/2005/8/layout/process2"/>
     <dgm:cxn modelId="{3A49BE87-DDE8-4117-90E1-4D1F43716916}" type="presOf" srcId="{B7FC2DBC-2209-4B52-A6BB-A5B96B108E97}" destId="{30F2A522-5361-42FD-BDF3-9AAF9B6E48CD}" srcOrd="0" destOrd="0" presId="urn:microsoft.com/office/officeart/2005/8/layout/process2"/>
     <dgm:cxn modelId="{AE85E0F8-3E84-4834-ACE2-FEF364977D56}" srcId="{DC9B3652-DE2A-4335-B0FB-3045EDEEA6A8}" destId="{F9D03C1F-FCD3-47EE-8DD0-0D1606D84F14}" srcOrd="3" destOrd="0" parTransId="{9873DB66-AF3B-4D25-B308-EBD2C0797D8B}" sibTransId="{53717F26-050D-4185-9F29-62773EF64F6B}"/>
     <dgm:cxn modelId="{57875DBF-32A5-4055-B5DD-2D37F8209E9F}" type="presOf" srcId="{F9D03C1F-FCD3-47EE-8DD0-0D1606D84F14}" destId="{AE75F7EB-863A-409D-A3CE-B00CBC7A14AA}" srcOrd="0" destOrd="0" presId="urn:microsoft.com/office/officeart/2005/8/layout/process2"/>
-    <dgm:cxn modelId="{FD02D3B5-4382-4110-B6E3-38F56D702F7F}" type="presOf" srcId="{186EB40E-0379-4173-8900-E632C05B1B0B}" destId="{B95826F5-EC8D-4A7F-8A27-E8AB981A9383}" srcOrd="1" destOrd="0" presId="urn:microsoft.com/office/officeart/2005/8/layout/process2"/>
+    <dgm:cxn modelId="{3674EAE9-5C2E-4F0D-9BE7-5234E85DC312}" type="presOf" srcId="{8CAA25DF-3B38-443D-A48F-CCAB7142450C}" destId="{4DA5EE49-8168-4D22-9537-7BE4A3708548}" srcOrd="0" destOrd="0" presId="urn:microsoft.com/office/officeart/2005/8/layout/process2"/>
+    <dgm:cxn modelId="{B120A2B9-9B85-406D-954D-6713BD88FF5C}" srcId="{DC9B3652-DE2A-4335-B0FB-3045EDEEA6A8}" destId="{3ED2506A-D607-4A12-8A50-AC72420F3F00}" srcOrd="0" destOrd="0" parTransId="{E8D3A7A7-32F7-4A63-91CB-C04C53F7C046}" sibTransId="{50A8F3E4-F51A-4E67-BB1C-EFC8155DD776}"/>
+    <dgm:cxn modelId="{1F632DDF-2108-42D1-8F30-E4933BE2547B}" type="presOf" srcId="{DC9B3652-DE2A-4335-B0FB-3045EDEEA6A8}" destId="{40A287E9-C42B-4334-9643-572CE6DD897B}" srcOrd="0" destOrd="0" presId="urn:microsoft.com/office/officeart/2005/8/layout/process2"/>
     <dgm:cxn modelId="{B5133DE3-4354-4D03-B7CF-D23477E96DD9}" srcId="{DC9B3652-DE2A-4335-B0FB-3045EDEEA6A8}" destId="{8CAA25DF-3B38-443D-A48F-CCAB7142450C}" srcOrd="2" destOrd="0" parTransId="{4BD1F383-75F3-4570-947F-2F89081482BF}" sibTransId="{186EB40E-0379-4173-8900-E632C05B1B0B}"/>
-    <dgm:cxn modelId="{1F632DDF-2108-42D1-8F30-E4933BE2547B}" type="presOf" srcId="{DC9B3652-DE2A-4335-B0FB-3045EDEEA6A8}" destId="{40A287E9-C42B-4334-9643-572CE6DD897B}" srcOrd="0" destOrd="0" presId="urn:microsoft.com/office/officeart/2005/8/layout/process2"/>
+    <dgm:cxn modelId="{25EFED14-9170-49F6-B528-DAADC8ECC110}" type="presOf" srcId="{186EB40E-0379-4173-8900-E632C05B1B0B}" destId="{7876155E-F8DD-4EF2-AD82-9C7F7224B37D}" srcOrd="0" destOrd="0" presId="urn:microsoft.com/office/officeart/2005/8/layout/process2"/>
     <dgm:cxn modelId="{442EB815-09F3-4564-824E-AF9A49E81176}" srcId="{DC9B3652-DE2A-4335-B0FB-3045EDEEA6A8}" destId="{0E522B13-F764-4BC6-83A0-CA4F5944C6E0}" srcOrd="1" destOrd="0" parTransId="{D0C64C9C-06C7-4696-B64E-72EB6765D37D}" sibTransId="{B7FC2DBC-2209-4B52-A6BB-A5B96B108E97}"/>
-    <dgm:cxn modelId="{25EFED14-9170-49F6-B528-DAADC8ECC110}" type="presOf" srcId="{186EB40E-0379-4173-8900-E632C05B1B0B}" destId="{7876155E-F8DD-4EF2-AD82-9C7F7224B37D}" srcOrd="0" destOrd="0" presId="urn:microsoft.com/office/officeart/2005/8/layout/process2"/>
-    <dgm:cxn modelId="{B120A2B9-9B85-406D-954D-6713BD88FF5C}" srcId="{DC9B3652-DE2A-4335-B0FB-3045EDEEA6A8}" destId="{3ED2506A-D607-4A12-8A50-AC72420F3F00}" srcOrd="0" destOrd="0" parTransId="{E8D3A7A7-32F7-4A63-91CB-C04C53F7C046}" sibTransId="{50A8F3E4-F51A-4E67-BB1C-EFC8155DD776}"/>
+    <dgm:cxn modelId="{AEECC6F0-8467-4F89-8B15-DD935CF58F61}" type="presOf" srcId="{B7FC2DBC-2209-4B52-A6BB-A5B96B108E97}" destId="{D7B61D4E-81AD-4336-8A85-CB458552E574}" srcOrd="1" destOrd="0" presId="urn:microsoft.com/office/officeart/2005/8/layout/process2"/>
     <dgm:cxn modelId="{C028BE47-A9CE-4C17-A602-3B095B3FB67D}" type="presOf" srcId="{0E522B13-F764-4BC6-83A0-CA4F5944C6E0}" destId="{BFBD83CE-AD3D-4B36-AFD4-F505FE96449E}" srcOrd="0" destOrd="0" presId="urn:microsoft.com/office/officeart/2005/8/layout/process2"/>
-    <dgm:cxn modelId="{6811263B-3ADE-4806-BEED-B5669D3BD03F}" type="presOf" srcId="{50A8F3E4-F51A-4E67-BB1C-EFC8155DD776}" destId="{C5BE00BD-745C-43E7-912B-9157D7920E0A}" srcOrd="0" destOrd="0" presId="urn:microsoft.com/office/officeart/2005/8/layout/process2"/>
-    <dgm:cxn modelId="{AEECC6F0-8467-4F89-8B15-DD935CF58F61}" type="presOf" srcId="{B7FC2DBC-2209-4B52-A6BB-A5B96B108E97}" destId="{D7B61D4E-81AD-4336-8A85-CB458552E574}" srcOrd="1" destOrd="0" presId="urn:microsoft.com/office/officeart/2005/8/layout/process2"/>
     <dgm:cxn modelId="{122CEEBD-C34A-4231-B9CB-A3E1F536048E}" type="presParOf" srcId="{40A287E9-C42B-4334-9643-572CE6DD897B}" destId="{715D256F-02F7-4191-B84E-3A4C6CD8FFC5}" srcOrd="0" destOrd="0" presId="urn:microsoft.com/office/officeart/2005/8/layout/process2"/>
     <dgm:cxn modelId="{F5362749-61C6-45FF-A9EB-47247277E8DC}" type="presParOf" srcId="{40A287E9-C42B-4334-9643-572CE6DD897B}" destId="{C5BE00BD-745C-43E7-912B-9157D7920E0A}" srcOrd="1" destOrd="0" presId="urn:microsoft.com/office/officeart/2005/8/layout/process2"/>
     <dgm:cxn modelId="{3890D6AB-0335-43DB-970C-C41282978FDA}" type="presParOf" srcId="{C5BE00BD-745C-43E7-912B-9157D7920E0A}" destId="{5EF98626-1B98-4F0E-B74A-248A9D343D4B}" srcOrd="0" destOrd="0" presId="urn:microsoft.com/office/officeart/2005/8/layout/process2"/>
@@ -4505,7 +4505,7 @@
   <dgm:whole/>
   <dgm:extLst>
     <a:ext uri="http://schemas.microsoft.com/office/drawing/2008/diagram">
-      <dsp:dataModelExt xmlns:dsp="http://schemas.microsoft.com/office/drawing/2008/diagram" relId="rId11" minVer="http://schemas.openxmlformats.org/drawingml/2006/diagram"/>
+      <dsp:dataModelExt xmlns:dsp="http://schemas.microsoft.com/office/drawing/2008/diagram" xmlns="" relId="rId11" minVer="http://schemas.openxmlformats.org/drawingml/2006/diagram"/>
     </a:ext>
   </dgm:extLst>
 </dgm:dataModel>
@@ -4591,14 +4591,14 @@
   <dgm:whole/>
   <dgm:extLst>
     <a:ext uri="http://schemas.microsoft.com/office/drawing/2008/diagram">
-      <dsp:dataModelExt xmlns:dsp="http://schemas.microsoft.com/office/drawing/2008/diagram" relId="rId16" minVer="http://schemas.openxmlformats.org/drawingml/2006/diagram"/>
+      <dsp:dataModelExt xmlns:dsp="http://schemas.microsoft.com/office/drawing/2008/diagram" xmlns="" relId="rId16" minVer="http://schemas.openxmlformats.org/drawingml/2006/diagram"/>
     </a:ext>
   </dgm:extLst>
 </dgm:dataModel>
 </file>
 
 <file path=ppt/diagrams/drawing1.xml><?xml version="1.0" encoding="utf-8"?>
-<dsp:drawing xmlns:dgm="http://schemas.openxmlformats.org/drawingml/2006/diagram" xmlns:dsp="http://schemas.microsoft.com/office/drawing/2008/diagram" xmlns:a="http://schemas.openxmlformats.org/drawingml/2006/main">
+<dsp:drawing xmlns:dgm="http://schemas.openxmlformats.org/drawingml/2006/diagram" xmlns:a="http://schemas.openxmlformats.org/drawingml/2006/main" xmlns:dsp="http://schemas.microsoft.com/office/drawing/2008/diagram">
   <dsp:spTree>
     <dsp:nvGrpSpPr>
       <dsp:cNvPr id="0" name=""/>
@@ -4764,8 +4764,8 @@
         </a:p>
       </dsp:txBody>
       <dsp:txXfrm>
-        <a:off x="390673" y="94624"/>
-        <a:ext cx="5192734" cy="319654"/>
+        <a:off x="373380" y="77331"/>
+        <a:ext cx="5227320" cy="354240"/>
       </dsp:txXfrm>
     </dsp:sp>
     <dsp:sp modelId="{F6B0ED51-C4BD-4727-BD27-53060818C439}">
@@ -4927,8 +4927,8 @@
         </a:p>
       </dsp:txBody>
       <dsp:txXfrm>
-        <a:off x="390673" y="638944"/>
-        <a:ext cx="5192734" cy="319654"/>
+        <a:off x="373380" y="621651"/>
+        <a:ext cx="5227320" cy="354240"/>
       </dsp:txXfrm>
     </dsp:sp>
     <dsp:sp modelId="{6F1F44CC-2CF6-4D1F-9380-EB8B891F3B87}">
@@ -5090,8 +5090,8 @@
         </a:p>
       </dsp:txBody>
       <dsp:txXfrm>
-        <a:off x="390673" y="1183264"/>
-        <a:ext cx="5192734" cy="319654"/>
+        <a:off x="373380" y="1165971"/>
+        <a:ext cx="5227320" cy="354240"/>
       </dsp:txXfrm>
     </dsp:sp>
     <dsp:sp modelId="{1B040495-5579-4301-BCA9-162DC725BE9B}">
@@ -5253,8 +5253,8 @@
         </a:p>
       </dsp:txBody>
       <dsp:txXfrm>
-        <a:off x="390673" y="1727584"/>
-        <a:ext cx="5192734" cy="319654"/>
+        <a:off x="373380" y="1710291"/>
+        <a:ext cx="5227320" cy="354240"/>
       </dsp:txXfrm>
     </dsp:sp>
     <dsp:sp modelId="{40AFF034-79FB-446D-A396-A1D78C5E83DA}">
@@ -5416,8 +5416,8 @@
         </a:p>
       </dsp:txBody>
       <dsp:txXfrm>
-        <a:off x="390673" y="2271904"/>
-        <a:ext cx="5192734" cy="319654"/>
+        <a:off x="373380" y="2254611"/>
+        <a:ext cx="5227320" cy="354240"/>
       </dsp:txXfrm>
     </dsp:sp>
   </dsp:spTree>
@@ -5425,1030 +5425,37 @@
 </file>
 
 <file path=ppt/diagrams/drawing2.xml><?xml version="1.0" encoding="utf-8"?>
-<dsp:drawing xmlns:dgm="http://schemas.openxmlformats.org/drawingml/2006/diagram" xmlns:dsp="http://schemas.microsoft.com/office/drawing/2008/diagram" xmlns:a="http://schemas.openxmlformats.org/drawingml/2006/main">
+<dsp:drawing xmlns:dgm="http://schemas.openxmlformats.org/drawingml/2006/diagram" xmlns:a="http://schemas.openxmlformats.org/drawingml/2006/main" xmlns:dsp="http://schemas.microsoft.com/office/drawing/2008/diagram">
   <dsp:spTree>
     <dsp:nvGrpSpPr>
       <dsp:cNvPr id="0" name=""/>
       <dsp:cNvGrpSpPr/>
     </dsp:nvGrpSpPr>
     <dsp:grpSpPr/>
-    <dsp:sp modelId="{715D256F-02F7-4191-B84E-3A4C6CD8FFC5}">
-      <dsp:nvSpPr>
-        <dsp:cNvPr id="0" name=""/>
-        <dsp:cNvSpPr/>
-      </dsp:nvSpPr>
-      <dsp:spPr>
-        <a:xfrm>
-          <a:off x="228600" y="0"/>
-          <a:ext cx="1828800" cy="1016000"/>
-        </a:xfrm>
-        <a:prstGeom prst="roundRect">
-          <a:avLst>
-            <a:gd name="adj" fmla="val 10000"/>
-          </a:avLst>
-        </a:prstGeom>
-        <a:solidFill>
-          <a:schemeClr val="accent1">
-            <a:hueOff val="0"/>
-            <a:satOff val="0"/>
-            <a:lumOff val="0"/>
-            <a:alphaOff val="0"/>
-          </a:schemeClr>
-        </a:solidFill>
-        <a:ln w="25400" cap="flat" cmpd="sng" algn="ctr">
-          <a:solidFill>
-            <a:schemeClr val="lt1">
-              <a:hueOff val="0"/>
-              <a:satOff val="0"/>
-              <a:lumOff val="0"/>
-              <a:alphaOff val="0"/>
-            </a:schemeClr>
-          </a:solidFill>
-          <a:prstDash val="solid"/>
-        </a:ln>
-        <a:effectLst/>
-      </dsp:spPr>
-      <dsp:style>
-        <a:lnRef idx="2">
-          <a:scrgbClr r="0" g="0" b="0"/>
-        </a:lnRef>
-        <a:fillRef idx="1">
-          <a:scrgbClr r="0" g="0" b="0"/>
-        </a:fillRef>
-        <a:effectRef idx="0">
-          <a:scrgbClr r="0" g="0" b="0"/>
-        </a:effectRef>
-        <a:fontRef idx="minor">
-          <a:schemeClr val="lt1"/>
-        </a:fontRef>
-      </dsp:style>
-      <dsp:txBody>
-        <a:bodyPr spcFirstLastPara="0" vert="horz" wrap="square" lIns="76200" tIns="76200" rIns="76200" bIns="76200" numCol="1" spcCol="1270" anchor="ctr" anchorCtr="0">
-          <a:noAutofit/>
-        </a:bodyPr>
-        <a:lstStyle/>
-        <a:p>
-          <a:pPr lvl="0" algn="ctr" defTabSz="889000">
-            <a:lnSpc>
-              <a:spcPct val="90000"/>
-            </a:lnSpc>
-            <a:spcBef>
-              <a:spcPct val="0"/>
-            </a:spcBef>
-            <a:spcAft>
-              <a:spcPct val="35000"/>
-            </a:spcAft>
-          </a:pPr>
-          <a:r>
-            <a:rPr lang="en-US" sz="2000" kern="1200" dirty="0" smtClean="0"/>
-            <a:t>Prototyping</a:t>
-          </a:r>
-          <a:endParaRPr lang="en-US" sz="2000" kern="1200" dirty="0"/>
-        </a:p>
-      </dsp:txBody>
-      <dsp:txXfrm>
-        <a:off x="258358" y="29758"/>
-        <a:ext cx="1769284" cy="956484"/>
-      </dsp:txXfrm>
-    </dsp:sp>
-    <dsp:sp modelId="{C5BE00BD-745C-43E7-912B-9157D7920E0A}">
-      <dsp:nvSpPr>
-        <dsp:cNvPr id="0" name=""/>
-        <dsp:cNvSpPr/>
-      </dsp:nvSpPr>
-      <dsp:spPr>
-        <a:xfrm rot="5400000">
-          <a:off x="952500" y="1041399"/>
-          <a:ext cx="380999" cy="457200"/>
-        </a:xfrm>
-        <a:prstGeom prst="rightArrow">
-          <a:avLst>
-            <a:gd name="adj1" fmla="val 60000"/>
-            <a:gd name="adj2" fmla="val 50000"/>
-          </a:avLst>
-        </a:prstGeom>
-        <a:solidFill>
-          <a:schemeClr val="accent1">
-            <a:tint val="60000"/>
-            <a:hueOff val="0"/>
-            <a:satOff val="0"/>
-            <a:lumOff val="0"/>
-            <a:alphaOff val="0"/>
-          </a:schemeClr>
-        </a:solidFill>
-        <a:ln>
-          <a:noFill/>
-        </a:ln>
-        <a:effectLst/>
-      </dsp:spPr>
-      <dsp:style>
-        <a:lnRef idx="0">
-          <a:scrgbClr r="0" g="0" b="0"/>
-        </a:lnRef>
-        <a:fillRef idx="1">
-          <a:scrgbClr r="0" g="0" b="0"/>
-        </a:fillRef>
-        <a:effectRef idx="0">
-          <a:scrgbClr r="0" g="0" b="0"/>
-        </a:effectRef>
-        <a:fontRef idx="minor">
-          <a:schemeClr val="lt1"/>
-        </a:fontRef>
-      </dsp:style>
-      <dsp:txBody>
-        <a:bodyPr spcFirstLastPara="0" vert="horz" wrap="square" lIns="0" tIns="0" rIns="0" bIns="0" numCol="1" spcCol="1270" anchor="ctr" anchorCtr="0">
-          <a:noAutofit/>
-        </a:bodyPr>
-        <a:lstStyle/>
-        <a:p>
-          <a:pPr lvl="0" algn="ctr" defTabSz="711200">
-            <a:lnSpc>
-              <a:spcPct val="90000"/>
-            </a:lnSpc>
-            <a:spcBef>
-              <a:spcPct val="0"/>
-            </a:spcBef>
-            <a:spcAft>
-              <a:spcPct val="35000"/>
-            </a:spcAft>
-          </a:pPr>
-          <a:endParaRPr lang="en-US" sz="1600" kern="1200"/>
-        </a:p>
-      </dsp:txBody>
-      <dsp:txXfrm rot="-5400000">
-        <a:off x="1005840" y="1079499"/>
-        <a:ext cx="274320" cy="266699"/>
-      </dsp:txXfrm>
-    </dsp:sp>
-    <dsp:sp modelId="{BFBD83CE-AD3D-4B36-AFD4-F505FE96449E}">
-      <dsp:nvSpPr>
-        <dsp:cNvPr id="0" name=""/>
-        <dsp:cNvSpPr/>
-      </dsp:nvSpPr>
-      <dsp:spPr>
-        <a:xfrm>
-          <a:off x="228600" y="1523999"/>
-          <a:ext cx="1828800" cy="1016000"/>
-        </a:xfrm>
-        <a:prstGeom prst="roundRect">
-          <a:avLst>
-            <a:gd name="adj" fmla="val 10000"/>
-          </a:avLst>
-        </a:prstGeom>
-        <a:solidFill>
-          <a:schemeClr val="accent1">
-            <a:hueOff val="0"/>
-            <a:satOff val="0"/>
-            <a:lumOff val="0"/>
-            <a:alphaOff val="0"/>
-          </a:schemeClr>
-        </a:solidFill>
-        <a:ln w="25400" cap="flat" cmpd="sng" algn="ctr">
-          <a:solidFill>
-            <a:schemeClr val="lt1">
-              <a:hueOff val="0"/>
-              <a:satOff val="0"/>
-              <a:lumOff val="0"/>
-              <a:alphaOff val="0"/>
-            </a:schemeClr>
-          </a:solidFill>
-          <a:prstDash val="solid"/>
-        </a:ln>
-        <a:effectLst/>
-      </dsp:spPr>
-      <dsp:style>
-        <a:lnRef idx="2">
-          <a:scrgbClr r="0" g="0" b="0"/>
-        </a:lnRef>
-        <a:fillRef idx="1">
-          <a:scrgbClr r="0" g="0" b="0"/>
-        </a:fillRef>
-        <a:effectRef idx="0">
-          <a:scrgbClr r="0" g="0" b="0"/>
-        </a:effectRef>
-        <a:fontRef idx="minor">
-          <a:schemeClr val="lt1"/>
-        </a:fontRef>
-      </dsp:style>
-      <dsp:txBody>
-        <a:bodyPr spcFirstLastPara="0" vert="horz" wrap="square" lIns="76200" tIns="76200" rIns="76200" bIns="76200" numCol="1" spcCol="1270" anchor="ctr" anchorCtr="0">
-          <a:noAutofit/>
-        </a:bodyPr>
-        <a:lstStyle/>
-        <a:p>
-          <a:pPr lvl="0" algn="ctr" defTabSz="889000">
-            <a:lnSpc>
-              <a:spcPct val="90000"/>
-            </a:lnSpc>
-            <a:spcBef>
-              <a:spcPct val="0"/>
-            </a:spcBef>
-            <a:spcAft>
-              <a:spcPct val="35000"/>
-            </a:spcAft>
-          </a:pPr>
-          <a:r>
-            <a:rPr lang="en-US" sz="2000" kern="1200" dirty="0" smtClean="0"/>
-            <a:t>Use Case Modeling</a:t>
-          </a:r>
-          <a:endParaRPr lang="en-US" sz="2000" kern="1200" dirty="0"/>
-        </a:p>
-      </dsp:txBody>
-      <dsp:txXfrm>
-        <a:off x="258358" y="1553757"/>
-        <a:ext cx="1769284" cy="956484"/>
-      </dsp:txXfrm>
-    </dsp:sp>
-    <dsp:sp modelId="{30F2A522-5361-42FD-BDF3-9AAF9B6E48CD}">
-      <dsp:nvSpPr>
-        <dsp:cNvPr id="0" name=""/>
-        <dsp:cNvSpPr/>
-      </dsp:nvSpPr>
-      <dsp:spPr>
-        <a:xfrm rot="5400000">
-          <a:off x="952500" y="2565399"/>
-          <a:ext cx="381000" cy="457200"/>
-        </a:xfrm>
-        <a:prstGeom prst="rightArrow">
-          <a:avLst>
-            <a:gd name="adj1" fmla="val 60000"/>
-            <a:gd name="adj2" fmla="val 50000"/>
-          </a:avLst>
-        </a:prstGeom>
-        <a:solidFill>
-          <a:schemeClr val="accent1">
-            <a:tint val="60000"/>
-            <a:hueOff val="0"/>
-            <a:satOff val="0"/>
-            <a:lumOff val="0"/>
-            <a:alphaOff val="0"/>
-          </a:schemeClr>
-        </a:solidFill>
-        <a:ln>
-          <a:noFill/>
-        </a:ln>
-        <a:effectLst/>
-      </dsp:spPr>
-      <dsp:style>
-        <a:lnRef idx="0">
-          <a:scrgbClr r="0" g="0" b="0"/>
-        </a:lnRef>
-        <a:fillRef idx="1">
-          <a:scrgbClr r="0" g="0" b="0"/>
-        </a:fillRef>
-        <a:effectRef idx="0">
-          <a:scrgbClr r="0" g="0" b="0"/>
-        </a:effectRef>
-        <a:fontRef idx="minor">
-          <a:schemeClr val="lt1"/>
-        </a:fontRef>
-      </dsp:style>
-      <dsp:txBody>
-        <a:bodyPr spcFirstLastPara="0" vert="horz" wrap="square" lIns="0" tIns="0" rIns="0" bIns="0" numCol="1" spcCol="1270" anchor="ctr" anchorCtr="0">
-          <a:noAutofit/>
-        </a:bodyPr>
-        <a:lstStyle/>
-        <a:p>
-          <a:pPr lvl="0" algn="ctr" defTabSz="711200">
-            <a:lnSpc>
-              <a:spcPct val="90000"/>
-            </a:lnSpc>
-            <a:spcBef>
-              <a:spcPct val="0"/>
-            </a:spcBef>
-            <a:spcAft>
-              <a:spcPct val="35000"/>
-            </a:spcAft>
-          </a:pPr>
-          <a:endParaRPr lang="en-US" sz="1600" kern="1200"/>
-        </a:p>
-      </dsp:txBody>
-      <dsp:txXfrm rot="-5400000">
-        <a:off x="1005840" y="2603499"/>
-        <a:ext cx="274320" cy="266700"/>
-      </dsp:txXfrm>
-    </dsp:sp>
-    <dsp:sp modelId="{4DA5EE49-8168-4D22-9537-7BE4A3708548}">
-      <dsp:nvSpPr>
-        <dsp:cNvPr id="0" name=""/>
-        <dsp:cNvSpPr/>
-      </dsp:nvSpPr>
-      <dsp:spPr>
-        <a:xfrm>
-          <a:off x="228600" y="3047999"/>
-          <a:ext cx="1828800" cy="1016000"/>
-        </a:xfrm>
-        <a:prstGeom prst="roundRect">
-          <a:avLst>
-            <a:gd name="adj" fmla="val 10000"/>
-          </a:avLst>
-        </a:prstGeom>
-        <a:solidFill>
-          <a:schemeClr val="accent1">
-            <a:hueOff val="0"/>
-            <a:satOff val="0"/>
-            <a:lumOff val="0"/>
-            <a:alphaOff val="0"/>
-          </a:schemeClr>
-        </a:solidFill>
-        <a:ln w="25400" cap="flat" cmpd="sng" algn="ctr">
-          <a:solidFill>
-            <a:schemeClr val="lt1">
-              <a:hueOff val="0"/>
-              <a:satOff val="0"/>
-              <a:lumOff val="0"/>
-              <a:alphaOff val="0"/>
-            </a:schemeClr>
-          </a:solidFill>
-          <a:prstDash val="solid"/>
-        </a:ln>
-        <a:effectLst/>
-      </dsp:spPr>
-      <dsp:style>
-        <a:lnRef idx="2">
-          <a:scrgbClr r="0" g="0" b="0"/>
-        </a:lnRef>
-        <a:fillRef idx="1">
-          <a:scrgbClr r="0" g="0" b="0"/>
-        </a:fillRef>
-        <a:effectRef idx="0">
-          <a:scrgbClr r="0" g="0" b="0"/>
-        </a:effectRef>
-        <a:fontRef idx="minor">
-          <a:schemeClr val="lt1"/>
-        </a:fontRef>
-      </dsp:style>
-      <dsp:txBody>
-        <a:bodyPr spcFirstLastPara="0" vert="horz" wrap="square" lIns="76200" tIns="76200" rIns="76200" bIns="76200" numCol="1" spcCol="1270" anchor="ctr" anchorCtr="0">
-          <a:noAutofit/>
-        </a:bodyPr>
-        <a:lstStyle/>
-        <a:p>
-          <a:pPr lvl="0" algn="ctr" defTabSz="889000">
-            <a:lnSpc>
-              <a:spcPct val="90000"/>
-            </a:lnSpc>
-            <a:spcBef>
-              <a:spcPct val="0"/>
-            </a:spcBef>
-            <a:spcAft>
-              <a:spcPct val="35000"/>
-            </a:spcAft>
-          </a:pPr>
-          <a:r>
-            <a:rPr lang="en-US" sz="2000" kern="1200" dirty="0" smtClean="0"/>
-            <a:t>Use Case </a:t>
-          </a:r>
-          <a:r>
-            <a:rPr lang="en-US" sz="2000" kern="1200" dirty="0" err="1" smtClean="0"/>
-            <a:t>Realisation</a:t>
-          </a:r>
-          <a:r>
-            <a:rPr lang="en-US" sz="2000" kern="1200" dirty="0" smtClean="0"/>
-            <a:t> Report</a:t>
-          </a:r>
-          <a:endParaRPr lang="en-US" sz="2000" kern="1200" dirty="0"/>
-        </a:p>
-      </dsp:txBody>
-      <dsp:txXfrm>
-        <a:off x="258358" y="3077757"/>
-        <a:ext cx="1769284" cy="956484"/>
-      </dsp:txXfrm>
-    </dsp:sp>
   </dsp:spTree>
 </dsp:drawing>
 </file>
 
 <file path=ppt/diagrams/drawing3.xml><?xml version="1.0" encoding="utf-8"?>
-<dsp:drawing xmlns:dgm="http://schemas.openxmlformats.org/drawingml/2006/diagram" xmlns:dsp="http://schemas.microsoft.com/office/drawing/2008/diagram" xmlns:a="http://schemas.openxmlformats.org/drawingml/2006/main">
+<dsp:drawing xmlns:dgm="http://schemas.openxmlformats.org/drawingml/2006/diagram" xmlns:a="http://schemas.openxmlformats.org/drawingml/2006/main" xmlns:dsp="http://schemas.microsoft.com/office/drawing/2008/diagram">
   <dsp:spTree>
     <dsp:nvGrpSpPr>
       <dsp:cNvPr id="0" name=""/>
       <dsp:cNvGrpSpPr/>
     </dsp:nvGrpSpPr>
     <dsp:grpSpPr/>
-    <dsp:sp modelId="{715D256F-02F7-4191-B84E-3A4C6CD8FFC5}">
-      <dsp:nvSpPr>
-        <dsp:cNvPr id="0" name=""/>
-        <dsp:cNvSpPr/>
-      </dsp:nvSpPr>
-      <dsp:spPr>
-        <a:xfrm>
-          <a:off x="380413" y="1984"/>
-          <a:ext cx="1753772" cy="738187"/>
-        </a:xfrm>
-        <a:prstGeom prst="roundRect">
-          <a:avLst>
-            <a:gd name="adj" fmla="val 10000"/>
-          </a:avLst>
-        </a:prstGeom>
-        <a:solidFill>
-          <a:schemeClr val="accent1">
-            <a:hueOff val="0"/>
-            <a:satOff val="0"/>
-            <a:lumOff val="0"/>
-            <a:alphaOff val="0"/>
-          </a:schemeClr>
-        </a:solidFill>
-        <a:ln w="25400" cap="flat" cmpd="sng" algn="ctr">
-          <a:solidFill>
-            <a:schemeClr val="lt1">
-              <a:hueOff val="0"/>
-              <a:satOff val="0"/>
-              <a:lumOff val="0"/>
-              <a:alphaOff val="0"/>
-            </a:schemeClr>
-          </a:solidFill>
-          <a:prstDash val="solid"/>
-        </a:ln>
-        <a:effectLst/>
-      </dsp:spPr>
-      <dsp:style>
-        <a:lnRef idx="2">
-          <a:scrgbClr r="0" g="0" b="0"/>
-        </a:lnRef>
-        <a:fillRef idx="1">
-          <a:scrgbClr r="0" g="0" b="0"/>
-        </a:fillRef>
-        <a:effectRef idx="0">
-          <a:scrgbClr r="0" g="0" b="0"/>
-        </a:effectRef>
-        <a:fontRef idx="minor">
-          <a:schemeClr val="lt1"/>
-        </a:fontRef>
-      </dsp:style>
-      <dsp:txBody>
-        <a:bodyPr spcFirstLastPara="0" vert="horz" wrap="square" lIns="68580" tIns="68580" rIns="68580" bIns="68580" numCol="1" spcCol="1270" anchor="ctr" anchorCtr="0">
-          <a:noAutofit/>
-        </a:bodyPr>
-        <a:lstStyle/>
-        <a:p>
-          <a:pPr lvl="0" algn="ctr" defTabSz="800100">
-            <a:lnSpc>
-              <a:spcPct val="90000"/>
-            </a:lnSpc>
-            <a:spcBef>
-              <a:spcPct val="0"/>
-            </a:spcBef>
-            <a:spcAft>
-              <a:spcPct val="35000"/>
-            </a:spcAft>
-          </a:pPr>
-          <a:r>
-            <a:rPr lang="en-US" sz="1800" b="1" kern="1200" dirty="0" smtClean="0">
-              <a:latin typeface="Calibri" pitchFamily="34" charset="0"/>
-            </a:rPr>
-            <a:t>High-level System Design</a:t>
-          </a:r>
-          <a:endParaRPr lang="en-US" sz="1800" b="1" kern="1200" dirty="0"/>
-        </a:p>
-      </dsp:txBody>
-      <dsp:txXfrm>
-        <a:off x="402034" y="23605"/>
-        <a:ext cx="1710530" cy="694945"/>
-      </dsp:txXfrm>
-    </dsp:sp>
-    <dsp:sp modelId="{C5BE00BD-745C-43E7-912B-9157D7920E0A}">
-      <dsp:nvSpPr>
-        <dsp:cNvPr id="0" name=""/>
-        <dsp:cNvSpPr/>
-      </dsp:nvSpPr>
-      <dsp:spPr>
-        <a:xfrm rot="5400000">
-          <a:off x="1118889" y="758626"/>
-          <a:ext cx="276820" cy="332184"/>
-        </a:xfrm>
-        <a:prstGeom prst="rightArrow">
-          <a:avLst>
-            <a:gd name="adj1" fmla="val 60000"/>
-            <a:gd name="adj2" fmla="val 50000"/>
-          </a:avLst>
-        </a:prstGeom>
-        <a:solidFill>
-          <a:schemeClr val="accent1">
-            <a:tint val="60000"/>
-            <a:hueOff val="0"/>
-            <a:satOff val="0"/>
-            <a:lumOff val="0"/>
-            <a:alphaOff val="0"/>
-          </a:schemeClr>
-        </a:solidFill>
-        <a:ln>
-          <a:noFill/>
-        </a:ln>
-        <a:effectLst/>
-      </dsp:spPr>
-      <dsp:style>
-        <a:lnRef idx="0">
-          <a:scrgbClr r="0" g="0" b="0"/>
-        </a:lnRef>
-        <a:fillRef idx="1">
-          <a:scrgbClr r="0" g="0" b="0"/>
-        </a:fillRef>
-        <a:effectRef idx="0">
-          <a:scrgbClr r="0" g="0" b="0"/>
-        </a:effectRef>
-        <a:fontRef idx="minor">
-          <a:schemeClr val="lt1"/>
-        </a:fontRef>
-      </dsp:style>
-      <dsp:txBody>
-        <a:bodyPr spcFirstLastPara="0" vert="horz" wrap="square" lIns="0" tIns="0" rIns="0" bIns="0" numCol="1" spcCol="1270" anchor="ctr" anchorCtr="0">
-          <a:noAutofit/>
-        </a:bodyPr>
-        <a:lstStyle/>
-        <a:p>
-          <a:pPr lvl="0" algn="ctr" defTabSz="622300">
-            <a:lnSpc>
-              <a:spcPct val="90000"/>
-            </a:lnSpc>
-            <a:spcBef>
-              <a:spcPct val="0"/>
-            </a:spcBef>
-            <a:spcAft>
-              <a:spcPct val="35000"/>
-            </a:spcAft>
-          </a:pPr>
-          <a:endParaRPr lang="en-US" sz="1400" kern="1200"/>
-        </a:p>
-      </dsp:txBody>
-      <dsp:txXfrm rot="-5400000">
-        <a:off x="1157644" y="786308"/>
-        <a:ext cx="199310" cy="193774"/>
-      </dsp:txXfrm>
-    </dsp:sp>
-    <dsp:sp modelId="{BFBD83CE-AD3D-4B36-AFD4-F505FE96449E}">
-      <dsp:nvSpPr>
-        <dsp:cNvPr id="0" name=""/>
-        <dsp:cNvSpPr/>
-      </dsp:nvSpPr>
-      <dsp:spPr>
-        <a:xfrm>
-          <a:off x="380413" y="1109265"/>
-          <a:ext cx="1753772" cy="738187"/>
-        </a:xfrm>
-        <a:prstGeom prst="roundRect">
-          <a:avLst>
-            <a:gd name="adj" fmla="val 10000"/>
-          </a:avLst>
-        </a:prstGeom>
-        <a:solidFill>
-          <a:schemeClr val="accent1">
-            <a:hueOff val="0"/>
-            <a:satOff val="0"/>
-            <a:lumOff val="0"/>
-            <a:alphaOff val="0"/>
-          </a:schemeClr>
-        </a:solidFill>
-        <a:ln w="25400" cap="flat" cmpd="sng" algn="ctr">
-          <a:solidFill>
-            <a:schemeClr val="lt1">
-              <a:hueOff val="0"/>
-              <a:satOff val="0"/>
-              <a:lumOff val="0"/>
-              <a:alphaOff val="0"/>
-            </a:schemeClr>
-          </a:solidFill>
-          <a:prstDash val="solid"/>
-        </a:ln>
-        <a:effectLst/>
-      </dsp:spPr>
-      <dsp:style>
-        <a:lnRef idx="2">
-          <a:scrgbClr r="0" g="0" b="0"/>
-        </a:lnRef>
-        <a:fillRef idx="1">
-          <a:scrgbClr r="0" g="0" b="0"/>
-        </a:fillRef>
-        <a:effectRef idx="0">
-          <a:scrgbClr r="0" g="0" b="0"/>
-        </a:effectRef>
-        <a:fontRef idx="minor">
-          <a:schemeClr val="lt1"/>
-        </a:fontRef>
-      </dsp:style>
-      <dsp:txBody>
-        <a:bodyPr spcFirstLastPara="0" vert="horz" wrap="square" lIns="68580" tIns="68580" rIns="68580" bIns="68580" numCol="1" spcCol="1270" anchor="ctr" anchorCtr="0">
-          <a:noAutofit/>
-        </a:bodyPr>
-        <a:lstStyle/>
-        <a:p>
-          <a:pPr lvl="0" algn="ctr" defTabSz="800100">
-            <a:lnSpc>
-              <a:spcPct val="90000"/>
-            </a:lnSpc>
-            <a:spcBef>
-              <a:spcPct val="0"/>
-            </a:spcBef>
-            <a:spcAft>
-              <a:spcPct val="35000"/>
-            </a:spcAft>
-          </a:pPr>
-          <a:r>
-            <a:rPr lang="en-US" sz="1800" b="1" kern="1200" dirty="0" smtClean="0">
-              <a:latin typeface="Calibri" pitchFamily="34" charset="0"/>
-            </a:rPr>
-            <a:t>Detailed Design</a:t>
-          </a:r>
-          <a:endParaRPr lang="en-US" sz="1800" b="1" kern="1200" dirty="0"/>
-        </a:p>
-      </dsp:txBody>
-      <dsp:txXfrm>
-        <a:off x="402034" y="1130886"/>
-        <a:ext cx="1710530" cy="694945"/>
-      </dsp:txXfrm>
-    </dsp:sp>
-    <dsp:sp modelId="{30F2A522-5361-42FD-BDF3-9AAF9B6E48CD}">
-      <dsp:nvSpPr>
-        <dsp:cNvPr id="0" name=""/>
-        <dsp:cNvSpPr/>
-      </dsp:nvSpPr>
-      <dsp:spPr>
-        <a:xfrm rot="5400000">
-          <a:off x="1118889" y="1865907"/>
-          <a:ext cx="276820" cy="332184"/>
-        </a:xfrm>
-        <a:prstGeom prst="rightArrow">
-          <a:avLst>
-            <a:gd name="adj1" fmla="val 60000"/>
-            <a:gd name="adj2" fmla="val 50000"/>
-          </a:avLst>
-        </a:prstGeom>
-        <a:solidFill>
-          <a:schemeClr val="accent1">
-            <a:tint val="60000"/>
-            <a:hueOff val="0"/>
-            <a:satOff val="0"/>
-            <a:lumOff val="0"/>
-            <a:alphaOff val="0"/>
-          </a:schemeClr>
-        </a:solidFill>
-        <a:ln>
-          <a:noFill/>
-        </a:ln>
-        <a:effectLst/>
-      </dsp:spPr>
-      <dsp:style>
-        <a:lnRef idx="0">
-          <a:scrgbClr r="0" g="0" b="0"/>
-        </a:lnRef>
-        <a:fillRef idx="1">
-          <a:scrgbClr r="0" g="0" b="0"/>
-        </a:fillRef>
-        <a:effectRef idx="0">
-          <a:scrgbClr r="0" g="0" b="0"/>
-        </a:effectRef>
-        <a:fontRef idx="minor">
-          <a:schemeClr val="lt1"/>
-        </a:fontRef>
-      </dsp:style>
-      <dsp:txBody>
-        <a:bodyPr spcFirstLastPara="0" vert="horz" wrap="square" lIns="0" tIns="0" rIns="0" bIns="0" numCol="1" spcCol="1270" anchor="ctr" anchorCtr="0">
-          <a:noAutofit/>
-        </a:bodyPr>
-        <a:lstStyle/>
-        <a:p>
-          <a:pPr lvl="0" algn="ctr" defTabSz="622300">
-            <a:lnSpc>
-              <a:spcPct val="90000"/>
-            </a:lnSpc>
-            <a:spcBef>
-              <a:spcPct val="0"/>
-            </a:spcBef>
-            <a:spcAft>
-              <a:spcPct val="35000"/>
-            </a:spcAft>
-          </a:pPr>
-          <a:endParaRPr lang="en-US" sz="1400" kern="1200"/>
-        </a:p>
-      </dsp:txBody>
-      <dsp:txXfrm rot="-5400000">
-        <a:off x="1157644" y="1893589"/>
-        <a:ext cx="199310" cy="193774"/>
-      </dsp:txXfrm>
-    </dsp:sp>
-    <dsp:sp modelId="{4DA5EE49-8168-4D22-9537-7BE4A3708548}">
-      <dsp:nvSpPr>
-        <dsp:cNvPr id="0" name=""/>
-        <dsp:cNvSpPr/>
-      </dsp:nvSpPr>
-      <dsp:spPr>
-        <a:xfrm>
-          <a:off x="380413" y="2216546"/>
-          <a:ext cx="1753772" cy="738187"/>
-        </a:xfrm>
-        <a:prstGeom prst="roundRect">
-          <a:avLst>
-            <a:gd name="adj" fmla="val 10000"/>
-          </a:avLst>
-        </a:prstGeom>
-        <a:solidFill>
-          <a:schemeClr val="accent1">
-            <a:hueOff val="0"/>
-            <a:satOff val="0"/>
-            <a:lumOff val="0"/>
-            <a:alphaOff val="0"/>
-          </a:schemeClr>
-        </a:solidFill>
-        <a:ln w="25400" cap="flat" cmpd="sng" algn="ctr">
-          <a:solidFill>
-            <a:schemeClr val="lt1">
-              <a:hueOff val="0"/>
-              <a:satOff val="0"/>
-              <a:lumOff val="0"/>
-              <a:alphaOff val="0"/>
-            </a:schemeClr>
-          </a:solidFill>
-          <a:prstDash val="solid"/>
-        </a:ln>
-        <a:effectLst/>
-      </dsp:spPr>
-      <dsp:style>
-        <a:lnRef idx="2">
-          <a:scrgbClr r="0" g="0" b="0"/>
-        </a:lnRef>
-        <a:fillRef idx="1">
-          <a:scrgbClr r="0" g="0" b="0"/>
-        </a:fillRef>
-        <a:effectRef idx="0">
-          <a:scrgbClr r="0" g="0" b="0"/>
-        </a:effectRef>
-        <a:fontRef idx="minor">
-          <a:schemeClr val="lt1"/>
-        </a:fontRef>
-      </dsp:style>
-      <dsp:txBody>
-        <a:bodyPr spcFirstLastPara="0" vert="horz" wrap="square" lIns="68580" tIns="68580" rIns="68580" bIns="68580" numCol="1" spcCol="1270" anchor="ctr" anchorCtr="0">
-          <a:noAutofit/>
-        </a:bodyPr>
-        <a:lstStyle/>
-        <a:p>
-          <a:pPr lvl="0" algn="ctr" defTabSz="800100">
-            <a:lnSpc>
-              <a:spcPct val="90000"/>
-            </a:lnSpc>
-            <a:spcBef>
-              <a:spcPct val="0"/>
-            </a:spcBef>
-            <a:spcAft>
-              <a:spcPct val="35000"/>
-            </a:spcAft>
-          </a:pPr>
-          <a:r>
-            <a:rPr lang="en-US" sz="1800" b="1" kern="1200" dirty="0" smtClean="0">
-              <a:latin typeface="Calibri" pitchFamily="34" charset="0"/>
-            </a:rPr>
-            <a:t>Implementation</a:t>
-          </a:r>
-          <a:endParaRPr lang="en-US" sz="1800" b="1" kern="1200" dirty="0"/>
-        </a:p>
-      </dsp:txBody>
-      <dsp:txXfrm>
-        <a:off x="402034" y="2238167"/>
-        <a:ext cx="1710530" cy="694945"/>
-      </dsp:txXfrm>
-    </dsp:sp>
-    <dsp:sp modelId="{7876155E-F8DD-4EF2-AD82-9C7F7224B37D}">
-      <dsp:nvSpPr>
-        <dsp:cNvPr id="0" name=""/>
-        <dsp:cNvSpPr/>
-      </dsp:nvSpPr>
-      <dsp:spPr>
-        <a:xfrm rot="5400000">
-          <a:off x="1118889" y="2973189"/>
-          <a:ext cx="276820" cy="332184"/>
-        </a:xfrm>
-        <a:prstGeom prst="rightArrow">
-          <a:avLst>
-            <a:gd name="adj1" fmla="val 60000"/>
-            <a:gd name="adj2" fmla="val 50000"/>
-          </a:avLst>
-        </a:prstGeom>
-        <a:solidFill>
-          <a:schemeClr val="accent1">
-            <a:tint val="60000"/>
-            <a:hueOff val="0"/>
-            <a:satOff val="0"/>
-            <a:lumOff val="0"/>
-            <a:alphaOff val="0"/>
-          </a:schemeClr>
-        </a:solidFill>
-        <a:ln>
-          <a:noFill/>
-        </a:ln>
-        <a:effectLst/>
-      </dsp:spPr>
-      <dsp:style>
-        <a:lnRef idx="0">
-          <a:scrgbClr r="0" g="0" b="0"/>
-        </a:lnRef>
-        <a:fillRef idx="1">
-          <a:scrgbClr r="0" g="0" b="0"/>
-        </a:fillRef>
-        <a:effectRef idx="0">
-          <a:scrgbClr r="0" g="0" b="0"/>
-        </a:effectRef>
-        <a:fontRef idx="minor">
-          <a:schemeClr val="lt1"/>
-        </a:fontRef>
-      </dsp:style>
-      <dsp:txBody>
-        <a:bodyPr spcFirstLastPara="0" vert="horz" wrap="square" lIns="0" tIns="0" rIns="0" bIns="0" numCol="1" spcCol="1270" anchor="ctr" anchorCtr="0">
-          <a:noAutofit/>
-        </a:bodyPr>
-        <a:lstStyle/>
-        <a:p>
-          <a:pPr lvl="0" algn="ctr" defTabSz="622300">
-            <a:lnSpc>
-              <a:spcPct val="90000"/>
-            </a:lnSpc>
-            <a:spcBef>
-              <a:spcPct val="0"/>
-            </a:spcBef>
-            <a:spcAft>
-              <a:spcPct val="35000"/>
-            </a:spcAft>
-          </a:pPr>
-          <a:endParaRPr lang="en-US" sz="1400" kern="1200"/>
-        </a:p>
-      </dsp:txBody>
-      <dsp:txXfrm rot="-5400000">
-        <a:off x="1157644" y="3000871"/>
-        <a:ext cx="199310" cy="193774"/>
-      </dsp:txXfrm>
-    </dsp:sp>
-    <dsp:sp modelId="{AE75F7EB-863A-409D-A3CE-B00CBC7A14AA}">
-      <dsp:nvSpPr>
-        <dsp:cNvPr id="0" name=""/>
-        <dsp:cNvSpPr/>
-      </dsp:nvSpPr>
-      <dsp:spPr>
-        <a:xfrm>
-          <a:off x="380413" y="3323828"/>
-          <a:ext cx="1753772" cy="738187"/>
-        </a:xfrm>
-        <a:prstGeom prst="roundRect">
-          <a:avLst>
-            <a:gd name="adj" fmla="val 10000"/>
-          </a:avLst>
-        </a:prstGeom>
-        <a:solidFill>
-          <a:schemeClr val="accent1">
-            <a:hueOff val="0"/>
-            <a:satOff val="0"/>
-            <a:lumOff val="0"/>
-            <a:alphaOff val="0"/>
-          </a:schemeClr>
-        </a:solidFill>
-        <a:ln w="25400" cap="flat" cmpd="sng" algn="ctr">
-          <a:solidFill>
-            <a:schemeClr val="lt1">
-              <a:hueOff val="0"/>
-              <a:satOff val="0"/>
-              <a:lumOff val="0"/>
-              <a:alphaOff val="0"/>
-            </a:schemeClr>
-          </a:solidFill>
-          <a:prstDash val="solid"/>
-        </a:ln>
-        <a:effectLst/>
-      </dsp:spPr>
-      <dsp:style>
-        <a:lnRef idx="2">
-          <a:scrgbClr r="0" g="0" b="0"/>
-        </a:lnRef>
-        <a:fillRef idx="1">
-          <a:scrgbClr r="0" g="0" b="0"/>
-        </a:fillRef>
-        <a:effectRef idx="0">
-          <a:scrgbClr r="0" g="0" b="0"/>
-        </a:effectRef>
-        <a:fontRef idx="minor">
-          <a:schemeClr val="lt1"/>
-        </a:fontRef>
-      </dsp:style>
-      <dsp:txBody>
-        <a:bodyPr spcFirstLastPara="0" vert="horz" wrap="square" lIns="68580" tIns="68580" rIns="68580" bIns="68580" numCol="1" spcCol="1270" anchor="ctr" anchorCtr="0">
-          <a:noAutofit/>
-        </a:bodyPr>
-        <a:lstStyle/>
-        <a:p>
-          <a:pPr lvl="0" algn="ctr" defTabSz="800100">
-            <a:lnSpc>
-              <a:spcPct val="90000"/>
-            </a:lnSpc>
-            <a:spcBef>
-              <a:spcPct val="0"/>
-            </a:spcBef>
-            <a:spcAft>
-              <a:spcPct val="35000"/>
-            </a:spcAft>
-          </a:pPr>
-          <a:r>
-            <a:rPr lang="en-US" sz="1800" b="1" kern="1200" dirty="0" smtClean="0"/>
-            <a:t>Testing</a:t>
-          </a:r>
-          <a:endParaRPr lang="en-US" sz="1800" b="1" kern="1200" dirty="0"/>
-        </a:p>
-      </dsp:txBody>
-      <dsp:txXfrm>
-        <a:off x="402034" y="3345449"/>
-        <a:ext cx="1710530" cy="694945"/>
-      </dsp:txXfrm>
-    </dsp:sp>
   </dsp:spTree>
 </dsp:drawing>
 </file>
 
 <file path=ppt/diagrams/drawing4.xml><?xml version="1.0" encoding="utf-8"?>
-<dsp:drawing xmlns:dgm="http://schemas.openxmlformats.org/drawingml/2006/diagram" xmlns:dsp="http://schemas.microsoft.com/office/drawing/2008/diagram" xmlns:a="http://schemas.openxmlformats.org/drawingml/2006/main">
+<dsp:drawing xmlns:dgm="http://schemas.openxmlformats.org/drawingml/2006/diagram" xmlns:a="http://schemas.openxmlformats.org/drawingml/2006/main" xmlns:dsp="http://schemas.microsoft.com/office/drawing/2008/diagram">
   <dsp:spTree>
     <dsp:nvGrpSpPr>
       <dsp:cNvPr id="0" name=""/>
       <dsp:cNvGrpSpPr/>
     </dsp:nvGrpSpPr>
     <dsp:grpSpPr/>
-    <dsp:sp modelId="{715D256F-02F7-4191-B84E-3A4C6CD8FFC5}">
-      <dsp:nvSpPr>
-        <dsp:cNvPr id="0" name=""/>
-        <dsp:cNvSpPr/>
-      </dsp:nvSpPr>
-      <dsp:spPr>
-        <a:xfrm>
-          <a:off x="0" y="1984"/>
-          <a:ext cx="2438400" cy="4060031"/>
-        </a:xfrm>
-        <a:prstGeom prst="roundRect">
-          <a:avLst>
-            <a:gd name="adj" fmla="val 10000"/>
-          </a:avLst>
-        </a:prstGeom>
-        <a:solidFill>
-          <a:schemeClr val="accent1">
-            <a:hueOff val="0"/>
-            <a:satOff val="0"/>
-            <a:lumOff val="0"/>
-            <a:alphaOff val="0"/>
-          </a:schemeClr>
-        </a:solidFill>
-        <a:ln w="25400" cap="flat" cmpd="sng" algn="ctr">
-          <a:solidFill>
-            <a:schemeClr val="lt1">
-              <a:hueOff val="0"/>
-              <a:satOff val="0"/>
-              <a:lumOff val="0"/>
-              <a:alphaOff val="0"/>
-            </a:schemeClr>
-          </a:solidFill>
-          <a:prstDash val="solid"/>
-        </a:ln>
-        <a:effectLst/>
-      </dsp:spPr>
-      <dsp:style>
-        <a:lnRef idx="2">
-          <a:scrgbClr r="0" g="0" b="0"/>
-        </a:lnRef>
-        <a:fillRef idx="1">
-          <a:scrgbClr r="0" g="0" b="0"/>
-        </a:fillRef>
-        <a:effectRef idx="0">
-          <a:scrgbClr r="0" g="0" b="0"/>
-        </a:effectRef>
-        <a:fontRef idx="minor">
-          <a:schemeClr val="lt1"/>
-        </a:fontRef>
-      </dsp:style>
-      <dsp:txBody>
-        <a:bodyPr spcFirstLastPara="0" vert="horz" wrap="square" lIns="110490" tIns="110490" rIns="110490" bIns="110490" numCol="1" spcCol="1270" anchor="ctr" anchorCtr="0">
-          <a:noAutofit/>
-        </a:bodyPr>
-        <a:lstStyle/>
-        <a:p>
-          <a:pPr lvl="0" algn="ctr" defTabSz="1289050">
-            <a:lnSpc>
-              <a:spcPct val="90000"/>
-            </a:lnSpc>
-            <a:spcBef>
-              <a:spcPct val="0"/>
-            </a:spcBef>
-            <a:spcAft>
-              <a:spcPct val="35000"/>
-            </a:spcAft>
-          </a:pPr>
-          <a:r>
-            <a:rPr lang="en-US" sz="2900" kern="1200" dirty="0" smtClean="0">
-              <a:latin typeface="Calibri" pitchFamily="34" charset="0"/>
-            </a:rPr>
-            <a:t>Project Management</a:t>
-          </a:r>
-          <a:endParaRPr lang="en-US" sz="2900" kern="1200" dirty="0"/>
-        </a:p>
-      </dsp:txBody>
-      <dsp:txXfrm>
-        <a:off x="71418" y="73402"/>
-        <a:ext cx="2295564" cy="3917195"/>
-      </dsp:txXfrm>
-    </dsp:sp>
   </dsp:spTree>
 </dsp:drawing>
 </file>
@@ -11520,7 +10527,7 @@
     </p:spTree>
     <p:extLst>
       <p:ext uri="{BB962C8B-B14F-4D97-AF65-F5344CB8AC3E}">
-        <p14:creationId xmlns:p14="http://schemas.microsoft.com/office/powerpoint/2010/main" val="601875911"/>
+        <p14:creationId xmlns:p14="http://schemas.microsoft.com/office/powerpoint/2010/main" xmlns="" val="601875911"/>
       </p:ext>
     </p:extLst>
   </p:cSld>
@@ -11862,7 +10869,7 @@
     </p:spTree>
     <p:extLst>
       <p:ext uri="{BB962C8B-B14F-4D97-AF65-F5344CB8AC3E}">
-        <p14:creationId xmlns:p14="http://schemas.microsoft.com/office/powerpoint/2010/main" val="1461425486"/>
+        <p14:creationId xmlns:p14="http://schemas.microsoft.com/office/powerpoint/2010/main" xmlns="" val="1461425486"/>
       </p:ext>
     </p:extLst>
   </p:cSld>
@@ -17528,7 +16535,7 @@
           <a:blip r:embed="rId3" cstate="print">
             <a:extLst>
               <a:ext uri="{28A0092B-C50C-407E-A947-70E740481C1C}">
-                <a14:useLocalDpi xmlns:a14="http://schemas.microsoft.com/office/drawing/2010/main" val="0"/>
+                <a14:useLocalDpi xmlns:a14="http://schemas.microsoft.com/office/drawing/2010/main" xmlns="" val="0"/>
               </a:ext>
             </a:extLst>
           </a:blip>
@@ -17548,7 +16555,7 @@
           <a:noFill/>
           <a:extLst>
             <a:ext uri="{909E8E84-426E-40DD-AFC4-6F175D3DCCD1}">
-              <a14:hiddenFill xmlns:a14="http://schemas.microsoft.com/office/drawing/2010/main">
+              <a14:hiddenFill xmlns:a14="http://schemas.microsoft.com/office/drawing/2010/main" xmlns="">
                 <a:solidFill>
                   <a:srgbClr val="FFFFFF"/>
                 </a:solidFill>
@@ -17748,10 +16755,10 @@
           <p:nvPr/>
         </p:nvPicPr>
         <p:blipFill>
-          <a:blip r:embed="rId2">
+          <a:blip r:embed="rId2" cstate="print">
             <a:extLst>
               <a:ext uri="{28A0092B-C50C-407E-A947-70E740481C1C}">
-                <a14:useLocalDpi xmlns:a14="http://schemas.microsoft.com/office/drawing/2010/main" val="0"/>
+                <a14:useLocalDpi xmlns:a14="http://schemas.microsoft.com/office/drawing/2010/main" xmlns="" val="0"/>
               </a:ext>
             </a:extLst>
           </a:blip>
@@ -17774,14 +16781,14 @@
           </a:ln>
           <a:extLst>
             <a:ext uri="{909E8E84-426E-40DD-AFC4-6F175D3DCCD1}">
-              <a14:hiddenFill xmlns:a14="http://schemas.microsoft.com/office/drawing/2010/main">
+              <a14:hiddenFill xmlns:a14="http://schemas.microsoft.com/office/drawing/2010/main" xmlns="">
                 <a:solidFill>
                   <a:srgbClr val="FFFFFF"/>
                 </a:solidFill>
               </a14:hiddenFill>
             </a:ext>
             <a:ext uri="{91240B29-F687-4F45-9708-019B960494DF}">
-              <a14:hiddenLine xmlns:a14="http://schemas.microsoft.com/office/drawing/2010/main" w="9525">
+              <a14:hiddenLine xmlns:a14="http://schemas.microsoft.com/office/drawing/2010/main" xmlns="" w="9525">
                 <a:solidFill>
                   <a:srgbClr val="000000"/>
                 </a:solidFill>
@@ -17796,7 +16803,7 @@
     </p:spTree>
     <p:extLst>
       <p:ext uri="{BB962C8B-B14F-4D97-AF65-F5344CB8AC3E}">
-        <p14:creationId xmlns:p14="http://schemas.microsoft.com/office/powerpoint/2010/main" val="3749085125"/>
+        <p14:creationId xmlns:p14="http://schemas.microsoft.com/office/powerpoint/2010/main" xmlns="" val="3749085125"/>
       </p:ext>
     </p:extLst>
   </p:cSld>
@@ -17858,11 +16865,7 @@
             </a:br>
             <a:r>
               <a:rPr lang="en-US" sz="2400" dirty="0" smtClean="0"/>
-              <a:t>Sample </a:t>
-            </a:r>
-            <a:r>
-              <a:rPr lang="en-US" sz="2400" dirty="0" smtClean="0"/>
-              <a:t>3: Assign Role To Project Member</a:t>
+              <a:t>Sample 3: Assign Role To Project Member</a:t>
             </a:r>
             <a:endParaRPr lang="en-US" dirty="0"/>
           </a:p>
@@ -17899,21 +16902,8 @@
             </a:r>
             <a:r>
               <a:rPr lang="en-US" sz="2000" dirty="0" smtClean="0"/>
-              <a:t>Let </a:t>
+              <a:t>Let Project Manager assign the roles to project members.</a:t>
             </a:r>
-            <a:r>
-              <a:rPr lang="en-US" sz="2000" dirty="0" smtClean="0"/>
-              <a:t>Project Manager assign the roles to </a:t>
-            </a:r>
-            <a:r>
-              <a:rPr lang="en-US" sz="2000" dirty="0" smtClean="0"/>
-              <a:t>project </a:t>
-            </a:r>
-            <a:r>
-              <a:rPr lang="en-US" sz="2000" dirty="0" smtClean="0"/>
-              <a:t>members.</a:t>
-            </a:r>
-            <a:endParaRPr lang="en-US" sz="2000" dirty="0" smtClean="0"/>
           </a:p>
           <a:p>
             <a:r>
@@ -17933,10 +16923,10 @@
           <p:nvPr/>
         </p:nvPicPr>
         <p:blipFill>
-          <a:blip r:embed="rId2">
+          <a:blip r:embed="rId2" cstate="print">
             <a:extLst>
               <a:ext uri="{28A0092B-C50C-407E-A947-70E740481C1C}">
-                <a14:useLocalDpi xmlns:a14="http://schemas.microsoft.com/office/drawing/2010/main" val="0"/>
+                <a14:useLocalDpi xmlns:a14="http://schemas.microsoft.com/office/drawing/2010/main" xmlns="" val="0"/>
               </a:ext>
             </a:extLst>
           </a:blip>
@@ -17959,14 +16949,14 @@
           </a:ln>
           <a:extLst>
             <a:ext uri="{909E8E84-426E-40DD-AFC4-6F175D3DCCD1}">
-              <a14:hiddenFill xmlns:a14="http://schemas.microsoft.com/office/drawing/2010/main">
+              <a14:hiddenFill xmlns:a14="http://schemas.microsoft.com/office/drawing/2010/main" xmlns="">
                 <a:solidFill>
                   <a:srgbClr val="FFFFFF"/>
                 </a:solidFill>
               </a14:hiddenFill>
             </a:ext>
             <a:ext uri="{91240B29-F687-4F45-9708-019B960494DF}">
-              <a14:hiddenLine xmlns:a14="http://schemas.microsoft.com/office/drawing/2010/main" w="9525">
+              <a14:hiddenLine xmlns:a14="http://schemas.microsoft.com/office/drawing/2010/main" xmlns="" w="9525">
                 <a:solidFill>
                   <a:srgbClr val="000000"/>
                 </a:solidFill>
@@ -17981,7 +16971,7 @@
     </p:spTree>
     <p:extLst>
       <p:ext uri="{BB962C8B-B14F-4D97-AF65-F5344CB8AC3E}">
-        <p14:creationId xmlns:p14="http://schemas.microsoft.com/office/powerpoint/2010/main" val="771240794"/>
+        <p14:creationId xmlns:p14="http://schemas.microsoft.com/office/powerpoint/2010/main" xmlns="" val="771240794"/>
       </p:ext>
     </p:extLst>
   </p:cSld>
@@ -18082,10 +17072,10 @@
           <p:nvPr/>
         </p:nvPicPr>
         <p:blipFill>
-          <a:blip r:embed="rId2">
+          <a:blip r:embed="rId2" cstate="print">
             <a:extLst>
               <a:ext uri="{28A0092B-C50C-407E-A947-70E740481C1C}">
-                <a14:useLocalDpi xmlns:a14="http://schemas.microsoft.com/office/drawing/2010/main" val="0"/>
+                <a14:useLocalDpi xmlns:a14="http://schemas.microsoft.com/office/drawing/2010/main" xmlns="" val="0"/>
               </a:ext>
             </a:extLst>
           </a:blip>
@@ -18108,14 +17098,14 @@
           </a:ln>
           <a:extLst>
             <a:ext uri="{909E8E84-426E-40DD-AFC4-6F175D3DCCD1}">
-              <a14:hiddenFill xmlns:a14="http://schemas.microsoft.com/office/drawing/2010/main">
+              <a14:hiddenFill xmlns:a14="http://schemas.microsoft.com/office/drawing/2010/main" xmlns="">
                 <a:solidFill>
                   <a:srgbClr val="FFFFFF"/>
                 </a:solidFill>
               </a14:hiddenFill>
             </a:ext>
             <a:ext uri="{91240B29-F687-4F45-9708-019B960494DF}">
-              <a14:hiddenLine xmlns:a14="http://schemas.microsoft.com/office/drawing/2010/main" w="9525">
+              <a14:hiddenLine xmlns:a14="http://schemas.microsoft.com/office/drawing/2010/main" xmlns="" w="9525">
                 <a:solidFill>
                   <a:srgbClr val="000000"/>
                 </a:solidFill>
@@ -18130,7 +17120,7 @@
     </p:spTree>
     <p:extLst>
       <p:ext uri="{BB962C8B-B14F-4D97-AF65-F5344CB8AC3E}">
-        <p14:creationId xmlns:p14="http://schemas.microsoft.com/office/powerpoint/2010/main" val="478887766"/>
+        <p14:creationId xmlns:p14="http://schemas.microsoft.com/office/powerpoint/2010/main" xmlns="" val="478887766"/>
       </p:ext>
     </p:extLst>
   </p:cSld>
@@ -18392,7 +17382,7 @@
     </p:spTree>
     <p:extLst>
       <p:ext uri="{BB962C8B-B14F-4D97-AF65-F5344CB8AC3E}">
-        <p14:creationId xmlns:p14="http://schemas.microsoft.com/office/powerpoint/2010/main" val="4091434407"/>
+        <p14:creationId xmlns:p14="http://schemas.microsoft.com/office/powerpoint/2010/main" xmlns="" val="4091434407"/>
       </p:ext>
     </p:extLst>
   </p:cSld>
@@ -18465,10 +17455,10 @@
           <p:nvPr/>
         </p:nvPicPr>
         <p:blipFill>
-          <a:blip r:embed="rId2">
+          <a:blip r:embed="rId2" cstate="print">
             <a:extLst>
               <a:ext uri="{28A0092B-C50C-407E-A947-70E740481C1C}">
-                <a14:useLocalDpi xmlns:a14="http://schemas.microsoft.com/office/drawing/2010/main" val="0"/>
+                <a14:useLocalDpi xmlns:a14="http://schemas.microsoft.com/office/drawing/2010/main" xmlns="" val="0"/>
               </a:ext>
             </a:extLst>
           </a:blip>
@@ -18491,14 +17481,14 @@
           </a:ln>
           <a:extLst>
             <a:ext uri="{909E8E84-426E-40DD-AFC4-6F175D3DCCD1}">
-              <a14:hiddenFill xmlns:a14="http://schemas.microsoft.com/office/drawing/2010/main">
+              <a14:hiddenFill xmlns:a14="http://schemas.microsoft.com/office/drawing/2010/main" xmlns="">
                 <a:solidFill>
                   <a:srgbClr val="FFFFFF"/>
                 </a:solidFill>
               </a14:hiddenFill>
             </a:ext>
             <a:ext uri="{91240B29-F687-4F45-9708-019B960494DF}">
-              <a14:hiddenLine xmlns:a14="http://schemas.microsoft.com/office/drawing/2010/main" w="9525">
+              <a14:hiddenLine xmlns:a14="http://schemas.microsoft.com/office/drawing/2010/main" xmlns="" w="9525">
                 <a:solidFill>
                   <a:srgbClr val="000000"/>
                 </a:solidFill>
@@ -18551,10 +17541,10 @@
           <p:nvPr/>
         </p:nvPicPr>
         <p:blipFill>
-          <a:blip r:embed="rId2">
+          <a:blip r:embed="rId2" cstate="print">
             <a:extLst>
               <a:ext uri="{28A0092B-C50C-407E-A947-70E740481C1C}">
-                <a14:useLocalDpi xmlns:a14="http://schemas.microsoft.com/office/drawing/2010/main" val="0"/>
+                <a14:useLocalDpi xmlns:a14="http://schemas.microsoft.com/office/drawing/2010/main" xmlns="" val="0"/>
               </a:ext>
             </a:extLst>
           </a:blip>
@@ -18578,14 +17568,14 @@
           <a:effectLst/>
           <a:extLst>
             <a:ext uri="{909E8E84-426E-40DD-AFC4-6F175D3DCCD1}">
-              <a14:hiddenFill xmlns:a14="http://schemas.microsoft.com/office/drawing/2010/main">
+              <a14:hiddenFill xmlns:a14="http://schemas.microsoft.com/office/drawing/2010/main" xmlns="">
                 <a:solidFill>
                   <a:schemeClr val="accent1"/>
                 </a:solidFill>
               </a14:hiddenFill>
             </a:ext>
             <a:ext uri="{91240B29-F687-4F45-9708-019B960494DF}">
-              <a14:hiddenLine xmlns:a14="http://schemas.microsoft.com/office/drawing/2010/main" w="9525">
+              <a14:hiddenLine xmlns:a14="http://schemas.microsoft.com/office/drawing/2010/main" xmlns="" w="9525">
                 <a:solidFill>
                   <a:schemeClr val="tx1"/>
                 </a:solidFill>
@@ -18595,7 +17585,7 @@
               </a14:hiddenLine>
             </a:ext>
             <a:ext uri="{AF507438-7753-43E0-B8FC-AC1667EBCBE1}">
-              <a14:hiddenEffects xmlns:a14="http://schemas.microsoft.com/office/drawing/2010/main">
+              <a14:hiddenEffects xmlns:a14="http://schemas.microsoft.com/office/drawing/2010/main" xmlns="">
                 <a:effectLst>
                   <a:outerShdw dist="35921" dir="2700000" algn="ctr" rotWithShape="0">
                     <a:schemeClr val="bg2"/>
@@ -18789,7 +17779,7 @@
     </p:spTree>
     <p:extLst>
       <p:ext uri="{BB962C8B-B14F-4D97-AF65-F5344CB8AC3E}">
-        <p14:creationId xmlns:p14="http://schemas.microsoft.com/office/powerpoint/2010/main" val="3187625084"/>
+        <p14:creationId xmlns:p14="http://schemas.microsoft.com/office/powerpoint/2010/main" xmlns="" val="3187625084"/>
       </p:ext>
     </p:extLst>
   </p:cSld>
@@ -18862,10 +17852,10 @@
           <p:nvPr/>
         </p:nvPicPr>
         <p:blipFill>
-          <a:blip r:embed="rId2">
+          <a:blip r:embed="rId2" cstate="print">
             <a:extLst>
               <a:ext uri="{28A0092B-C50C-407E-A947-70E740481C1C}">
-                <a14:useLocalDpi xmlns:a14="http://schemas.microsoft.com/office/drawing/2010/main" val="0"/>
+                <a14:useLocalDpi xmlns:a14="http://schemas.microsoft.com/office/drawing/2010/main" xmlns="" val="0"/>
               </a:ext>
             </a:extLst>
           </a:blip>
@@ -18889,14 +17879,14 @@
           <a:effectLst/>
           <a:extLst>
             <a:ext uri="{909E8E84-426E-40DD-AFC4-6F175D3DCCD1}">
-              <a14:hiddenFill xmlns:a14="http://schemas.microsoft.com/office/drawing/2010/main">
+              <a14:hiddenFill xmlns:a14="http://schemas.microsoft.com/office/drawing/2010/main" xmlns="">
                 <a:solidFill>
                   <a:schemeClr val="accent1"/>
                 </a:solidFill>
               </a14:hiddenFill>
             </a:ext>
             <a:ext uri="{91240B29-F687-4F45-9708-019B960494DF}">
-              <a14:hiddenLine xmlns:a14="http://schemas.microsoft.com/office/drawing/2010/main" w="9525">
+              <a14:hiddenLine xmlns:a14="http://schemas.microsoft.com/office/drawing/2010/main" xmlns="" w="9525">
                 <a:solidFill>
                   <a:schemeClr val="tx1"/>
                 </a:solidFill>
@@ -18906,7 +17896,7 @@
               </a14:hiddenLine>
             </a:ext>
             <a:ext uri="{AF507438-7753-43E0-B8FC-AC1667EBCBE1}">
-              <a14:hiddenEffects xmlns:a14="http://schemas.microsoft.com/office/drawing/2010/main">
+              <a14:hiddenEffects xmlns:a14="http://schemas.microsoft.com/office/drawing/2010/main" xmlns="">
                 <a:effectLst>
                   <a:outerShdw dist="35921" dir="2700000" algn="ctr" rotWithShape="0">
                     <a:schemeClr val="bg2"/>
@@ -18920,7 +17910,7 @@
     </p:spTree>
     <p:extLst>
       <p:ext uri="{BB962C8B-B14F-4D97-AF65-F5344CB8AC3E}">
-        <p14:creationId xmlns:p14="http://schemas.microsoft.com/office/powerpoint/2010/main" val="1486874553"/>
+        <p14:creationId xmlns:p14="http://schemas.microsoft.com/office/powerpoint/2010/main" xmlns="" val="1486874553"/>
       </p:ext>
     </p:extLst>
   </p:cSld>
@@ -19149,7 +18139,7 @@
     </p:spTree>
     <p:extLst>
       <p:ext uri="{BB962C8B-B14F-4D97-AF65-F5344CB8AC3E}">
-        <p14:creationId xmlns:p14="http://schemas.microsoft.com/office/powerpoint/2010/main" val="1486421255"/>
+        <p14:creationId xmlns:p14="http://schemas.microsoft.com/office/powerpoint/2010/main" xmlns="" val="1486421255"/>
       </p:ext>
     </p:extLst>
   </p:cSld>
@@ -19241,7 +18231,7 @@
           <a:blip r:embed="rId2" cstate="print">
             <a:extLst>
               <a:ext uri="{28A0092B-C50C-407E-A947-70E740481C1C}">
-                <a14:useLocalDpi xmlns:a14="http://schemas.microsoft.com/office/drawing/2010/main" val="0"/>
+                <a14:useLocalDpi xmlns:a14="http://schemas.microsoft.com/office/drawing/2010/main" xmlns="" val="0"/>
               </a:ext>
             </a:extLst>
           </a:blip>
@@ -19261,7 +18251,7 @@
           <a:noFill/>
           <a:extLst>
             <a:ext uri="{909E8E84-426E-40DD-AFC4-6F175D3DCCD1}">
-              <a14:hiddenFill xmlns:a14="http://schemas.microsoft.com/office/drawing/2010/main">
+              <a14:hiddenFill xmlns:a14="http://schemas.microsoft.com/office/drawing/2010/main" xmlns="">
                 <a:solidFill>
                   <a:srgbClr val="FFFFFF"/>
                 </a:solidFill>
@@ -19273,7 +18263,7 @@
     </p:spTree>
     <p:extLst>
       <p:ext uri="{BB962C8B-B14F-4D97-AF65-F5344CB8AC3E}">
-        <p14:creationId xmlns:p14="http://schemas.microsoft.com/office/powerpoint/2010/main" val="1357882309"/>
+        <p14:creationId xmlns:p14="http://schemas.microsoft.com/office/powerpoint/2010/main" xmlns="" val="1357882309"/>
       </p:ext>
     </p:extLst>
   </p:cSld>
@@ -19474,7 +18464,7 @@
     </p:spTree>
     <p:extLst>
       <p:ext uri="{BB962C8B-B14F-4D97-AF65-F5344CB8AC3E}">
-        <p14:creationId xmlns:p14="http://schemas.microsoft.com/office/powerpoint/2010/main" val="1189294953"/>
+        <p14:creationId xmlns:p14="http://schemas.microsoft.com/office/powerpoint/2010/main" xmlns="" val="1189294953"/>
       </p:ext>
     </p:extLst>
   </p:cSld>
@@ -19703,7 +18693,7 @@
           <a:blip r:embed="rId2" cstate="print">
             <a:extLst>
               <a:ext uri="{28A0092B-C50C-407E-A947-70E740481C1C}">
-                <a14:useLocalDpi xmlns:a14="http://schemas.microsoft.com/office/drawing/2010/main" val="0"/>
+                <a14:useLocalDpi xmlns:a14="http://schemas.microsoft.com/office/drawing/2010/main" xmlns="" val="0"/>
               </a:ext>
             </a:extLst>
           </a:blip>
@@ -19723,7 +18713,7 @@
           <a:noFill/>
           <a:extLst>
             <a:ext uri="{909E8E84-426E-40DD-AFC4-6F175D3DCCD1}">
-              <a14:hiddenFill xmlns:a14="http://schemas.microsoft.com/office/drawing/2010/main">
+              <a14:hiddenFill xmlns:a14="http://schemas.microsoft.com/office/drawing/2010/main" xmlns="">
                 <a:solidFill>
                   <a:srgbClr val="FFFFFF"/>
                 </a:solidFill>
@@ -19735,7 +18725,7 @@
     </p:spTree>
     <p:extLst>
       <p:ext uri="{BB962C8B-B14F-4D97-AF65-F5344CB8AC3E}">
-        <p14:creationId xmlns:p14="http://schemas.microsoft.com/office/powerpoint/2010/main" val="2651902496"/>
+        <p14:creationId xmlns:p14="http://schemas.microsoft.com/office/powerpoint/2010/main" xmlns="" val="2651902496"/>
       </p:ext>
     </p:extLst>
   </p:cSld>
@@ -19997,7 +18987,7 @@
     </p:spTree>
     <p:extLst>
       <p:ext uri="{BB962C8B-B14F-4D97-AF65-F5344CB8AC3E}">
-        <p14:creationId xmlns:p14="http://schemas.microsoft.com/office/powerpoint/2010/main" val="4091434407"/>
+        <p14:creationId xmlns:p14="http://schemas.microsoft.com/office/powerpoint/2010/main" xmlns="" val="4091434407"/>
       </p:ext>
     </p:extLst>
   </p:cSld>
@@ -20115,7 +19105,7 @@
           <p:nvPr>
             <p:extLst>
               <p:ext uri="{D42A27DB-BD31-4B8C-83A1-F6EECF244321}">
-                <p14:modId xmlns:p14="http://schemas.microsoft.com/office/powerpoint/2010/main" val="3348270388"/>
+                <p14:modId xmlns:p14="http://schemas.microsoft.com/office/powerpoint/2010/main" xmlns="" val="3348270388"/>
               </p:ext>
             </p:extLst>
           </p:nvPr>
@@ -20225,7 +19215,7 @@
           <p:nvPr>
             <p:extLst>
               <p:ext uri="{D42A27DB-BD31-4B8C-83A1-F6EECF244321}">
-                <p14:modId xmlns:p14="http://schemas.microsoft.com/office/powerpoint/2010/main" val="3362897560"/>
+                <p14:modId xmlns:p14="http://schemas.microsoft.com/office/powerpoint/2010/main" xmlns="" val="3362897560"/>
               </p:ext>
             </p:extLst>
           </p:nvPr>
@@ -21410,7 +20400,7 @@
     </p:spTree>
     <p:extLst>
       <p:ext uri="{BB962C8B-B14F-4D97-AF65-F5344CB8AC3E}">
-        <p14:creationId xmlns:p14="http://schemas.microsoft.com/office/powerpoint/2010/main" val="4091434407"/>
+        <p14:creationId xmlns:p14="http://schemas.microsoft.com/office/powerpoint/2010/main" xmlns="" val="4091434407"/>
       </p:ext>
     </p:extLst>
   </p:cSld>
@@ -21477,7 +20467,7 @@
             <p:ph idx="1"/>
             <p:extLst>
               <p:ext uri="{D42A27DB-BD31-4B8C-83A1-F6EECF244321}">
-                <p14:modId xmlns:p14="http://schemas.microsoft.com/office/powerpoint/2010/main" val="1624300151"/>
+                <p14:modId xmlns:p14="http://schemas.microsoft.com/office/powerpoint/2010/main" xmlns="" val="1624300151"/>
               </p:ext>
             </p:extLst>
           </p:nvPr>
@@ -22945,7 +21935,7 @@
           <a:blip r:embed="rId2" cstate="print">
             <a:extLst>
               <a:ext uri="{28A0092B-C50C-407E-A947-70E740481C1C}">
-                <a14:useLocalDpi xmlns:a14="http://schemas.microsoft.com/office/drawing/2010/main" val="0"/>
+                <a14:useLocalDpi xmlns:a14="http://schemas.microsoft.com/office/drawing/2010/main" xmlns="" val="0"/>
               </a:ext>
             </a:extLst>
           </a:blip>
@@ -22965,7 +21955,7 @@
           <a:noFill/>
           <a:extLst>
             <a:ext uri="{909E8E84-426E-40DD-AFC4-6F175D3DCCD1}">
-              <a14:hiddenFill xmlns:a14="http://schemas.microsoft.com/office/drawing/2010/main">
+              <a14:hiddenFill xmlns:a14="http://schemas.microsoft.com/office/drawing/2010/main" xmlns="">
                 <a:solidFill>
                   <a:srgbClr val="FFFFFF"/>
                 </a:solidFill>
@@ -22986,7 +21976,7 @@
           <a:blip r:embed="rId2" cstate="print">
             <a:extLst>
               <a:ext uri="{28A0092B-C50C-407E-A947-70E740481C1C}">
-                <a14:useLocalDpi xmlns:a14="http://schemas.microsoft.com/office/drawing/2010/main" val="0"/>
+                <a14:useLocalDpi xmlns:a14="http://schemas.microsoft.com/office/drawing/2010/main" xmlns="" val="0"/>
               </a:ext>
             </a:extLst>
           </a:blip>
@@ -23006,7 +21996,7 @@
           <a:noFill/>
           <a:extLst>
             <a:ext uri="{909E8E84-426E-40DD-AFC4-6F175D3DCCD1}">
-              <a14:hiddenFill xmlns:a14="http://schemas.microsoft.com/office/drawing/2010/main">
+              <a14:hiddenFill xmlns:a14="http://schemas.microsoft.com/office/drawing/2010/main" xmlns="">
                 <a:solidFill>
                   <a:srgbClr val="FFFFFF"/>
                 </a:solidFill>
@@ -23027,7 +22017,7 @@
           <a:blip r:embed="rId2" cstate="print">
             <a:extLst>
               <a:ext uri="{28A0092B-C50C-407E-A947-70E740481C1C}">
-                <a14:useLocalDpi xmlns:a14="http://schemas.microsoft.com/office/drawing/2010/main" val="0"/>
+                <a14:useLocalDpi xmlns:a14="http://schemas.microsoft.com/office/drawing/2010/main" xmlns="" val="0"/>
               </a:ext>
             </a:extLst>
           </a:blip>
@@ -23047,7 +22037,7 @@
           <a:noFill/>
           <a:extLst>
             <a:ext uri="{909E8E84-426E-40DD-AFC4-6F175D3DCCD1}">
-              <a14:hiddenFill xmlns:a14="http://schemas.microsoft.com/office/drawing/2010/main">
+              <a14:hiddenFill xmlns:a14="http://schemas.microsoft.com/office/drawing/2010/main" xmlns="">
                 <a:solidFill>
                   <a:srgbClr val="FFFFFF"/>
                 </a:solidFill>
@@ -23068,7 +22058,7 @@
           <a:blip r:embed="rId2" cstate="print">
             <a:extLst>
               <a:ext uri="{28A0092B-C50C-407E-A947-70E740481C1C}">
-                <a14:useLocalDpi xmlns:a14="http://schemas.microsoft.com/office/drawing/2010/main" val="0"/>
+                <a14:useLocalDpi xmlns:a14="http://schemas.microsoft.com/office/drawing/2010/main" xmlns="" val="0"/>
               </a:ext>
             </a:extLst>
           </a:blip>
@@ -23088,7 +22078,7 @@
           <a:noFill/>
           <a:extLst>
             <a:ext uri="{909E8E84-426E-40DD-AFC4-6F175D3DCCD1}">
-              <a14:hiddenFill xmlns:a14="http://schemas.microsoft.com/office/drawing/2010/main">
+              <a14:hiddenFill xmlns:a14="http://schemas.microsoft.com/office/drawing/2010/main" xmlns="">
                 <a:solidFill>
                   <a:srgbClr val="FFFFFF"/>
                 </a:solidFill>
@@ -23327,7 +22317,7 @@
           <a:blip r:embed="rId2" cstate="print">
             <a:extLst>
               <a:ext uri="{28A0092B-C50C-407E-A947-70E740481C1C}">
-                <a14:useLocalDpi xmlns:a14="http://schemas.microsoft.com/office/drawing/2010/main" val="0"/>
+                <a14:useLocalDpi xmlns:a14="http://schemas.microsoft.com/office/drawing/2010/main" xmlns="" val="0"/>
               </a:ext>
             </a:extLst>
           </a:blip>
@@ -23347,7 +22337,7 @@
           <a:noFill/>
           <a:extLst>
             <a:ext uri="{909E8E84-426E-40DD-AFC4-6F175D3DCCD1}">
-              <a14:hiddenFill xmlns:a14="http://schemas.microsoft.com/office/drawing/2010/main">
+              <a14:hiddenFill xmlns:a14="http://schemas.microsoft.com/office/drawing/2010/main" xmlns="">
                 <a:solidFill>
                   <a:srgbClr val="FFFFFF"/>
                 </a:solidFill>
@@ -23359,7 +22349,7 @@
     </p:spTree>
     <p:extLst>
       <p:ext uri="{BB962C8B-B14F-4D97-AF65-F5344CB8AC3E}">
-        <p14:creationId xmlns:p14="http://schemas.microsoft.com/office/powerpoint/2010/main" val="4091434407"/>
+        <p14:creationId xmlns:p14="http://schemas.microsoft.com/office/powerpoint/2010/main" xmlns="" val="4091434407"/>
       </p:ext>
     </p:extLst>
   </p:cSld>
@@ -23425,10 +22415,10 @@
           <p:nvPr/>
         </p:nvPicPr>
         <p:blipFill>
-          <a:blip r:embed="rId2">
+          <a:blip r:embed="rId2" cstate="print">
             <a:extLst>
               <a:ext uri="{28A0092B-C50C-407E-A947-70E740481C1C}">
-                <a14:useLocalDpi xmlns:a14="http://schemas.microsoft.com/office/drawing/2010/main" val="0"/>
+                <a14:useLocalDpi xmlns:a14="http://schemas.microsoft.com/office/drawing/2010/main" xmlns="" val="0"/>
               </a:ext>
             </a:extLst>
           </a:blip>
@@ -23452,14 +22442,14 @@
           <a:effectLst/>
           <a:extLst>
             <a:ext uri="{909E8E84-426E-40DD-AFC4-6F175D3DCCD1}">
-              <a14:hiddenFill xmlns:a14="http://schemas.microsoft.com/office/drawing/2010/main">
+              <a14:hiddenFill xmlns:a14="http://schemas.microsoft.com/office/drawing/2010/main" xmlns="">
                 <a:solidFill>
                   <a:schemeClr val="accent1"/>
                 </a:solidFill>
               </a14:hiddenFill>
             </a:ext>
             <a:ext uri="{91240B29-F687-4F45-9708-019B960494DF}">
-              <a14:hiddenLine xmlns:a14="http://schemas.microsoft.com/office/drawing/2010/main" w="9525">
+              <a14:hiddenLine xmlns:a14="http://schemas.microsoft.com/office/drawing/2010/main" xmlns="" w="9525">
                 <a:solidFill>
                   <a:schemeClr val="tx1"/>
                 </a:solidFill>
@@ -23469,7 +22459,7 @@
               </a14:hiddenLine>
             </a:ext>
             <a:ext uri="{AF507438-7753-43E0-B8FC-AC1667EBCBE1}">
-              <a14:hiddenEffects xmlns:a14="http://schemas.microsoft.com/office/drawing/2010/main">
+              <a14:hiddenEffects xmlns:a14="http://schemas.microsoft.com/office/drawing/2010/main" xmlns="">
                 <a:effectLst>
                   <a:outerShdw dist="35921" dir="2700000" algn="ctr" rotWithShape="0">
                     <a:schemeClr val="bg2"/>
@@ -23483,7 +22473,7 @@
     </p:spTree>
     <p:extLst>
       <p:ext uri="{BB962C8B-B14F-4D97-AF65-F5344CB8AC3E}">
-        <p14:creationId xmlns:p14="http://schemas.microsoft.com/office/powerpoint/2010/main" val="923722062"/>
+        <p14:creationId xmlns:p14="http://schemas.microsoft.com/office/powerpoint/2010/main" xmlns="" val="923722062"/>
       </p:ext>
     </p:extLst>
   </p:cSld>
@@ -23721,7 +22711,7 @@
           <a:blip r:embed="rId2" cstate="print">
             <a:extLst>
               <a:ext uri="{28A0092B-C50C-407E-A947-70E740481C1C}">
-                <a14:useLocalDpi xmlns:a14="http://schemas.microsoft.com/office/drawing/2010/main" val="0"/>
+                <a14:useLocalDpi xmlns:a14="http://schemas.microsoft.com/office/drawing/2010/main" xmlns="" val="0"/>
               </a:ext>
             </a:extLst>
           </a:blip>
@@ -23741,7 +22731,7 @@
           <a:noFill/>
           <a:extLst>
             <a:ext uri="{909E8E84-426E-40DD-AFC4-6F175D3DCCD1}">
-              <a14:hiddenFill xmlns:a14="http://schemas.microsoft.com/office/drawing/2010/main">
+              <a14:hiddenFill xmlns:a14="http://schemas.microsoft.com/office/drawing/2010/main" xmlns="">
                 <a:solidFill>
                   <a:srgbClr val="FFFFFF"/>
                 </a:solidFill>
@@ -23753,7 +22743,7 @@
     </p:spTree>
     <p:extLst>
       <p:ext uri="{BB962C8B-B14F-4D97-AF65-F5344CB8AC3E}">
-        <p14:creationId xmlns:p14="http://schemas.microsoft.com/office/powerpoint/2010/main" val="674631353"/>
+        <p14:creationId xmlns:p14="http://schemas.microsoft.com/office/powerpoint/2010/main" xmlns="" val="674631353"/>
       </p:ext>
     </p:extLst>
   </p:cSld>
@@ -23845,7 +22835,7 @@
           <p:nvPr>
             <p:extLst>
               <p:ext uri="{D42A27DB-BD31-4B8C-83A1-F6EECF244321}">
-                <p14:modId xmlns:p14="http://schemas.microsoft.com/office/powerpoint/2010/main" val="1852051571"/>
+                <p14:modId xmlns:p14="http://schemas.microsoft.com/office/powerpoint/2010/main" xmlns="" val="1852051571"/>
               </p:ext>
             </p:extLst>
           </p:nvPr>
@@ -24394,7 +23384,7 @@
           <a:blip r:embed="rId2" cstate="print">
             <a:extLst>
               <a:ext uri="{28A0092B-C50C-407E-A947-70E740481C1C}">
-                <a14:useLocalDpi xmlns:a14="http://schemas.microsoft.com/office/drawing/2010/main" val="0"/>
+                <a14:useLocalDpi xmlns:a14="http://schemas.microsoft.com/office/drawing/2010/main" xmlns="" val="0"/>
               </a:ext>
             </a:extLst>
           </a:blip>
@@ -24414,7 +23404,7 @@
           <a:noFill/>
           <a:extLst>
             <a:ext uri="{909E8E84-426E-40DD-AFC4-6F175D3DCCD1}">
-              <a14:hiddenFill xmlns:a14="http://schemas.microsoft.com/office/drawing/2010/main">
+              <a14:hiddenFill xmlns:a14="http://schemas.microsoft.com/office/drawing/2010/main" xmlns="">
                 <a:solidFill>
                   <a:srgbClr val="FFFFFF"/>
                 </a:solidFill>
@@ -24426,7 +23416,7 @@
     </p:spTree>
     <p:extLst>
       <p:ext uri="{BB962C8B-B14F-4D97-AF65-F5344CB8AC3E}">
-        <p14:creationId xmlns:p14="http://schemas.microsoft.com/office/powerpoint/2010/main" val="4091434407"/>
+        <p14:creationId xmlns:p14="http://schemas.microsoft.com/office/powerpoint/2010/main" xmlns="" val="4091434407"/>
       </p:ext>
     </p:extLst>
   </p:cSld>
@@ -24493,7 +23483,7 @@
             <p:ph idx="1"/>
             <p:extLst>
               <p:ext uri="{D42A27DB-BD31-4B8C-83A1-F6EECF244321}">
-                <p14:modId xmlns:p14="http://schemas.microsoft.com/office/powerpoint/2010/main" val="1715314121"/>
+                <p14:modId xmlns:p14="http://schemas.microsoft.com/office/powerpoint/2010/main" xmlns="" val="1715314121"/>
               </p:ext>
             </p:extLst>
           </p:nvPr>
@@ -24630,7 +23620,7 @@
           <a:blip r:embed="rId2" cstate="print">
             <a:extLst>
               <a:ext uri="{28A0092B-C50C-407E-A947-70E740481C1C}">
-                <a14:useLocalDpi xmlns:a14="http://schemas.microsoft.com/office/drawing/2010/main" val="0"/>
+                <a14:useLocalDpi xmlns:a14="http://schemas.microsoft.com/office/drawing/2010/main" xmlns="" val="0"/>
               </a:ext>
             </a:extLst>
           </a:blip>
@@ -24650,7 +23640,7 @@
           <a:noFill/>
           <a:extLst>
             <a:ext uri="{909E8E84-426E-40DD-AFC4-6F175D3DCCD1}">
-              <a14:hiddenFill xmlns:a14="http://schemas.microsoft.com/office/drawing/2010/main">
+              <a14:hiddenFill xmlns:a14="http://schemas.microsoft.com/office/drawing/2010/main" xmlns="">
                 <a:solidFill>
                   <a:srgbClr val="FFFFFF"/>
                 </a:solidFill>
@@ -24885,7 +23875,7 @@
           <a:blip r:embed="rId2" cstate="print">
             <a:extLst>
               <a:ext uri="{28A0092B-C50C-407E-A947-70E740481C1C}">
-                <a14:useLocalDpi xmlns:a14="http://schemas.microsoft.com/office/drawing/2010/main" val="0"/>
+                <a14:useLocalDpi xmlns:a14="http://schemas.microsoft.com/office/drawing/2010/main" xmlns="" val="0"/>
               </a:ext>
             </a:extLst>
           </a:blip>
@@ -24905,7 +23895,7 @@
           <a:noFill/>
           <a:extLst>
             <a:ext uri="{909E8E84-426E-40DD-AFC4-6F175D3DCCD1}">
-              <a14:hiddenFill xmlns:a14="http://schemas.microsoft.com/office/drawing/2010/main">
+              <a14:hiddenFill xmlns:a14="http://schemas.microsoft.com/office/drawing/2010/main" xmlns="">
                 <a:solidFill>
                   <a:srgbClr val="FFFFFF"/>
                 </a:solidFill>
@@ -24917,7 +23907,7 @@
     </p:spTree>
     <p:extLst>
       <p:ext uri="{BB962C8B-B14F-4D97-AF65-F5344CB8AC3E}">
-        <p14:creationId xmlns:p14="http://schemas.microsoft.com/office/powerpoint/2010/main" val="706440204"/>
+        <p14:creationId xmlns:p14="http://schemas.microsoft.com/office/powerpoint/2010/main" xmlns="" val="706440204"/>
       </p:ext>
     </p:extLst>
   </p:cSld>
@@ -25196,10 +24186,10 @@
           <p:nvPr/>
         </p:nvPicPr>
         <p:blipFill>
-          <a:blip r:embed="rId2">
+          <a:blip r:embed="rId2" cstate="print">
             <a:extLst>
               <a:ext uri="{28A0092B-C50C-407E-A947-70E740481C1C}">
-                <a14:useLocalDpi xmlns:a14="http://schemas.microsoft.com/office/drawing/2010/main" val="0"/>
+                <a14:useLocalDpi xmlns:a14="http://schemas.microsoft.com/office/drawing/2010/main" xmlns="" val="0"/>
               </a:ext>
             </a:extLst>
           </a:blip>
@@ -25222,14 +24212,14 @@
           </a:ln>
           <a:extLst>
             <a:ext uri="{909E8E84-426E-40DD-AFC4-6F175D3DCCD1}">
-              <a14:hiddenFill xmlns:a14="http://schemas.microsoft.com/office/drawing/2010/main">
+              <a14:hiddenFill xmlns:a14="http://schemas.microsoft.com/office/drawing/2010/main" xmlns="">
                 <a:solidFill>
                   <a:srgbClr val="FFFFFF"/>
                 </a:solidFill>
               </a14:hiddenFill>
             </a:ext>
             <a:ext uri="{91240B29-F687-4F45-9708-019B960494DF}">
-              <a14:hiddenLine xmlns:a14="http://schemas.microsoft.com/office/drawing/2010/main" w="9525">
+              <a14:hiddenLine xmlns:a14="http://schemas.microsoft.com/office/drawing/2010/main" xmlns="" w="9525">
                 <a:solidFill>
                   <a:srgbClr val="000000"/>
                 </a:solidFill>
@@ -25244,7 +24234,7 @@
     </p:spTree>
     <p:extLst>
       <p:ext uri="{BB962C8B-B14F-4D97-AF65-F5344CB8AC3E}">
-        <p14:creationId xmlns:p14="http://schemas.microsoft.com/office/powerpoint/2010/main" val="107169001"/>
+        <p14:creationId xmlns:p14="http://schemas.microsoft.com/office/powerpoint/2010/main" xmlns="" val="107169001"/>
       </p:ext>
     </p:extLst>
   </p:cSld>
@@ -25306,15 +24296,7 @@
             </a:br>
             <a:r>
               <a:rPr lang="en-US" sz="2400" dirty="0" smtClean="0"/>
-              <a:t>Sample </a:t>
-            </a:r>
-            <a:r>
-              <a:rPr lang="en-US" sz="2400" dirty="0" smtClean="0"/>
-              <a:t>1: </a:t>
-            </a:r>
-            <a:r>
-              <a:rPr lang="en-US" sz="2400" dirty="0" smtClean="0"/>
-              <a:t>Generate Certificate</a:t>
+              <a:t>Sample 1: Generate Certificate</a:t>
             </a:r>
             <a:endParaRPr lang="en-US" dirty="0"/>
           </a:p>
@@ -25351,24 +24333,17 @@
             </a:r>
             <a:r>
               <a:rPr lang="en-US" sz="2000" dirty="0" smtClean="0"/>
-              <a:t>Let user search and view </a:t>
-            </a:r>
-            <a:r>
-              <a:rPr lang="en-US" sz="2000" dirty="0"/>
-              <a:t>the </a:t>
+              <a:t>Let </a:t>
             </a:r>
             <a:r>
               <a:rPr lang="en-US" sz="2000" dirty="0" smtClean="0"/>
-              <a:t>member </a:t>
-            </a:r>
-            <a:r>
-              <a:rPr lang="en-US" sz="2000" dirty="0"/>
-              <a:t>list of </a:t>
+              <a:t>System Administrator to generate certificate requested by volunteers</a:t>
             </a:r>
             <a:r>
               <a:rPr lang="en-US" sz="2000" dirty="0" smtClean="0"/>
-              <a:t>a project.</a:t>
+              <a:t>.</a:t>
             </a:r>
+            <a:endParaRPr lang="en-US" sz="2000" dirty="0" smtClean="0"/>
           </a:p>
           <a:p>
             <a:r>
@@ -25388,10 +24363,10 @@
           <p:nvPr/>
         </p:nvPicPr>
         <p:blipFill>
-          <a:blip r:embed="rId2">
+          <a:blip r:embed="rId2" cstate="print">
             <a:extLst>
               <a:ext uri="{28A0092B-C50C-407E-A947-70E740481C1C}">
-                <a14:useLocalDpi xmlns:a14="http://schemas.microsoft.com/office/drawing/2010/main" val="0"/>
+                <a14:useLocalDpi xmlns:a14="http://schemas.microsoft.com/office/drawing/2010/main" xmlns="" val="0"/>
               </a:ext>
             </a:extLst>
           </a:blip>
@@ -25402,7 +24377,7 @@
         </p:blipFill>
         <p:spPr bwMode="auto">
           <a:xfrm>
-            <a:off x="1484313" y="2514600"/>
+            <a:off x="1447800" y="2749658"/>
             <a:ext cx="6364287" cy="4108342"/>
           </a:xfrm>
           <a:prstGeom prst="rect">
@@ -25414,14 +24389,14 @@
           </a:ln>
           <a:extLst>
             <a:ext uri="{909E8E84-426E-40DD-AFC4-6F175D3DCCD1}">
-              <a14:hiddenFill xmlns:a14="http://schemas.microsoft.com/office/drawing/2010/main">
+              <a14:hiddenFill xmlns:a14="http://schemas.microsoft.com/office/drawing/2010/main" xmlns="">
                 <a:solidFill>
                   <a:srgbClr val="FFFFFF"/>
                 </a:solidFill>
               </a14:hiddenFill>
             </a:ext>
             <a:ext uri="{91240B29-F687-4F45-9708-019B960494DF}">
-              <a14:hiddenLine xmlns:a14="http://schemas.microsoft.com/office/drawing/2010/main" w="9525">
+              <a14:hiddenLine xmlns:a14="http://schemas.microsoft.com/office/drawing/2010/main" xmlns="" w="9525">
                 <a:solidFill>
                   <a:srgbClr val="000000"/>
                 </a:solidFill>
@@ -25436,7 +24411,7 @@
     </p:spTree>
     <p:extLst>
       <p:ext uri="{BB962C8B-B14F-4D97-AF65-F5344CB8AC3E}">
-        <p14:creationId xmlns:p14="http://schemas.microsoft.com/office/powerpoint/2010/main" val="2481635434"/>
+        <p14:creationId xmlns:p14="http://schemas.microsoft.com/office/powerpoint/2010/main" xmlns="" val="2481635434"/>
       </p:ext>
     </p:extLst>
   </p:cSld>
@@ -25498,11 +24473,7 @@
             </a:r>
             <a:r>
               <a:rPr lang="en-US" sz="2400" dirty="0" smtClean="0"/>
-              <a:t>1: </a:t>
-            </a:r>
-            <a:r>
-              <a:rPr lang="en-US" sz="2400" dirty="0" smtClean="0"/>
-              <a:t>Generate Certificate</a:t>
+              <a:t>1: Generate Certificate</a:t>
             </a:r>
             <a:endParaRPr lang="en-US" sz="2800" dirty="0"/>
           </a:p>
@@ -25545,10 +24516,10 @@
           <p:nvPr/>
         </p:nvPicPr>
         <p:blipFill>
-          <a:blip r:embed="rId2">
+          <a:blip r:embed="rId2" cstate="print">
             <a:extLst>
               <a:ext uri="{28A0092B-C50C-407E-A947-70E740481C1C}">
-                <a14:useLocalDpi xmlns:a14="http://schemas.microsoft.com/office/drawing/2010/main" val="0"/>
+                <a14:useLocalDpi xmlns:a14="http://schemas.microsoft.com/office/drawing/2010/main" xmlns="" val="0"/>
               </a:ext>
             </a:extLst>
           </a:blip>
@@ -25571,14 +24542,14 @@
           </a:ln>
           <a:extLst>
             <a:ext uri="{909E8E84-426E-40DD-AFC4-6F175D3DCCD1}">
-              <a14:hiddenFill xmlns:a14="http://schemas.microsoft.com/office/drawing/2010/main">
+              <a14:hiddenFill xmlns:a14="http://schemas.microsoft.com/office/drawing/2010/main" xmlns="">
                 <a:solidFill>
                   <a:srgbClr val="FFFFFF"/>
                 </a:solidFill>
               </a14:hiddenFill>
             </a:ext>
             <a:ext uri="{91240B29-F687-4F45-9708-019B960494DF}">
-              <a14:hiddenLine xmlns:a14="http://schemas.microsoft.com/office/drawing/2010/main" w="9525">
+              <a14:hiddenLine xmlns:a14="http://schemas.microsoft.com/office/drawing/2010/main" xmlns="" w="9525">
                 <a:solidFill>
                   <a:srgbClr val="000000"/>
                 </a:solidFill>
@@ -25593,7 +24564,7 @@
     </p:spTree>
     <p:extLst>
       <p:ext uri="{BB962C8B-B14F-4D97-AF65-F5344CB8AC3E}">
-        <p14:creationId xmlns:p14="http://schemas.microsoft.com/office/powerpoint/2010/main" val="3699847220"/>
+        <p14:creationId xmlns:p14="http://schemas.microsoft.com/office/powerpoint/2010/main" xmlns="" val="3699847220"/>
       </p:ext>
     </p:extLst>
   </p:cSld>
@@ -25655,15 +24626,7 @@
             </a:br>
             <a:r>
               <a:rPr lang="en-US" sz="2400" dirty="0" smtClean="0"/>
-              <a:t>Sample </a:t>
-            </a:r>
-            <a:r>
-              <a:rPr lang="en-US" sz="2400" dirty="0" smtClean="0"/>
-              <a:t>2: </a:t>
-            </a:r>
-            <a:r>
-              <a:rPr lang="en-US" sz="2400" dirty="0" smtClean="0"/>
-              <a:t>Search Project Member</a:t>
+              <a:t>Sample 2: Search Project Member</a:t>
             </a:r>
             <a:endParaRPr lang="en-US" dirty="0"/>
           </a:p>
@@ -25737,10 +24700,10 @@
           <p:nvPr/>
         </p:nvPicPr>
         <p:blipFill>
-          <a:blip r:embed="rId2">
+          <a:blip r:embed="rId2" cstate="print">
             <a:extLst>
               <a:ext uri="{28A0092B-C50C-407E-A947-70E740481C1C}">
-                <a14:useLocalDpi xmlns:a14="http://schemas.microsoft.com/office/drawing/2010/main" val="0"/>
+                <a14:useLocalDpi xmlns:a14="http://schemas.microsoft.com/office/drawing/2010/main" xmlns="" val="0"/>
               </a:ext>
             </a:extLst>
           </a:blip>
@@ -25763,14 +24726,14 @@
           </a:ln>
           <a:extLst>
             <a:ext uri="{909E8E84-426E-40DD-AFC4-6F175D3DCCD1}">
-              <a14:hiddenFill xmlns:a14="http://schemas.microsoft.com/office/drawing/2010/main">
+              <a14:hiddenFill xmlns:a14="http://schemas.microsoft.com/office/drawing/2010/main" xmlns="">
                 <a:solidFill>
                   <a:srgbClr val="FFFFFF"/>
                 </a:solidFill>
               </a14:hiddenFill>
             </a:ext>
             <a:ext uri="{91240B29-F687-4F45-9708-019B960494DF}">
-              <a14:hiddenLine xmlns:a14="http://schemas.microsoft.com/office/drawing/2010/main" w="9525">
+              <a14:hiddenLine xmlns:a14="http://schemas.microsoft.com/office/drawing/2010/main" xmlns="" w="9525">
                 <a:solidFill>
                   <a:srgbClr val="000000"/>
                 </a:solidFill>
@@ -25785,7 +24748,7 @@
     </p:spTree>
     <p:extLst>
       <p:ext uri="{BB962C8B-B14F-4D97-AF65-F5344CB8AC3E}">
-        <p14:creationId xmlns:p14="http://schemas.microsoft.com/office/powerpoint/2010/main" val="1219137844"/>
+        <p14:creationId xmlns:p14="http://schemas.microsoft.com/office/powerpoint/2010/main" xmlns="" val="1219137844"/>
       </p:ext>
     </p:extLst>
   </p:cSld>
